--- a/金錢不是萬能.pptx
+++ b/金錢不是萬能.pptx
@@ -6,9 +6,9 @@
   </p:sldMasterIdLst>
   <p:sldIdLst>
     <p:sldId id="257" r:id="rId2"/>
-    <p:sldId id="258" r:id="rId3"/>
+    <p:sldId id="259" r:id="rId3"/>
   </p:sldIdLst>
-  <p:sldSz cx="9144000" cy="6858000" type="screen4x3"/>
+  <p:sldSz cx="12192000" cy="6858000"/>
   <p:notesSz cx="6858000" cy="9144000"/>
   <p:defaultTextStyle>
     <a:defPPr>
@@ -105,6 +105,22 @@
       </a:defRPr>
     </a:lvl9pPr>
   </p:defaultTextStyle>
+  <p:extLst>
+    <p:ext uri="{EFAFB233-063F-42B5-8137-9DF3F51BA10A}">
+      <p15:sldGuideLst xmlns:p15="http://schemas.microsoft.com/office/powerpoint/2012/main">
+        <p15:guide id="1" orient="horz" pos="2160" userDrawn="1">
+          <p15:clr>
+            <a:srgbClr val="A4A3A4"/>
+          </p15:clr>
+        </p15:guide>
+        <p15:guide id="2" pos="3840" userDrawn="1">
+          <p15:clr>
+            <a:srgbClr val="A4A3A4"/>
+          </p15:clr>
+        </p15:guide>
+      </p15:sldGuideLst>
+    </p:ext>
+  </p:extLst>
 </p:presentation>
 </file>
 
@@ -137,8 +153,8 @@
         </p:nvSpPr>
         <p:spPr>
           <a:xfrm>
-            <a:off x="685800" y="2130425"/>
-            <a:ext cx="7772400" cy="1470025"/>
+            <a:off x="914400" y="2130426"/>
+            <a:ext cx="10363200" cy="1470025"/>
           </a:xfrm>
         </p:spPr>
         <p:txBody>
@@ -165,8 +181,8 @@
         </p:nvSpPr>
         <p:spPr>
           <a:xfrm>
-            <a:off x="1371600" y="3886200"/>
-            <a:ext cx="6400800" cy="1752600"/>
+            <a:off x="1828800" y="3886200"/>
+            <a:ext cx="8534400" cy="1752600"/>
           </a:xfrm>
         </p:spPr>
         <p:txBody>
@@ -289,7 +305,7 @@
           <a:p>
             <a:fld id="{95A4B3F1-EFF9-4805-913D-1ECEA9EAAFAF}" type="datetimeFigureOut">
               <a:rPr lang="zh-TW" altLang="en-US" smtClean="0"/>
-              <a:t>2019/2/23</a:t>
+              <a:t>2020/2/6</a:t>
             </a:fld>
             <a:endParaRPr lang="zh-TW" altLang="en-US"/>
           </a:p>
@@ -454,7 +470,7 @@
           <a:p>
             <a:fld id="{95A4B3F1-EFF9-4805-913D-1ECEA9EAAFAF}" type="datetimeFigureOut">
               <a:rPr lang="zh-TW" altLang="en-US" smtClean="0"/>
-              <a:t>2019/2/23</a:t>
+              <a:t>2020/2/6</a:t>
             </a:fld>
             <a:endParaRPr lang="zh-TW" altLang="en-US"/>
           </a:p>
@@ -539,8 +555,8 @@
         </p:nvSpPr>
         <p:spPr>
           <a:xfrm>
-            <a:off x="6629400" y="274638"/>
-            <a:ext cx="2057400" cy="5851525"/>
+            <a:off x="8839200" y="274639"/>
+            <a:ext cx="2743200" cy="5851525"/>
           </a:xfrm>
         </p:spPr>
         <p:txBody>
@@ -567,8 +583,8 @@
         </p:nvSpPr>
         <p:spPr>
           <a:xfrm>
-            <a:off x="457200" y="274638"/>
-            <a:ext cx="6019800" cy="5851525"/>
+            <a:off x="609600" y="274639"/>
+            <a:ext cx="8026400" cy="5851525"/>
           </a:xfrm>
         </p:spPr>
         <p:txBody>
@@ -629,7 +645,7 @@
           <a:p>
             <a:fld id="{95A4B3F1-EFF9-4805-913D-1ECEA9EAAFAF}" type="datetimeFigureOut">
               <a:rPr lang="zh-TW" altLang="en-US" smtClean="0"/>
-              <a:t>2019/2/23</a:t>
+              <a:t>2020/2/6</a:t>
             </a:fld>
             <a:endParaRPr lang="zh-TW" altLang="en-US"/>
           </a:p>
@@ -794,7 +810,7 @@
           <a:p>
             <a:fld id="{95A4B3F1-EFF9-4805-913D-1ECEA9EAAFAF}" type="datetimeFigureOut">
               <a:rPr lang="zh-TW" altLang="en-US" smtClean="0"/>
-              <a:t>2019/2/23</a:t>
+              <a:t>2020/2/6</a:t>
             </a:fld>
             <a:endParaRPr lang="zh-TW" altLang="en-US"/>
           </a:p>
@@ -879,8 +895,8 @@
         </p:nvSpPr>
         <p:spPr>
           <a:xfrm>
-            <a:off x="722313" y="4406900"/>
-            <a:ext cx="7772400" cy="1362075"/>
+            <a:off x="963084" y="4406901"/>
+            <a:ext cx="10363200" cy="1362075"/>
           </a:xfrm>
         </p:spPr>
         <p:txBody>
@@ -911,8 +927,8 @@
         </p:nvSpPr>
         <p:spPr>
           <a:xfrm>
-            <a:off x="722313" y="2906713"/>
-            <a:ext cx="7772400" cy="1500187"/>
+            <a:off x="963084" y="2906713"/>
+            <a:ext cx="10363200" cy="1500187"/>
           </a:xfrm>
         </p:spPr>
         <p:txBody>
@@ -1035,7 +1051,7 @@
           <a:p>
             <a:fld id="{95A4B3F1-EFF9-4805-913D-1ECEA9EAAFAF}" type="datetimeFigureOut">
               <a:rPr lang="zh-TW" altLang="en-US" smtClean="0"/>
-              <a:t>2019/2/23</a:t>
+              <a:t>2020/2/6</a:t>
             </a:fld>
             <a:endParaRPr lang="zh-TW" altLang="en-US"/>
           </a:p>
@@ -1143,8 +1159,8 @@
         </p:nvSpPr>
         <p:spPr>
           <a:xfrm>
-            <a:off x="457200" y="1600200"/>
-            <a:ext cx="4038600" cy="4525963"/>
+            <a:off x="609600" y="1600201"/>
+            <a:ext cx="5384800" cy="4525963"/>
           </a:xfrm>
         </p:spPr>
         <p:txBody>
@@ -1228,8 +1244,8 @@
         </p:nvSpPr>
         <p:spPr>
           <a:xfrm>
-            <a:off x="4648200" y="1600200"/>
-            <a:ext cx="4038600" cy="4525963"/>
+            <a:off x="6197600" y="1600201"/>
+            <a:ext cx="5384800" cy="4525963"/>
           </a:xfrm>
         </p:spPr>
         <p:txBody>
@@ -1318,7 +1334,7 @@
           <a:p>
             <a:fld id="{95A4B3F1-EFF9-4805-913D-1ECEA9EAAFAF}" type="datetimeFigureOut">
               <a:rPr lang="zh-TW" altLang="en-US" smtClean="0"/>
-              <a:t>2019/2/23</a:t>
+              <a:t>2020/2/6</a:t>
             </a:fld>
             <a:endParaRPr lang="zh-TW" altLang="en-US"/>
           </a:p>
@@ -1430,8 +1446,8 @@
         </p:nvSpPr>
         <p:spPr>
           <a:xfrm>
-            <a:off x="457200" y="1535113"/>
-            <a:ext cx="4040188" cy="639762"/>
+            <a:off x="609600" y="1535113"/>
+            <a:ext cx="5386917" cy="639762"/>
           </a:xfrm>
         </p:spPr>
         <p:txBody>
@@ -1495,8 +1511,8 @@
         </p:nvSpPr>
         <p:spPr>
           <a:xfrm>
-            <a:off x="457200" y="2174875"/>
-            <a:ext cx="4040188" cy="3951288"/>
+            <a:off x="609600" y="2174875"/>
+            <a:ext cx="5386917" cy="3951288"/>
           </a:xfrm>
         </p:spPr>
         <p:txBody>
@@ -1580,8 +1596,8 @@
         </p:nvSpPr>
         <p:spPr>
           <a:xfrm>
-            <a:off x="4645025" y="1535113"/>
-            <a:ext cx="4041775" cy="639762"/>
+            <a:off x="6193368" y="1535113"/>
+            <a:ext cx="5389033" cy="639762"/>
           </a:xfrm>
         </p:spPr>
         <p:txBody>
@@ -1645,8 +1661,8 @@
         </p:nvSpPr>
         <p:spPr>
           <a:xfrm>
-            <a:off x="4645025" y="2174875"/>
-            <a:ext cx="4041775" cy="3951288"/>
+            <a:off x="6193368" y="2174875"/>
+            <a:ext cx="5389033" cy="3951288"/>
           </a:xfrm>
         </p:spPr>
         <p:txBody>
@@ -1735,7 +1751,7 @@
           <a:p>
             <a:fld id="{95A4B3F1-EFF9-4805-913D-1ECEA9EAAFAF}" type="datetimeFigureOut">
               <a:rPr lang="zh-TW" altLang="en-US" smtClean="0"/>
-              <a:t>2019/2/23</a:t>
+              <a:t>2020/2/6</a:t>
             </a:fld>
             <a:endParaRPr lang="zh-TW" altLang="en-US"/>
           </a:p>
@@ -1848,7 +1864,7 @@
           <a:p>
             <a:fld id="{95A4B3F1-EFF9-4805-913D-1ECEA9EAAFAF}" type="datetimeFigureOut">
               <a:rPr lang="zh-TW" altLang="en-US" smtClean="0"/>
-              <a:t>2019/2/23</a:t>
+              <a:t>2020/2/6</a:t>
             </a:fld>
             <a:endParaRPr lang="zh-TW" altLang="en-US"/>
           </a:p>
@@ -1938,7 +1954,7 @@
           <a:p>
             <a:fld id="{95A4B3F1-EFF9-4805-913D-1ECEA9EAAFAF}" type="datetimeFigureOut">
               <a:rPr lang="zh-TW" altLang="en-US" smtClean="0"/>
-              <a:t>2019/2/23</a:t>
+              <a:t>2020/2/6</a:t>
             </a:fld>
             <a:endParaRPr lang="zh-TW" altLang="en-US"/>
           </a:p>
@@ -2023,8 +2039,8 @@
         </p:nvSpPr>
         <p:spPr>
           <a:xfrm>
-            <a:off x="457200" y="273050"/>
-            <a:ext cx="3008313" cy="1162050"/>
+            <a:off x="609601" y="273050"/>
+            <a:ext cx="4011084" cy="1162050"/>
           </a:xfrm>
         </p:spPr>
         <p:txBody>
@@ -2055,8 +2071,8 @@
         </p:nvSpPr>
         <p:spPr>
           <a:xfrm>
-            <a:off x="3575050" y="273050"/>
-            <a:ext cx="5111750" cy="5853113"/>
+            <a:off x="4766733" y="273051"/>
+            <a:ext cx="6815667" cy="5853113"/>
           </a:xfrm>
         </p:spPr>
         <p:txBody>
@@ -2140,8 +2156,8 @@
         </p:nvSpPr>
         <p:spPr>
           <a:xfrm>
-            <a:off x="457200" y="1435100"/>
-            <a:ext cx="3008313" cy="4691063"/>
+            <a:off x="609601" y="1435101"/>
+            <a:ext cx="4011084" cy="4691063"/>
           </a:xfrm>
         </p:spPr>
         <p:txBody>
@@ -2210,7 +2226,7 @@
           <a:p>
             <a:fld id="{95A4B3F1-EFF9-4805-913D-1ECEA9EAAFAF}" type="datetimeFigureOut">
               <a:rPr lang="zh-TW" altLang="en-US" smtClean="0"/>
-              <a:t>2019/2/23</a:t>
+              <a:t>2020/2/6</a:t>
             </a:fld>
             <a:endParaRPr lang="zh-TW" altLang="en-US"/>
           </a:p>
@@ -2295,8 +2311,8 @@
         </p:nvSpPr>
         <p:spPr>
           <a:xfrm>
-            <a:off x="1792288" y="4800600"/>
-            <a:ext cx="5486400" cy="566738"/>
+            <a:off x="2389717" y="4800600"/>
+            <a:ext cx="7315200" cy="566738"/>
           </a:xfrm>
         </p:spPr>
         <p:txBody>
@@ -2327,8 +2343,8 @@
         </p:nvSpPr>
         <p:spPr>
           <a:xfrm>
-            <a:off x="1792288" y="612775"/>
-            <a:ext cx="5486400" cy="4114800"/>
+            <a:off x="2389717" y="612775"/>
+            <a:ext cx="7315200" cy="4114800"/>
           </a:xfrm>
         </p:spPr>
         <p:txBody>
@@ -2392,8 +2408,8 @@
         </p:nvSpPr>
         <p:spPr>
           <a:xfrm>
-            <a:off x="1792288" y="5367338"/>
-            <a:ext cx="5486400" cy="804862"/>
+            <a:off x="2389717" y="5367338"/>
+            <a:ext cx="7315200" cy="804862"/>
           </a:xfrm>
         </p:spPr>
         <p:txBody>
@@ -2462,7 +2478,7 @@
           <a:p>
             <a:fld id="{95A4B3F1-EFF9-4805-913D-1ECEA9EAAFAF}" type="datetimeFigureOut">
               <a:rPr lang="zh-TW" altLang="en-US" smtClean="0"/>
-              <a:t>2019/2/23</a:t>
+              <a:t>2020/2/6</a:t>
             </a:fld>
             <a:endParaRPr lang="zh-TW" altLang="en-US"/>
           </a:p>
@@ -2557,8 +2573,8 @@
         </p:nvSpPr>
         <p:spPr>
           <a:xfrm>
-            <a:off x="457200" y="274638"/>
-            <a:ext cx="8229600" cy="1143000"/>
+            <a:off x="609600" y="274638"/>
+            <a:ext cx="10972800" cy="1143000"/>
           </a:xfrm>
           <a:prstGeom prst="rect">
             <a:avLst/>
@@ -2590,8 +2606,8 @@
         </p:nvSpPr>
         <p:spPr>
           <a:xfrm>
-            <a:off x="457200" y="1600200"/>
-            <a:ext cx="8229600" cy="4525963"/>
+            <a:off x="609600" y="1600201"/>
+            <a:ext cx="10972800" cy="4525963"/>
           </a:xfrm>
           <a:prstGeom prst="rect">
             <a:avLst/>
@@ -2652,8 +2668,8 @@
         </p:nvSpPr>
         <p:spPr>
           <a:xfrm>
-            <a:off x="457200" y="6356350"/>
-            <a:ext cx="2133600" cy="365125"/>
+            <a:off x="609600" y="6356351"/>
+            <a:ext cx="2844800" cy="365125"/>
           </a:xfrm>
           <a:prstGeom prst="rect">
             <a:avLst/>
@@ -2675,7 +2691,7 @@
           <a:p>
             <a:fld id="{95A4B3F1-EFF9-4805-913D-1ECEA9EAAFAF}" type="datetimeFigureOut">
               <a:rPr lang="zh-TW" altLang="en-US" smtClean="0"/>
-              <a:t>2019/2/23</a:t>
+              <a:t>2020/2/6</a:t>
             </a:fld>
             <a:endParaRPr lang="zh-TW" altLang="en-US"/>
           </a:p>
@@ -2693,8 +2709,8 @@
         </p:nvSpPr>
         <p:spPr>
           <a:xfrm>
-            <a:off x="3124200" y="6356350"/>
-            <a:ext cx="2895600" cy="365125"/>
+            <a:off x="4165600" y="6356351"/>
+            <a:ext cx="3860800" cy="365125"/>
           </a:xfrm>
           <a:prstGeom prst="rect">
             <a:avLst/>
@@ -2730,8 +2746,8 @@
         </p:nvSpPr>
         <p:spPr>
           <a:xfrm>
-            <a:off x="6553200" y="6356350"/>
-            <a:ext cx="2133600" cy="365125"/>
+            <a:off x="8737600" y="6356351"/>
+            <a:ext cx="2844800" cy="365125"/>
           </a:xfrm>
           <a:prstGeom prst="rect">
             <a:avLst/>
@@ -3057,7 +3073,7 @@
         </p:nvSpPr>
         <p:spPr>
           <a:xfrm>
-            <a:off x="457200" y="71414"/>
+            <a:off x="1981200" y="71414"/>
             <a:ext cx="8229600" cy="1143000"/>
           </a:xfrm>
         </p:spPr>
@@ -3097,8 +3113,8 @@
         </p:nvSpPr>
         <p:spPr>
           <a:xfrm>
-            <a:off x="457200" y="1285860"/>
-            <a:ext cx="8229600" cy="4525963"/>
+            <a:off x="1981200" y="1285861"/>
+            <a:ext cx="8229600" cy="3223259"/>
           </a:xfrm>
         </p:spPr>
         <p:txBody>
@@ -3111,7 +3127,7 @@
               <a:buNone/>
             </a:pPr>
             <a:r>
-              <a:rPr lang="zh-TW" altLang="en-US" sz="5400" b="1" dirty="0">
+              <a:rPr lang="zh-TW" altLang="en-US" sz="4000" b="1" dirty="0">
                 <a:solidFill>
                   <a:srgbClr val="660033"/>
                 </a:solidFill>
@@ -3121,7 +3137,7 @@
               <a:t>金錢不是</a:t>
             </a:r>
             <a:r>
-              <a:rPr lang="zh-TW" altLang="en-US" sz="5400" b="1" dirty="0" smtClean="0">
+              <a:rPr lang="zh-TW" altLang="en-US" sz="4000" b="1" dirty="0">
                 <a:solidFill>
                   <a:srgbClr val="660033"/>
                 </a:solidFill>
@@ -3130,7 +3146,7 @@
               </a:rPr>
               <a:t>萬能  不是萬能</a:t>
             </a:r>
-            <a:endParaRPr lang="en-US" altLang="zh-TW" sz="5400" b="1" dirty="0" smtClean="0">
+            <a:endParaRPr lang="en-US" altLang="zh-TW" sz="4000" b="1" dirty="0">
               <a:solidFill>
                 <a:srgbClr val="660033"/>
               </a:solidFill>
@@ -3143,7 +3159,7 @@
               <a:buNone/>
             </a:pPr>
             <a:r>
-              <a:rPr lang="zh-TW" altLang="en-US" sz="5400" b="1" dirty="0" smtClean="0">
+              <a:rPr lang="zh-TW" altLang="en-US" sz="4000" b="1" dirty="0">
                 <a:solidFill>
                   <a:srgbClr val="660033"/>
                 </a:solidFill>
@@ -3153,7 +3169,7 @@
               <a:t>你</a:t>
             </a:r>
             <a:r>
-              <a:rPr lang="zh-TW" altLang="en-US" sz="5400" b="1" dirty="0">
+              <a:rPr lang="zh-TW" altLang="en-US" sz="4000" b="1" dirty="0">
                 <a:solidFill>
                   <a:srgbClr val="660033"/>
                 </a:solidFill>
@@ -3163,7 +3179,7 @@
               <a:t>可別依靠</a:t>
             </a:r>
             <a:r>
-              <a:rPr lang="zh-TW" altLang="en-US" sz="5400" b="1" dirty="0" smtClean="0">
+              <a:rPr lang="zh-TW" altLang="en-US" sz="4000" b="1" dirty="0">
                 <a:solidFill>
                   <a:srgbClr val="660033"/>
                 </a:solidFill>
@@ -3172,7 +3188,7 @@
               </a:rPr>
               <a:t>金錢</a:t>
             </a:r>
-            <a:endParaRPr lang="en-US" altLang="zh-TW" sz="5400" b="1" dirty="0">
+            <a:endParaRPr lang="en-US" altLang="zh-TW" sz="4000" b="1" dirty="0">
               <a:solidFill>
                 <a:srgbClr val="660033"/>
               </a:solidFill>
@@ -3185,7 +3201,7 @@
               <a:buNone/>
             </a:pPr>
             <a:r>
-              <a:rPr lang="zh-TW" altLang="en-US" sz="5400" b="1" dirty="0" smtClean="0">
+              <a:rPr lang="zh-TW" altLang="en-US" sz="4000" b="1" dirty="0">
                 <a:solidFill>
                   <a:srgbClr val="660033"/>
                 </a:solidFill>
@@ -3195,7 +3211,7 @@
               <a:t>金錢</a:t>
             </a:r>
             <a:r>
-              <a:rPr lang="zh-TW" altLang="en-US" sz="5400" b="1" dirty="0">
+              <a:rPr lang="zh-TW" altLang="en-US" sz="4000" b="1" dirty="0">
                 <a:solidFill>
                   <a:srgbClr val="660033"/>
                 </a:solidFill>
@@ -3205,7 +3221,7 @@
               <a:t>難買</a:t>
             </a:r>
             <a:r>
-              <a:rPr lang="zh-TW" altLang="en-US" sz="5400" b="1" dirty="0" smtClean="0">
+              <a:rPr lang="zh-TW" altLang="en-US" sz="4000" b="1" dirty="0">
                 <a:solidFill>
                   <a:srgbClr val="660033"/>
                 </a:solidFill>
@@ -3215,7 +3231,7 @@
               <a:t>生命  難</a:t>
             </a:r>
             <a:r>
-              <a:rPr lang="zh-TW" altLang="en-US" sz="5400" b="1" dirty="0">
+              <a:rPr lang="zh-TW" altLang="en-US" sz="4000" b="1" dirty="0">
                 <a:solidFill>
                   <a:srgbClr val="660033"/>
                 </a:solidFill>
@@ -3225,7 +3241,7 @@
               <a:t>買</a:t>
             </a:r>
             <a:r>
-              <a:rPr lang="zh-TW" altLang="en-US" sz="5400" b="1" dirty="0" smtClean="0">
+              <a:rPr lang="zh-TW" altLang="en-US" sz="4000" b="1" dirty="0">
                 <a:solidFill>
                   <a:srgbClr val="660033"/>
                 </a:solidFill>
@@ -3234,7 +3250,7 @@
               </a:rPr>
               <a:t>生命</a:t>
             </a:r>
-            <a:endParaRPr lang="en-US" altLang="zh-TW" sz="5400" b="1" dirty="0" smtClean="0">
+            <a:endParaRPr lang="en-US" altLang="zh-TW" sz="4000" b="1" dirty="0">
               <a:solidFill>
                 <a:srgbClr val="660033"/>
               </a:solidFill>
@@ -3247,7 +3263,7 @@
               <a:buNone/>
             </a:pPr>
             <a:r>
-              <a:rPr lang="zh-TW" altLang="en-US" sz="5400" b="1" dirty="0" smtClean="0">
+              <a:rPr lang="zh-TW" altLang="en-US" sz="4000" b="1" dirty="0">
                 <a:solidFill>
                   <a:srgbClr val="660033"/>
                 </a:solidFill>
@@ -3257,7 +3273,7 @@
               <a:t>你</a:t>
             </a:r>
             <a:r>
-              <a:rPr lang="zh-TW" altLang="en-US" sz="5400" b="1" dirty="0">
+              <a:rPr lang="zh-TW" altLang="en-US" sz="4000" b="1" dirty="0">
                 <a:solidFill>
                   <a:srgbClr val="660033"/>
                 </a:solidFill>
@@ -3266,7 +3282,7 @@
               </a:rPr>
               <a:t>可別羨慕財富</a:t>
             </a:r>
-            <a:endParaRPr lang="en-US" sz="5400" b="1" dirty="0">
+            <a:endParaRPr lang="en-US" sz="4000" b="1" dirty="0">
               <a:solidFill>
                 <a:srgbClr val="660033"/>
               </a:solidFill>
@@ -3284,8 +3300,8 @@
         </p:nvSpPr>
         <p:spPr>
           <a:xfrm>
-            <a:off x="71406" y="5187277"/>
-            <a:ext cx="8929750" cy="954107"/>
+            <a:off x="0" y="4502759"/>
+            <a:ext cx="12192000" cy="2062103"/>
           </a:xfrm>
           <a:prstGeom prst="rect">
             <a:avLst/>
@@ -3300,7 +3316,7 @@
           <a:p>
             <a:pPr algn="ctr"/>
             <a:r>
-              <a:rPr lang="en-US" altLang="zh-TW" sz="2800" b="1" dirty="0" err="1" smtClean="0">
+              <a:rPr lang="en-US" altLang="zh-TW" sz="3200" b="1" dirty="0" err="1">
                 <a:solidFill>
                   <a:srgbClr val="FF0000"/>
                 </a:solidFill>
@@ -3310,7 +3326,7 @@
               <a:t>Tiền</a:t>
             </a:r>
             <a:r>
-              <a:rPr lang="en-US" altLang="zh-TW" sz="2800" b="1" dirty="0" smtClean="0">
+              <a:rPr lang="en-US" altLang="zh-TW" sz="3200" b="1" dirty="0">
                 <a:solidFill>
                   <a:srgbClr val="FF0000"/>
                 </a:solidFill>
@@ -3320,7 +3336,7 @@
               <a:t> </a:t>
             </a:r>
             <a:r>
-              <a:rPr lang="en-US" altLang="zh-TW" sz="2800" b="1" dirty="0" err="1" smtClean="0">
+              <a:rPr lang="en-US" altLang="zh-TW" sz="3200" b="1" dirty="0" err="1">
                 <a:solidFill>
                   <a:srgbClr val="FF0000"/>
                 </a:solidFill>
@@ -3330,7 +3346,7 @@
               <a:t>không</a:t>
             </a:r>
             <a:r>
-              <a:rPr lang="en-US" altLang="zh-TW" sz="2800" b="1" dirty="0" smtClean="0">
+              <a:rPr lang="en-US" altLang="zh-TW" sz="3200" b="1" dirty="0">
                 <a:solidFill>
                   <a:srgbClr val="FF0000"/>
                 </a:solidFill>
@@ -3340,7 +3356,7 @@
               <a:t> </a:t>
             </a:r>
             <a:r>
-              <a:rPr lang="en-US" altLang="zh-TW" sz="2800" b="1" dirty="0" err="1" smtClean="0">
+              <a:rPr lang="en-US" altLang="zh-TW" sz="3200" b="1" dirty="0" err="1">
                 <a:solidFill>
                   <a:srgbClr val="FF0000"/>
                 </a:solidFill>
@@ -3350,7 +3366,7 @@
               <a:t>phải</a:t>
             </a:r>
             <a:r>
-              <a:rPr lang="en-US" altLang="zh-TW" sz="2800" b="1" dirty="0" smtClean="0">
+              <a:rPr lang="en-US" altLang="zh-TW" sz="3200" b="1" dirty="0">
                 <a:solidFill>
                   <a:srgbClr val="FF0000"/>
                 </a:solidFill>
@@ -3360,7 +3376,7 @@
               <a:t> </a:t>
             </a:r>
             <a:r>
-              <a:rPr lang="en-US" altLang="zh-TW" sz="2800" b="1" dirty="0" err="1" smtClean="0">
+              <a:rPr lang="en-US" altLang="zh-TW" sz="3200" b="1" dirty="0" err="1">
                 <a:solidFill>
                   <a:srgbClr val="FF0000"/>
                 </a:solidFill>
@@ -3370,7 +3386,7 @@
               <a:t>là</a:t>
             </a:r>
             <a:r>
-              <a:rPr lang="en-US" altLang="zh-TW" sz="2800" b="1" dirty="0" smtClean="0">
+              <a:rPr lang="en-US" altLang="zh-TW" sz="3200" b="1" dirty="0">
                 <a:solidFill>
                   <a:srgbClr val="FF0000"/>
                 </a:solidFill>
@@ -3380,7 +3396,7 @@
               <a:t> </a:t>
             </a:r>
             <a:r>
-              <a:rPr lang="en-US" altLang="zh-TW" sz="2800" b="1" dirty="0" err="1" smtClean="0">
+              <a:rPr lang="en-US" altLang="zh-TW" sz="3200" b="1" dirty="0" err="1">
                 <a:solidFill>
                   <a:srgbClr val="FF0000"/>
                 </a:solidFill>
@@ -3390,7 +3406,7 @@
               <a:t>vạn</a:t>
             </a:r>
             <a:r>
-              <a:rPr lang="en-US" altLang="zh-TW" sz="2800" b="1" dirty="0" smtClean="0">
+              <a:rPr lang="en-US" altLang="zh-TW" sz="3200" b="1" dirty="0">
                 <a:solidFill>
                   <a:srgbClr val="FF0000"/>
                 </a:solidFill>
@@ -3400,7 +3416,7 @@
               <a:t> </a:t>
             </a:r>
             <a:r>
-              <a:rPr lang="en-US" altLang="zh-TW" sz="2800" b="1" dirty="0" err="1" smtClean="0">
+              <a:rPr lang="en-US" altLang="zh-TW" sz="3200" b="1" dirty="0" err="1" smtClean="0">
                 <a:solidFill>
                   <a:srgbClr val="FF0000"/>
                 </a:solidFill>
@@ -3410,17 +3426,20 @@
               <a:t>năng</a:t>
             </a:r>
             <a:r>
-              <a:rPr lang="en-US" altLang="zh-TW" sz="2800" b="1" dirty="0" smtClean="0">
-                <a:solidFill>
-                  <a:srgbClr val="FF0000"/>
-                </a:solidFill>
-                <a:latin typeface="Times New Roman" pitchFamily="18" charset="0"/>
-                <a:cs typeface="Times New Roman" pitchFamily="18" charset="0"/>
-              </a:rPr>
-              <a:t>, </a:t>
-            </a:r>
-            <a:r>
-              <a:rPr lang="en-US" altLang="zh-TW" sz="2800" b="1" dirty="0" err="1" smtClean="0">
+              <a:rPr lang="en-US" altLang="zh-TW" sz="3200" b="1" dirty="0" smtClean="0">
+                <a:solidFill>
+                  <a:srgbClr val="FF0000"/>
+                </a:solidFill>
+                <a:latin typeface="Times New Roman" pitchFamily="18" charset="0"/>
+                <a:cs typeface="Times New Roman" pitchFamily="18" charset="0"/>
+              </a:rPr>
+              <a:t> </a:t>
+            </a:r>
+          </a:p>
+          <a:p>
+            <a:pPr algn="ctr"/>
+            <a:r>
+              <a:rPr lang="en-US" altLang="zh-TW" sz="3200" b="1" dirty="0" err="1" smtClean="0">
                 <a:solidFill>
                   <a:srgbClr val="FF0000"/>
                 </a:solidFill>
@@ -3430,7 +3449,7 @@
               <a:t>bạn</a:t>
             </a:r>
             <a:r>
-              <a:rPr lang="en-US" altLang="zh-TW" sz="2800" b="1" dirty="0" smtClean="0">
+              <a:rPr lang="en-US" altLang="zh-TW" sz="3200" b="1" dirty="0" smtClean="0">
                 <a:solidFill>
                   <a:srgbClr val="FF0000"/>
                 </a:solidFill>
@@ -3440,7 +3459,7 @@
               <a:t> </a:t>
             </a:r>
             <a:r>
-              <a:rPr lang="en-US" altLang="zh-TW" sz="2800" b="1" dirty="0" err="1" smtClean="0">
+              <a:rPr lang="en-US" altLang="zh-TW" sz="3200" b="1" dirty="0" err="1">
                 <a:solidFill>
                   <a:srgbClr val="FF0000"/>
                 </a:solidFill>
@@ -3450,7 +3469,7 @@
               <a:t>đừng</a:t>
             </a:r>
             <a:r>
-              <a:rPr lang="en-US" altLang="zh-TW" sz="2800" b="1" dirty="0" smtClean="0">
+              <a:rPr lang="en-US" altLang="zh-TW" sz="3200" b="1" dirty="0">
                 <a:solidFill>
                   <a:srgbClr val="FF0000"/>
                 </a:solidFill>
@@ -3460,7 +3479,7 @@
               <a:t> </a:t>
             </a:r>
             <a:r>
-              <a:rPr lang="en-US" altLang="zh-TW" sz="2800" b="1" dirty="0" err="1" smtClean="0">
+              <a:rPr lang="en-US" altLang="zh-TW" sz="3200" b="1" dirty="0" err="1">
                 <a:solidFill>
                   <a:srgbClr val="FF0000"/>
                 </a:solidFill>
@@ -3470,7 +3489,7 @@
               <a:t>nên</a:t>
             </a:r>
             <a:r>
-              <a:rPr lang="en-US" altLang="zh-TW" sz="2800" b="1" dirty="0" smtClean="0">
+              <a:rPr lang="en-US" altLang="zh-TW" sz="3200" b="1" dirty="0">
                 <a:solidFill>
                   <a:srgbClr val="FF0000"/>
                 </a:solidFill>
@@ -3480,7 +3499,7 @@
               <a:t> </a:t>
             </a:r>
             <a:r>
-              <a:rPr lang="en-US" altLang="zh-TW" sz="2800" b="1" dirty="0" err="1" smtClean="0">
+              <a:rPr lang="en-US" altLang="zh-TW" sz="3200" b="1" dirty="0" err="1">
                 <a:solidFill>
                   <a:srgbClr val="FF0000"/>
                 </a:solidFill>
@@ -3490,7 +3509,7 @@
               <a:t>cậy</a:t>
             </a:r>
             <a:r>
-              <a:rPr lang="en-US" altLang="zh-TW" sz="2800" b="1" dirty="0" smtClean="0">
+              <a:rPr lang="en-US" altLang="zh-TW" sz="3200" b="1" dirty="0">
                 <a:solidFill>
                   <a:srgbClr val="FF0000"/>
                 </a:solidFill>
@@ -3500,7 +3519,7 @@
               <a:t> </a:t>
             </a:r>
             <a:r>
-              <a:rPr lang="en-US" altLang="zh-TW" sz="2800" b="1" dirty="0" err="1" smtClean="0">
+              <a:rPr lang="en-US" altLang="zh-TW" sz="3200" b="1" dirty="0" err="1">
                 <a:solidFill>
                   <a:srgbClr val="FF0000"/>
                 </a:solidFill>
@@ -3510,7 +3529,7 @@
               <a:t>vào</a:t>
             </a:r>
             <a:r>
-              <a:rPr lang="en-US" altLang="zh-TW" sz="2800" b="1" dirty="0" smtClean="0">
+              <a:rPr lang="en-US" altLang="zh-TW" sz="3200" b="1" dirty="0">
                 <a:solidFill>
                   <a:srgbClr val="FF0000"/>
                 </a:solidFill>
@@ -3520,7 +3539,7 @@
               <a:t> </a:t>
             </a:r>
             <a:r>
-              <a:rPr lang="en-US" altLang="zh-TW" sz="2800" b="1" dirty="0" err="1" smtClean="0">
+              <a:rPr lang="en-US" altLang="zh-TW" sz="3200" b="1" dirty="0" err="1">
                 <a:solidFill>
                   <a:srgbClr val="FF0000"/>
                 </a:solidFill>
@@ -3529,7 +3548,7 @@
               </a:rPr>
               <a:t>nó</a:t>
             </a:r>
-            <a:endParaRPr lang="en-US" altLang="zh-TW" sz="2800" b="1" dirty="0" smtClean="0">
+            <a:endParaRPr lang="en-US" altLang="zh-TW" sz="3200" b="1" dirty="0">
               <a:solidFill>
                 <a:srgbClr val="FF0000"/>
               </a:solidFill>
@@ -3540,7 +3559,7 @@
           <a:p>
             <a:pPr algn="ctr"/>
             <a:r>
-              <a:rPr lang="en-US" altLang="zh-TW" sz="2800" b="1" dirty="0" err="1" smtClean="0">
+              <a:rPr lang="en-US" altLang="zh-TW" sz="3200" b="1" dirty="0" err="1">
                 <a:solidFill>
                   <a:srgbClr val="FF0000"/>
                 </a:solidFill>
@@ -3550,7 +3569,7 @@
               <a:t>Tiền</a:t>
             </a:r>
             <a:r>
-              <a:rPr lang="en-US" altLang="zh-TW" sz="2800" b="1" dirty="0" smtClean="0">
+              <a:rPr lang="en-US" altLang="zh-TW" sz="3200" b="1" dirty="0">
                 <a:solidFill>
                   <a:srgbClr val="FF0000"/>
                 </a:solidFill>
@@ -3560,7 +3579,7 @@
               <a:t> </a:t>
             </a:r>
             <a:r>
-              <a:rPr lang="en-US" altLang="zh-TW" sz="2800" b="1" dirty="0" err="1" smtClean="0">
+              <a:rPr lang="en-US" altLang="zh-TW" sz="3200" b="1" dirty="0" err="1">
                 <a:solidFill>
                   <a:srgbClr val="FF0000"/>
                 </a:solidFill>
@@ -3570,7 +3589,7 @@
               <a:t>không</a:t>
             </a:r>
             <a:r>
-              <a:rPr lang="en-US" altLang="zh-TW" sz="2800" b="1" dirty="0" smtClean="0">
+              <a:rPr lang="en-US" altLang="zh-TW" sz="3200" b="1" dirty="0">
                 <a:solidFill>
                   <a:srgbClr val="FF0000"/>
                 </a:solidFill>
@@ -3580,7 +3599,7 @@
               <a:t> </a:t>
             </a:r>
             <a:r>
-              <a:rPr lang="en-US" altLang="zh-TW" sz="2800" b="1" dirty="0" err="1" smtClean="0">
+              <a:rPr lang="en-US" altLang="zh-TW" sz="3200" b="1" dirty="0" err="1">
                 <a:solidFill>
                   <a:srgbClr val="FF0000"/>
                 </a:solidFill>
@@ -3590,7 +3609,7 @@
               <a:t>mua</a:t>
             </a:r>
             <a:r>
-              <a:rPr lang="en-US" altLang="zh-TW" sz="2800" b="1" dirty="0" smtClean="0">
+              <a:rPr lang="en-US" altLang="zh-TW" sz="3200" b="1" dirty="0">
                 <a:solidFill>
                   <a:srgbClr val="FF0000"/>
                 </a:solidFill>
@@ -3600,7 +3619,7 @@
               <a:t> </a:t>
             </a:r>
             <a:r>
-              <a:rPr lang="en-US" altLang="zh-TW" sz="2800" b="1" dirty="0" err="1" smtClean="0">
+              <a:rPr lang="en-US" altLang="zh-TW" sz="3200" b="1" dirty="0" err="1">
                 <a:solidFill>
                   <a:srgbClr val="FF0000"/>
                 </a:solidFill>
@@ -3610,7 +3629,7 @@
               <a:t>được</a:t>
             </a:r>
             <a:r>
-              <a:rPr lang="en-US" altLang="zh-TW" sz="2800" b="1" dirty="0" smtClean="0">
+              <a:rPr lang="en-US" altLang="zh-TW" sz="3200" b="1" dirty="0">
                 <a:solidFill>
                   <a:srgbClr val="FF0000"/>
                 </a:solidFill>
@@ -3620,7 +3639,7 @@
               <a:t> </a:t>
             </a:r>
             <a:r>
-              <a:rPr lang="en-US" altLang="zh-TW" sz="2800" b="1" dirty="0" err="1" smtClean="0">
+              <a:rPr lang="en-US" altLang="zh-TW" sz="3200" b="1" dirty="0" err="1">
                 <a:solidFill>
                   <a:srgbClr val="FF0000"/>
                 </a:solidFill>
@@ -3630,7 +3649,7 @@
               <a:t>sự</a:t>
             </a:r>
             <a:r>
-              <a:rPr lang="en-US" altLang="zh-TW" sz="2800" b="1" dirty="0" smtClean="0">
+              <a:rPr lang="en-US" altLang="zh-TW" sz="3200" b="1" dirty="0">
                 <a:solidFill>
                   <a:srgbClr val="FF0000"/>
                 </a:solidFill>
@@ -3640,7 +3659,7 @@
               <a:t> </a:t>
             </a:r>
             <a:r>
-              <a:rPr lang="en-US" altLang="zh-TW" sz="2800" b="1" dirty="0" err="1" smtClean="0">
+              <a:rPr lang="en-US" altLang="zh-TW" sz="3200" b="1" dirty="0" err="1" smtClean="0">
                 <a:solidFill>
                   <a:srgbClr val="FF0000"/>
                 </a:solidFill>
@@ -3649,107 +3668,7 @@
               </a:rPr>
               <a:t>sống</a:t>
             </a:r>
-            <a:r>
-              <a:rPr lang="en-US" altLang="zh-TW" sz="2800" b="1" dirty="0" smtClean="0">
-                <a:solidFill>
-                  <a:srgbClr val="FF0000"/>
-                </a:solidFill>
-                <a:latin typeface="Times New Roman" pitchFamily="18" charset="0"/>
-                <a:cs typeface="Times New Roman" pitchFamily="18" charset="0"/>
-              </a:rPr>
-              <a:t>, </a:t>
-            </a:r>
-            <a:r>
-              <a:rPr lang="en-US" altLang="zh-TW" sz="2800" b="1" dirty="0" err="1" smtClean="0">
-                <a:solidFill>
-                  <a:srgbClr val="FF0000"/>
-                </a:solidFill>
-                <a:latin typeface="Times New Roman" pitchFamily="18" charset="0"/>
-                <a:cs typeface="Times New Roman" pitchFamily="18" charset="0"/>
-              </a:rPr>
-              <a:t>bạn</a:t>
-            </a:r>
-            <a:r>
-              <a:rPr lang="en-US" altLang="zh-TW" sz="2800" b="1" dirty="0" smtClean="0">
-                <a:solidFill>
-                  <a:srgbClr val="FF0000"/>
-                </a:solidFill>
-                <a:latin typeface="Times New Roman" pitchFamily="18" charset="0"/>
-                <a:cs typeface="Times New Roman" pitchFamily="18" charset="0"/>
-              </a:rPr>
-              <a:t> </a:t>
-            </a:r>
-            <a:r>
-              <a:rPr lang="en-US" altLang="zh-TW" sz="2800" b="1" dirty="0" err="1" smtClean="0">
-                <a:solidFill>
-                  <a:srgbClr val="FF0000"/>
-                </a:solidFill>
-                <a:latin typeface="Times New Roman" pitchFamily="18" charset="0"/>
-                <a:cs typeface="Times New Roman" pitchFamily="18" charset="0"/>
-              </a:rPr>
-              <a:t>đừng</a:t>
-            </a:r>
-            <a:r>
-              <a:rPr lang="en-US" altLang="zh-TW" sz="2800" b="1" dirty="0" smtClean="0">
-                <a:solidFill>
-                  <a:srgbClr val="FF0000"/>
-                </a:solidFill>
-                <a:latin typeface="Times New Roman" pitchFamily="18" charset="0"/>
-                <a:cs typeface="Times New Roman" pitchFamily="18" charset="0"/>
-              </a:rPr>
-              <a:t> </a:t>
-            </a:r>
-            <a:r>
-              <a:rPr lang="en-US" altLang="zh-TW" sz="2800" b="1" dirty="0" err="1" smtClean="0">
-                <a:solidFill>
-                  <a:srgbClr val="FF0000"/>
-                </a:solidFill>
-                <a:latin typeface="Times New Roman" pitchFamily="18" charset="0"/>
-                <a:cs typeface="Times New Roman" pitchFamily="18" charset="0"/>
-              </a:rPr>
-              <a:t>ngưỡng</a:t>
-            </a:r>
-            <a:r>
-              <a:rPr lang="en-US" altLang="zh-TW" sz="2800" b="1" dirty="0" smtClean="0">
-                <a:solidFill>
-                  <a:srgbClr val="FF0000"/>
-                </a:solidFill>
-                <a:latin typeface="Times New Roman" pitchFamily="18" charset="0"/>
-                <a:cs typeface="Times New Roman" pitchFamily="18" charset="0"/>
-              </a:rPr>
-              <a:t> </a:t>
-            </a:r>
-            <a:r>
-              <a:rPr lang="en-US" altLang="zh-TW" sz="2800" b="1" dirty="0" err="1" smtClean="0">
-                <a:solidFill>
-                  <a:srgbClr val="FF0000"/>
-                </a:solidFill>
-                <a:latin typeface="Times New Roman" pitchFamily="18" charset="0"/>
-                <a:cs typeface="Times New Roman" pitchFamily="18" charset="0"/>
-              </a:rPr>
-              <a:t>mộ</a:t>
-            </a:r>
-            <a:r>
-              <a:rPr lang="en-US" altLang="zh-TW" sz="2800" b="1" dirty="0" smtClean="0">
-                <a:solidFill>
-                  <a:srgbClr val="FF0000"/>
-                </a:solidFill>
-                <a:latin typeface="Times New Roman" pitchFamily="18" charset="0"/>
-                <a:cs typeface="Times New Roman" pitchFamily="18" charset="0"/>
-              </a:rPr>
-              <a:t> </a:t>
-            </a:r>
-            <a:r>
-              <a:rPr lang="en-US" altLang="zh-TW" sz="2800" b="1" dirty="0" err="1" smtClean="0">
-                <a:solidFill>
-                  <a:srgbClr val="FF0000"/>
-                </a:solidFill>
-                <a:latin typeface="Times New Roman" pitchFamily="18" charset="0"/>
-                <a:cs typeface="Times New Roman" pitchFamily="18" charset="0"/>
-              </a:rPr>
-              <a:t>nó</a:t>
-            </a:r>
-            <a:endParaRPr lang="zh-TW" altLang="en-US" sz="2800" b="1" dirty="0">
+            <a:endParaRPr lang="en-US" altLang="zh-TW" sz="3200" b="1" dirty="0" smtClean="0">
               <a:solidFill>
                 <a:srgbClr val="FF0000"/>
               </a:solidFill>
@@ -3757,12 +3676,112 @@
               <a:cs typeface="Times New Roman" pitchFamily="18" charset="0"/>
             </a:endParaRPr>
           </a:p>
+          <a:p>
+            <a:pPr algn="ctr"/>
+            <a:r>
+              <a:rPr lang="en-US" altLang="zh-TW" sz="3200" b="1" dirty="0" err="1" smtClean="0">
+                <a:solidFill>
+                  <a:srgbClr val="FF0000"/>
+                </a:solidFill>
+                <a:latin typeface="Times New Roman" pitchFamily="18" charset="0"/>
+                <a:cs typeface="Times New Roman" pitchFamily="18" charset="0"/>
+              </a:rPr>
+              <a:t>bạn</a:t>
+            </a:r>
+            <a:r>
+              <a:rPr lang="en-US" altLang="zh-TW" sz="3200" b="1" dirty="0" smtClean="0">
+                <a:solidFill>
+                  <a:srgbClr val="FF0000"/>
+                </a:solidFill>
+                <a:latin typeface="Times New Roman" pitchFamily="18" charset="0"/>
+                <a:cs typeface="Times New Roman" pitchFamily="18" charset="0"/>
+              </a:rPr>
+              <a:t> </a:t>
+            </a:r>
+            <a:r>
+              <a:rPr lang="en-US" altLang="zh-TW" sz="3200" b="1" dirty="0" err="1">
+                <a:solidFill>
+                  <a:srgbClr val="FF0000"/>
+                </a:solidFill>
+                <a:latin typeface="Times New Roman" pitchFamily="18" charset="0"/>
+                <a:cs typeface="Times New Roman" pitchFamily="18" charset="0"/>
+              </a:rPr>
+              <a:t>đừng</a:t>
+            </a:r>
+            <a:r>
+              <a:rPr lang="en-US" altLang="zh-TW" sz="3200" b="1" dirty="0">
+                <a:solidFill>
+                  <a:srgbClr val="FF0000"/>
+                </a:solidFill>
+                <a:latin typeface="Times New Roman" pitchFamily="18" charset="0"/>
+                <a:cs typeface="Times New Roman" pitchFamily="18" charset="0"/>
+              </a:rPr>
+              <a:t> </a:t>
+            </a:r>
+            <a:r>
+              <a:rPr lang="en-US" altLang="zh-TW" sz="3200" b="1" dirty="0" err="1">
+                <a:solidFill>
+                  <a:srgbClr val="FF0000"/>
+                </a:solidFill>
+                <a:latin typeface="Times New Roman" pitchFamily="18" charset="0"/>
+                <a:cs typeface="Times New Roman" pitchFamily="18" charset="0"/>
+              </a:rPr>
+              <a:t>ngưỡng</a:t>
+            </a:r>
+            <a:r>
+              <a:rPr lang="en-US" altLang="zh-TW" sz="3200" b="1" dirty="0">
+                <a:solidFill>
+                  <a:srgbClr val="FF0000"/>
+                </a:solidFill>
+                <a:latin typeface="Times New Roman" pitchFamily="18" charset="0"/>
+                <a:cs typeface="Times New Roman" pitchFamily="18" charset="0"/>
+              </a:rPr>
+              <a:t> </a:t>
+            </a:r>
+            <a:r>
+              <a:rPr lang="en-US" altLang="zh-TW" sz="3200" b="1" dirty="0" err="1">
+                <a:solidFill>
+                  <a:srgbClr val="FF0000"/>
+                </a:solidFill>
+                <a:latin typeface="Times New Roman" pitchFamily="18" charset="0"/>
+                <a:cs typeface="Times New Roman" pitchFamily="18" charset="0"/>
+              </a:rPr>
+              <a:t>mộ</a:t>
+            </a:r>
+            <a:r>
+              <a:rPr lang="en-US" altLang="zh-TW" sz="3200" b="1" dirty="0">
+                <a:solidFill>
+                  <a:srgbClr val="FF0000"/>
+                </a:solidFill>
+                <a:latin typeface="Times New Roman" pitchFamily="18" charset="0"/>
+                <a:cs typeface="Times New Roman" pitchFamily="18" charset="0"/>
+              </a:rPr>
+              <a:t> </a:t>
+            </a:r>
+            <a:r>
+              <a:rPr lang="en-US" altLang="zh-TW" sz="3200" b="1" dirty="0" err="1">
+                <a:solidFill>
+                  <a:srgbClr val="FF0000"/>
+                </a:solidFill>
+                <a:latin typeface="Times New Roman" pitchFamily="18" charset="0"/>
+                <a:cs typeface="Times New Roman" pitchFamily="18" charset="0"/>
+              </a:rPr>
+              <a:t>nó</a:t>
+            </a:r>
+            <a:endParaRPr lang="zh-TW" altLang="en-US" sz="3200" b="1" dirty="0">
+              <a:solidFill>
+                <a:srgbClr val="FF0000"/>
+              </a:solidFill>
+              <a:latin typeface="Times New Roman" pitchFamily="18" charset="0"/>
+              <a:cs typeface="Times New Roman" pitchFamily="18" charset="0"/>
+            </a:endParaRPr>
+          </a:p>
         </p:txBody>
       </p:sp>
     </p:spTree>
     <p:extLst>
       <p:ext uri="{BB962C8B-B14F-4D97-AF65-F5344CB8AC3E}">
-        <p14:creationId xmlns:p14="http://schemas.microsoft.com/office/powerpoint/2010/main" xmlns="" val="1138220689"/>
+        <p14:creationId xmlns:p14="http://schemas.microsoft.com/office/powerpoint/2010/main" val="1138220689"/>
       </p:ext>
     </p:extLst>
   </p:cSld>
@@ -3808,7 +3827,7 @@
         </p:nvSpPr>
         <p:spPr>
           <a:xfrm>
-            <a:off x="457200" y="71414"/>
+            <a:off x="1981200" y="71414"/>
             <a:ext cx="8229600" cy="1143000"/>
           </a:xfrm>
         </p:spPr>
@@ -3848,8 +3867,8 @@
         </p:nvSpPr>
         <p:spPr>
           <a:xfrm>
-            <a:off x="457200" y="1285860"/>
-            <a:ext cx="8229600" cy="4525963"/>
+            <a:off x="1981200" y="1285861"/>
+            <a:ext cx="8229600" cy="3223259"/>
           </a:xfrm>
         </p:spPr>
         <p:txBody>
@@ -3862,26 +3881,16 @@
               <a:buNone/>
             </a:pPr>
             <a:r>
-              <a:rPr lang="zh-TW" altLang="en-US" sz="5400" b="1" dirty="0">
+              <a:rPr lang="zh-TW" altLang="en-US" sz="4000" b="1" dirty="0">
                 <a:solidFill>
                   <a:srgbClr val="660033"/>
                 </a:solidFill>
                 <a:latin typeface="微軟正黑體" pitchFamily="34" charset="-120"/>
                 <a:ea typeface="微軟正黑體" pitchFamily="34" charset="-120"/>
               </a:rPr>
-              <a:t>靠神真富足  靠神才有</a:t>
-            </a:r>
-            <a:r>
-              <a:rPr lang="zh-TW" altLang="en-US" sz="5400" b="1" dirty="0" smtClean="0">
-                <a:solidFill>
-                  <a:srgbClr val="660033"/>
-                </a:solidFill>
-                <a:latin typeface="微軟正黑體" pitchFamily="34" charset="-120"/>
-                <a:ea typeface="微軟正黑體" pitchFamily="34" charset="-120"/>
-              </a:rPr>
-              <a:t>出路</a:t>
-            </a:r>
-            <a:endParaRPr lang="en-US" altLang="zh-TW" sz="5400" b="1" dirty="0">
+              <a:t>靠神真富足  靠神才有出路</a:t>
+            </a:r>
+            <a:endParaRPr lang="en-US" altLang="zh-TW" sz="4000" b="1" dirty="0">
               <a:solidFill>
                 <a:srgbClr val="660033"/>
               </a:solidFill>
@@ -3894,7 +3903,7 @@
               <a:buNone/>
             </a:pPr>
             <a:r>
-              <a:rPr lang="zh-TW" altLang="en-US" sz="5400" b="1" dirty="0" smtClean="0">
+              <a:rPr lang="zh-TW" altLang="en-US" sz="4000" b="1" dirty="0">
                 <a:solidFill>
                   <a:srgbClr val="660033"/>
                 </a:solidFill>
@@ -3903,7 +3912,7 @@
               </a:rPr>
               <a:t>祂是天上的父</a:t>
             </a:r>
-            <a:endParaRPr lang="en-US" altLang="zh-TW" sz="5400" b="1" dirty="0" smtClean="0">
+            <a:endParaRPr lang="en-US" altLang="zh-TW" sz="4000" b="1" dirty="0">
               <a:solidFill>
                 <a:srgbClr val="660033"/>
               </a:solidFill>
@@ -3916,36 +3925,16 @@
               <a:buNone/>
             </a:pPr>
             <a:r>
-              <a:rPr lang="zh-TW" altLang="en-US" sz="5400" b="1" dirty="0" smtClean="0">
+              <a:rPr lang="zh-TW" altLang="en-US" sz="4000" b="1" dirty="0">
                 <a:solidFill>
                   <a:srgbClr val="660033"/>
                 </a:solidFill>
                 <a:latin typeface="微軟正黑體" pitchFamily="34" charset="-120"/>
                 <a:ea typeface="微軟正黑體" pitchFamily="34" charset="-120"/>
               </a:rPr>
-              <a:t>靠</a:t>
-            </a:r>
-            <a:r>
-              <a:rPr lang="zh-TW" altLang="en-US" sz="5400" b="1" dirty="0">
-                <a:solidFill>
-                  <a:srgbClr val="660033"/>
-                </a:solidFill>
-                <a:latin typeface="微軟正黑體" pitchFamily="34" charset="-120"/>
-                <a:ea typeface="微軟正黑體" pitchFamily="34" charset="-120"/>
-              </a:rPr>
-              <a:t>神真富足  靠神才有</a:t>
-            </a:r>
-            <a:r>
-              <a:rPr lang="zh-TW" altLang="en-US" sz="5400" b="1" dirty="0" smtClean="0">
-                <a:solidFill>
-                  <a:srgbClr val="660033"/>
-                </a:solidFill>
-                <a:latin typeface="微軟正黑體" pitchFamily="34" charset="-120"/>
-                <a:ea typeface="微軟正黑體" pitchFamily="34" charset="-120"/>
-              </a:rPr>
-              <a:t>出路</a:t>
-            </a:r>
-            <a:endParaRPr lang="en-US" altLang="zh-TW" sz="5400" b="1" dirty="0">
+              <a:t>靠神真富足  靠神才有出路</a:t>
+            </a:r>
+            <a:endParaRPr lang="en-US" altLang="zh-TW" sz="4000" b="1" dirty="0">
               <a:solidFill>
                 <a:srgbClr val="660033"/>
               </a:solidFill>
@@ -3958,7 +3947,7 @@
               <a:buNone/>
             </a:pPr>
             <a:r>
-              <a:rPr lang="zh-TW" altLang="en-US" sz="5400" b="1" dirty="0" smtClean="0">
+              <a:rPr lang="zh-TW" altLang="en-US" sz="4000" b="1" dirty="0">
                 <a:solidFill>
                   <a:srgbClr val="660033"/>
                 </a:solidFill>
@@ -3967,7 +3956,7 @@
               </a:rPr>
               <a:t>靠祂真正有福</a:t>
             </a:r>
-            <a:endParaRPr lang="en-US" sz="5400" b="1" dirty="0">
+            <a:endParaRPr lang="en-US" sz="4000" b="1" dirty="0">
               <a:solidFill>
                 <a:srgbClr val="660033"/>
               </a:solidFill>
@@ -3985,8 +3974,8 @@
         </p:nvSpPr>
         <p:spPr>
           <a:xfrm>
-            <a:off x="71406" y="5187277"/>
-            <a:ext cx="8929750" cy="954107"/>
+            <a:off x="0" y="4502759"/>
+            <a:ext cx="12192000" cy="2062103"/>
           </a:xfrm>
           <a:prstGeom prst="rect">
             <a:avLst/>
@@ -4001,7 +3990,7 @@
           <a:p>
             <a:pPr algn="ctr"/>
             <a:r>
-              <a:rPr lang="en-US" altLang="zh-TW" sz="2800" b="1" dirty="0" err="1" smtClean="0">
+              <a:rPr lang="en-US" altLang="zh-TW" sz="3200" b="1" dirty="0" err="1">
                 <a:solidFill>
                   <a:srgbClr val="FF0000"/>
                 </a:solidFill>
@@ -4011,7 +4000,7 @@
               <a:t>Cậy</a:t>
             </a:r>
             <a:r>
-              <a:rPr lang="en-US" altLang="zh-TW" sz="2800" b="1" dirty="0" smtClean="0">
+              <a:rPr lang="en-US" altLang="zh-TW" sz="3200" b="1" dirty="0">
                 <a:solidFill>
                   <a:srgbClr val="FF0000"/>
                 </a:solidFill>
@@ -4021,7 +4010,7 @@
               <a:t> </a:t>
             </a:r>
             <a:r>
-              <a:rPr lang="en-US" altLang="zh-TW" sz="2800" b="1" dirty="0" err="1" smtClean="0">
+              <a:rPr lang="en-US" altLang="zh-TW" sz="3200" b="1" dirty="0" err="1">
                 <a:solidFill>
                   <a:srgbClr val="FF0000"/>
                 </a:solidFill>
@@ -4031,7 +4020,7 @@
               <a:t>nơi</a:t>
             </a:r>
             <a:r>
-              <a:rPr lang="en-US" altLang="zh-TW" sz="2800" b="1" dirty="0" smtClean="0">
+              <a:rPr lang="en-US" altLang="zh-TW" sz="3200" b="1" dirty="0">
                 <a:solidFill>
                   <a:srgbClr val="FF0000"/>
                 </a:solidFill>
@@ -4041,7 +4030,7 @@
               <a:t> </a:t>
             </a:r>
             <a:r>
-              <a:rPr lang="en-US" altLang="zh-TW" sz="2800" b="1" dirty="0" err="1" smtClean="0">
+              <a:rPr lang="en-US" altLang="zh-TW" sz="3200" b="1" dirty="0" err="1">
                 <a:solidFill>
                   <a:srgbClr val="FF0000"/>
                 </a:solidFill>
@@ -4051,7 +4040,7 @@
               <a:t>Chúa</a:t>
             </a:r>
             <a:r>
-              <a:rPr lang="en-US" altLang="zh-TW" sz="2800" b="1" dirty="0" smtClean="0">
+              <a:rPr lang="en-US" altLang="zh-TW" sz="3200" b="1" dirty="0">
                 <a:solidFill>
                   <a:srgbClr val="FF0000"/>
                 </a:solidFill>
@@ -4061,7 +4050,7 @@
               <a:t> </a:t>
             </a:r>
             <a:r>
-              <a:rPr lang="en-US" altLang="zh-TW" sz="2800" b="1" dirty="0" err="1" smtClean="0">
+              <a:rPr lang="en-US" altLang="zh-TW" sz="3200" b="1" dirty="0" err="1">
                 <a:solidFill>
                   <a:srgbClr val="FF0000"/>
                 </a:solidFill>
@@ -4071,7 +4060,7 @@
               <a:t>được</a:t>
             </a:r>
             <a:r>
-              <a:rPr lang="en-US" altLang="zh-TW" sz="2800" b="1" dirty="0" smtClean="0">
+              <a:rPr lang="en-US" altLang="zh-TW" sz="3200" b="1" dirty="0">
                 <a:solidFill>
                   <a:srgbClr val="FF0000"/>
                 </a:solidFill>
@@ -4081,7 +4070,7 @@
               <a:t> </a:t>
             </a:r>
             <a:r>
-              <a:rPr lang="en-US" altLang="zh-TW" sz="2800" b="1" dirty="0" err="1" smtClean="0">
+              <a:rPr lang="en-US" altLang="zh-TW" sz="3200" b="1" dirty="0" err="1">
                 <a:solidFill>
                   <a:srgbClr val="FF0000"/>
                 </a:solidFill>
@@ -4091,7 +4080,7 @@
               <a:t>đầy</a:t>
             </a:r>
             <a:r>
-              <a:rPr lang="en-US" altLang="zh-TW" sz="2800" b="1" dirty="0" smtClean="0">
+              <a:rPr lang="en-US" altLang="zh-TW" sz="3200" b="1" dirty="0">
                 <a:solidFill>
                   <a:srgbClr val="FF0000"/>
                 </a:solidFill>
@@ -4101,7 +4090,7 @@
               <a:t> </a:t>
             </a:r>
             <a:r>
-              <a:rPr lang="en-US" altLang="zh-TW" sz="2800" b="1" dirty="0" err="1" smtClean="0">
+              <a:rPr lang="en-US" altLang="zh-TW" sz="3200" b="1" dirty="0" err="1">
                 <a:solidFill>
                   <a:srgbClr val="FF0000"/>
                 </a:solidFill>
@@ -4111,7 +4100,7 @@
               <a:t>đủ</a:t>
             </a:r>
             <a:r>
-              <a:rPr lang="en-US" altLang="zh-TW" sz="2800" b="1" dirty="0" smtClean="0">
+              <a:rPr lang="en-US" altLang="zh-TW" sz="3200" b="1" dirty="0">
                 <a:solidFill>
                   <a:srgbClr val="FF0000"/>
                 </a:solidFill>
@@ -4120,117 +4109,7 @@
               </a:rPr>
               <a:t> </a:t>
             </a:r>
-            <a:r>
-              <a:rPr lang="en-US" altLang="zh-TW" sz="2800" b="1" dirty="0" err="1" smtClean="0">
-                <a:solidFill>
-                  <a:srgbClr val="FF0000"/>
-                </a:solidFill>
-                <a:latin typeface="Times New Roman" pitchFamily="18" charset="0"/>
-                <a:cs typeface="Times New Roman" pitchFamily="18" charset="0"/>
-              </a:rPr>
-              <a:t>và</a:t>
-            </a:r>
-            <a:r>
-              <a:rPr lang="en-US" altLang="zh-TW" sz="2800" b="1" dirty="0" smtClean="0">
-                <a:solidFill>
-                  <a:srgbClr val="FF0000"/>
-                </a:solidFill>
-                <a:latin typeface="Times New Roman" pitchFamily="18" charset="0"/>
-                <a:cs typeface="Times New Roman" pitchFamily="18" charset="0"/>
-              </a:rPr>
-              <a:t> </a:t>
-            </a:r>
-            <a:r>
-              <a:rPr lang="en-US" altLang="zh-TW" sz="2800" b="1" dirty="0" err="1" smtClean="0">
-                <a:solidFill>
-                  <a:srgbClr val="FF0000"/>
-                </a:solidFill>
-                <a:latin typeface="Times New Roman" pitchFamily="18" charset="0"/>
-                <a:cs typeface="Times New Roman" pitchFamily="18" charset="0"/>
-              </a:rPr>
-              <a:t>được</a:t>
-            </a:r>
-            <a:r>
-              <a:rPr lang="en-US" altLang="zh-TW" sz="2800" b="1" dirty="0" smtClean="0">
-                <a:solidFill>
-                  <a:srgbClr val="FF0000"/>
-                </a:solidFill>
-                <a:latin typeface="Times New Roman" pitchFamily="18" charset="0"/>
-                <a:cs typeface="Times New Roman" pitchFamily="18" charset="0"/>
-              </a:rPr>
-              <a:t> </a:t>
-            </a:r>
-            <a:r>
-              <a:rPr lang="en-US" altLang="zh-TW" sz="2800" b="1" dirty="0" err="1" smtClean="0">
-                <a:solidFill>
-                  <a:srgbClr val="FF0000"/>
-                </a:solidFill>
-                <a:latin typeface="Times New Roman" pitchFamily="18" charset="0"/>
-                <a:cs typeface="Times New Roman" pitchFamily="18" charset="0"/>
-              </a:rPr>
-              <a:t>hướng</a:t>
-            </a:r>
-            <a:r>
-              <a:rPr lang="en-US" altLang="zh-TW" sz="2800" b="1" dirty="0" smtClean="0">
-                <a:solidFill>
-                  <a:srgbClr val="FF0000"/>
-                </a:solidFill>
-                <a:latin typeface="Times New Roman" pitchFamily="18" charset="0"/>
-                <a:cs typeface="Times New Roman" pitchFamily="18" charset="0"/>
-              </a:rPr>
-              <a:t> </a:t>
-            </a:r>
-            <a:r>
-              <a:rPr lang="en-US" altLang="zh-TW" sz="2800" b="1" dirty="0" err="1" smtClean="0">
-                <a:solidFill>
-                  <a:srgbClr val="FF0000"/>
-                </a:solidFill>
-                <a:latin typeface="Times New Roman" pitchFamily="18" charset="0"/>
-                <a:cs typeface="Times New Roman" pitchFamily="18" charset="0"/>
-              </a:rPr>
-              <a:t>dẫn</a:t>
-            </a:r>
-            <a:r>
-              <a:rPr lang="en-US" altLang="zh-TW" sz="2800" b="1" dirty="0" smtClean="0">
-                <a:solidFill>
-                  <a:srgbClr val="FF0000"/>
-                </a:solidFill>
-                <a:latin typeface="Times New Roman" pitchFamily="18" charset="0"/>
-                <a:cs typeface="Times New Roman" pitchFamily="18" charset="0"/>
-              </a:rPr>
-              <a:t> </a:t>
-            </a:r>
-            <a:r>
-              <a:rPr lang="en-US" altLang="zh-TW" sz="2800" b="1" dirty="0" err="1" smtClean="0">
-                <a:solidFill>
-                  <a:srgbClr val="FF0000"/>
-                </a:solidFill>
-                <a:latin typeface="Times New Roman" pitchFamily="18" charset="0"/>
-                <a:cs typeface="Times New Roman" pitchFamily="18" charset="0"/>
-              </a:rPr>
-              <a:t>đường</a:t>
-            </a:r>
-            <a:r>
-              <a:rPr lang="en-US" altLang="zh-TW" sz="2800" b="1" dirty="0" smtClean="0">
-                <a:solidFill>
-                  <a:srgbClr val="FF0000"/>
-                </a:solidFill>
-                <a:latin typeface="Times New Roman" pitchFamily="18" charset="0"/>
-                <a:cs typeface="Times New Roman" pitchFamily="18" charset="0"/>
-              </a:rPr>
-              <a:t> </a:t>
-            </a:r>
-            <a:r>
-              <a:rPr lang="en-US" altLang="zh-TW" sz="2800" b="1" dirty="0" err="1" smtClean="0">
-                <a:solidFill>
-                  <a:srgbClr val="FF0000"/>
-                </a:solidFill>
-                <a:latin typeface="Times New Roman" pitchFamily="18" charset="0"/>
-                <a:cs typeface="Times New Roman" pitchFamily="18" charset="0"/>
-              </a:rPr>
-              <a:t>đi</a:t>
-            </a:r>
-            <a:endParaRPr lang="en-US" altLang="zh-TW" sz="2800" b="1" dirty="0" smtClean="0">
+            <a:endParaRPr lang="en-US" altLang="zh-TW" sz="3200" b="1" dirty="0" smtClean="0">
               <a:solidFill>
                 <a:srgbClr val="FF0000"/>
               </a:solidFill>
@@ -4241,17 +4120,17 @@
           <a:p>
             <a:pPr algn="ctr"/>
             <a:r>
-              <a:rPr lang="en-US" altLang="zh-TW" sz="2800" b="1" dirty="0" err="1" smtClean="0">
-                <a:solidFill>
-                  <a:srgbClr val="FF0000"/>
-                </a:solidFill>
-                <a:latin typeface="Times New Roman" pitchFamily="18" charset="0"/>
-                <a:cs typeface="Times New Roman" pitchFamily="18" charset="0"/>
-              </a:rPr>
-              <a:t>Ngài</a:t>
-            </a:r>
-            <a:r>
-              <a:rPr lang="en-US" altLang="zh-TW" sz="2800" b="1" dirty="0" smtClean="0">
+              <a:rPr lang="en-US" altLang="zh-TW" sz="3200" b="1" dirty="0" err="1" smtClean="0">
+                <a:solidFill>
+                  <a:srgbClr val="FF0000"/>
+                </a:solidFill>
+                <a:latin typeface="Times New Roman" pitchFamily="18" charset="0"/>
+                <a:cs typeface="Times New Roman" pitchFamily="18" charset="0"/>
+              </a:rPr>
+              <a:t>và</a:t>
+            </a:r>
+            <a:r>
+              <a:rPr lang="en-US" altLang="zh-TW" sz="3200" b="1" dirty="0" smtClean="0">
                 <a:solidFill>
                   <a:srgbClr val="FF0000"/>
                 </a:solidFill>
@@ -4261,37 +4140,17 @@
               <a:t> </a:t>
             </a:r>
             <a:r>
-              <a:rPr lang="en-US" altLang="zh-TW" sz="2800" b="1" dirty="0" err="1" smtClean="0">
-                <a:solidFill>
-                  <a:srgbClr val="FF0000"/>
-                </a:solidFill>
-                <a:latin typeface="Times New Roman" pitchFamily="18" charset="0"/>
-                <a:cs typeface="Times New Roman" pitchFamily="18" charset="0"/>
-              </a:rPr>
-              <a:t>là</a:t>
-            </a:r>
-            <a:r>
-              <a:rPr lang="en-US" altLang="zh-TW" sz="2800" b="1" dirty="0" smtClean="0">
-                <a:solidFill>
-                  <a:srgbClr val="FF0000"/>
-                </a:solidFill>
-                <a:latin typeface="Times New Roman" pitchFamily="18" charset="0"/>
-                <a:cs typeface="Times New Roman" pitchFamily="18" charset="0"/>
-              </a:rPr>
-              <a:t> Cha </a:t>
-            </a:r>
-            <a:r>
-              <a:rPr lang="en-US" altLang="zh-TW" sz="2800" b="1" dirty="0" err="1" smtClean="0">
-                <a:solidFill>
-                  <a:srgbClr val="FF0000"/>
-                </a:solidFill>
-                <a:latin typeface="Times New Roman" pitchFamily="18" charset="0"/>
-                <a:cs typeface="Times New Roman" pitchFamily="18" charset="0"/>
-              </a:rPr>
-              <a:t>Thiên</a:t>
-            </a:r>
-            <a:r>
-              <a:rPr lang="en-US" altLang="zh-TW" sz="2800" b="1" dirty="0" smtClean="0">
+              <a:rPr lang="en-US" altLang="zh-TW" sz="3200" b="1" dirty="0" err="1">
+                <a:solidFill>
+                  <a:srgbClr val="FF0000"/>
+                </a:solidFill>
+                <a:latin typeface="Times New Roman" pitchFamily="18" charset="0"/>
+                <a:cs typeface="Times New Roman" pitchFamily="18" charset="0"/>
+              </a:rPr>
+              <a:t>được</a:t>
+            </a:r>
+            <a:r>
+              <a:rPr lang="en-US" altLang="zh-TW" sz="3200" b="1" dirty="0">
                 <a:solidFill>
                   <a:srgbClr val="FF0000"/>
                 </a:solidFill>
@@ -4301,37 +4160,17 @@
               <a:t> </a:t>
             </a:r>
             <a:r>
-              <a:rPr lang="en-US" altLang="zh-TW" sz="2800" b="1" dirty="0" err="1" smtClean="0">
-                <a:solidFill>
-                  <a:srgbClr val="FF0000"/>
-                </a:solidFill>
-                <a:latin typeface="Times New Roman" pitchFamily="18" charset="0"/>
-                <a:cs typeface="Times New Roman" pitchFamily="18" charset="0"/>
-              </a:rPr>
-              <a:t>Thượng</a:t>
-            </a:r>
-            <a:r>
-              <a:rPr lang="en-US" altLang="zh-TW" sz="2800" b="1" dirty="0" smtClean="0">
-                <a:solidFill>
-                  <a:srgbClr val="FF0000"/>
-                </a:solidFill>
-                <a:latin typeface="Times New Roman" pitchFamily="18" charset="0"/>
-                <a:cs typeface="Times New Roman" pitchFamily="18" charset="0"/>
-              </a:rPr>
-              <a:t>, </a:t>
-            </a:r>
-            <a:r>
-              <a:rPr lang="en-US" altLang="zh-TW" sz="2800" b="1" dirty="0" err="1" smtClean="0">
-                <a:solidFill>
-                  <a:srgbClr val="FF0000"/>
-                </a:solidFill>
-                <a:latin typeface="Times New Roman" pitchFamily="18" charset="0"/>
-                <a:cs typeface="Times New Roman" pitchFamily="18" charset="0"/>
-              </a:rPr>
-              <a:t>cậy</a:t>
-            </a:r>
-            <a:r>
-              <a:rPr lang="en-US" altLang="zh-TW" sz="2800" b="1" dirty="0" smtClean="0">
+              <a:rPr lang="en-US" altLang="zh-TW" sz="3200" b="1" dirty="0" err="1">
+                <a:solidFill>
+                  <a:srgbClr val="FF0000"/>
+                </a:solidFill>
+                <a:latin typeface="Times New Roman" pitchFamily="18" charset="0"/>
+                <a:cs typeface="Times New Roman" pitchFamily="18" charset="0"/>
+              </a:rPr>
+              <a:t>hướng</a:t>
+            </a:r>
+            <a:r>
+              <a:rPr lang="en-US" altLang="zh-TW" sz="3200" b="1" dirty="0">
                 <a:solidFill>
                   <a:srgbClr val="FF0000"/>
                 </a:solidFill>
@@ -4341,17 +4180,17 @@
               <a:t> </a:t>
             </a:r>
             <a:r>
-              <a:rPr lang="en-US" altLang="zh-TW" sz="2800" b="1" dirty="0" err="1" smtClean="0">
-                <a:solidFill>
-                  <a:srgbClr val="FF0000"/>
-                </a:solidFill>
-                <a:latin typeface="Times New Roman" pitchFamily="18" charset="0"/>
-                <a:cs typeface="Times New Roman" pitchFamily="18" charset="0"/>
-              </a:rPr>
-              <a:t>nơi</a:t>
-            </a:r>
-            <a:r>
-              <a:rPr lang="en-US" altLang="zh-TW" sz="2800" b="1" dirty="0" smtClean="0">
+              <a:rPr lang="en-US" altLang="zh-TW" sz="3200" b="1" dirty="0" err="1">
+                <a:solidFill>
+                  <a:srgbClr val="FF0000"/>
+                </a:solidFill>
+                <a:latin typeface="Times New Roman" pitchFamily="18" charset="0"/>
+                <a:cs typeface="Times New Roman" pitchFamily="18" charset="0"/>
+              </a:rPr>
+              <a:t>dẫn</a:t>
+            </a:r>
+            <a:r>
+              <a:rPr lang="en-US" altLang="zh-TW" sz="3200" b="1" dirty="0">
                 <a:solidFill>
                   <a:srgbClr val="FF0000"/>
                 </a:solidFill>
@@ -4361,17 +4200,17 @@
               <a:t> </a:t>
             </a:r>
             <a:r>
-              <a:rPr lang="en-US" altLang="zh-TW" sz="2800" b="1" dirty="0" err="1" smtClean="0">
-                <a:solidFill>
-                  <a:srgbClr val="FF0000"/>
-                </a:solidFill>
-                <a:latin typeface="Times New Roman" pitchFamily="18" charset="0"/>
-                <a:cs typeface="Times New Roman" pitchFamily="18" charset="0"/>
-              </a:rPr>
-              <a:t>Ngài</a:t>
-            </a:r>
-            <a:r>
-              <a:rPr lang="en-US" altLang="zh-TW" sz="2800" b="1" dirty="0" smtClean="0">
+              <a:rPr lang="en-US" altLang="zh-TW" sz="3200" b="1" dirty="0" err="1">
+                <a:solidFill>
+                  <a:srgbClr val="FF0000"/>
+                </a:solidFill>
+                <a:latin typeface="Times New Roman" pitchFamily="18" charset="0"/>
+                <a:cs typeface="Times New Roman" pitchFamily="18" charset="0"/>
+              </a:rPr>
+              <a:t>đường</a:t>
+            </a:r>
+            <a:r>
+              <a:rPr lang="en-US" altLang="zh-TW" sz="3200" b="1" dirty="0">
                 <a:solidFill>
                   <a:srgbClr val="FF0000"/>
                 </a:solidFill>
@@ -4381,56 +4220,16 @@
               <a:t> </a:t>
             </a:r>
             <a:r>
-              <a:rPr lang="en-US" altLang="zh-TW" sz="2800" b="1" dirty="0" err="1" smtClean="0">
-                <a:solidFill>
-                  <a:srgbClr val="FF0000"/>
-                </a:solidFill>
-                <a:latin typeface="Times New Roman" pitchFamily="18" charset="0"/>
-                <a:cs typeface="Times New Roman" pitchFamily="18" charset="0"/>
-              </a:rPr>
-              <a:t>thật</a:t>
-            </a:r>
-            <a:r>
-              <a:rPr lang="en-US" altLang="zh-TW" sz="2800" b="1" dirty="0" smtClean="0">
-                <a:solidFill>
-                  <a:srgbClr val="FF0000"/>
-                </a:solidFill>
-                <a:latin typeface="Times New Roman" pitchFamily="18" charset="0"/>
-                <a:cs typeface="Times New Roman" pitchFamily="18" charset="0"/>
-              </a:rPr>
-              <a:t> </a:t>
-            </a:r>
-            <a:r>
-              <a:rPr lang="en-US" altLang="zh-TW" sz="2800" b="1" dirty="0" err="1" smtClean="0">
-                <a:solidFill>
-                  <a:srgbClr val="FF0000"/>
-                </a:solidFill>
-                <a:latin typeface="Times New Roman" pitchFamily="18" charset="0"/>
-                <a:cs typeface="Times New Roman" pitchFamily="18" charset="0"/>
-              </a:rPr>
-              <a:t>có</a:t>
-            </a:r>
-            <a:r>
-              <a:rPr lang="en-US" altLang="zh-TW" sz="2800" b="1" dirty="0" smtClean="0">
-                <a:solidFill>
-                  <a:srgbClr val="FF0000"/>
-                </a:solidFill>
-                <a:latin typeface="Times New Roman" pitchFamily="18" charset="0"/>
-                <a:cs typeface="Times New Roman" pitchFamily="18" charset="0"/>
-              </a:rPr>
-              <a:t> </a:t>
-            </a:r>
-            <a:r>
-              <a:rPr lang="en-US" altLang="zh-TW" sz="2800" b="1" dirty="0" err="1" smtClean="0">
-                <a:solidFill>
-                  <a:srgbClr val="FF0000"/>
-                </a:solidFill>
-                <a:latin typeface="Times New Roman" pitchFamily="18" charset="0"/>
-                <a:cs typeface="Times New Roman" pitchFamily="18" charset="0"/>
-              </a:rPr>
-              <a:t>phước</a:t>
-            </a:r>
-            <a:endParaRPr lang="zh-TW" altLang="en-US" sz="2800" b="1" dirty="0">
+              <a:rPr lang="en-US" altLang="zh-TW" sz="3200" b="1" dirty="0" err="1">
+                <a:solidFill>
+                  <a:srgbClr val="FF0000"/>
+                </a:solidFill>
+                <a:latin typeface="Times New Roman" pitchFamily="18" charset="0"/>
+                <a:cs typeface="Times New Roman" pitchFamily="18" charset="0"/>
+              </a:rPr>
+              <a:t>đi</a:t>
+            </a:r>
+            <a:endParaRPr lang="en-US" altLang="zh-TW" sz="3200" b="1" dirty="0">
               <a:solidFill>
                 <a:srgbClr val="FF0000"/>
               </a:solidFill>
@@ -4438,12 +4237,212 @@
               <a:cs typeface="Times New Roman" pitchFamily="18" charset="0"/>
             </a:endParaRPr>
           </a:p>
+          <a:p>
+            <a:pPr algn="ctr"/>
+            <a:r>
+              <a:rPr lang="en-US" altLang="zh-TW" sz="3200" b="1" dirty="0" err="1">
+                <a:solidFill>
+                  <a:srgbClr val="FF0000"/>
+                </a:solidFill>
+                <a:latin typeface="Times New Roman" pitchFamily="18" charset="0"/>
+                <a:cs typeface="Times New Roman" pitchFamily="18" charset="0"/>
+              </a:rPr>
+              <a:t>Ngài</a:t>
+            </a:r>
+            <a:r>
+              <a:rPr lang="en-US" altLang="zh-TW" sz="3200" b="1" dirty="0">
+                <a:solidFill>
+                  <a:srgbClr val="FF0000"/>
+                </a:solidFill>
+                <a:latin typeface="Times New Roman" pitchFamily="18" charset="0"/>
+                <a:cs typeface="Times New Roman" pitchFamily="18" charset="0"/>
+              </a:rPr>
+              <a:t> </a:t>
+            </a:r>
+            <a:r>
+              <a:rPr lang="en-US" altLang="zh-TW" sz="3200" b="1" dirty="0" err="1">
+                <a:solidFill>
+                  <a:srgbClr val="FF0000"/>
+                </a:solidFill>
+                <a:latin typeface="Times New Roman" pitchFamily="18" charset="0"/>
+                <a:cs typeface="Times New Roman" pitchFamily="18" charset="0"/>
+              </a:rPr>
+              <a:t>là</a:t>
+            </a:r>
+            <a:r>
+              <a:rPr lang="en-US" altLang="zh-TW" sz="3200" b="1" dirty="0">
+                <a:solidFill>
+                  <a:srgbClr val="FF0000"/>
+                </a:solidFill>
+                <a:latin typeface="Times New Roman" pitchFamily="18" charset="0"/>
+                <a:cs typeface="Times New Roman" pitchFamily="18" charset="0"/>
+              </a:rPr>
+              <a:t> Cha </a:t>
+            </a:r>
+            <a:r>
+              <a:rPr lang="en-US" altLang="zh-TW" sz="3200" b="1" dirty="0" err="1">
+                <a:solidFill>
+                  <a:srgbClr val="FF0000"/>
+                </a:solidFill>
+                <a:latin typeface="Times New Roman" pitchFamily="18" charset="0"/>
+                <a:cs typeface="Times New Roman" pitchFamily="18" charset="0"/>
+              </a:rPr>
+              <a:t>Thiên</a:t>
+            </a:r>
+            <a:r>
+              <a:rPr lang="en-US" altLang="zh-TW" sz="3200" b="1" dirty="0">
+                <a:solidFill>
+                  <a:srgbClr val="FF0000"/>
+                </a:solidFill>
+                <a:latin typeface="Times New Roman" pitchFamily="18" charset="0"/>
+                <a:cs typeface="Times New Roman" pitchFamily="18" charset="0"/>
+              </a:rPr>
+              <a:t> </a:t>
+            </a:r>
+            <a:r>
+              <a:rPr lang="en-US" altLang="zh-TW" sz="3200" b="1" dirty="0" err="1" smtClean="0">
+                <a:solidFill>
+                  <a:srgbClr val="FF0000"/>
+                </a:solidFill>
+                <a:latin typeface="Times New Roman" pitchFamily="18" charset="0"/>
+                <a:cs typeface="Times New Roman" pitchFamily="18" charset="0"/>
+              </a:rPr>
+              <a:t>Thượng</a:t>
+            </a:r>
+            <a:endParaRPr lang="en-US" altLang="zh-TW" sz="3200" b="1" dirty="0" smtClean="0">
+              <a:solidFill>
+                <a:srgbClr val="FF0000"/>
+              </a:solidFill>
+              <a:latin typeface="Times New Roman" pitchFamily="18" charset="0"/>
+              <a:cs typeface="Times New Roman" pitchFamily="18" charset="0"/>
+            </a:endParaRPr>
+          </a:p>
+          <a:p>
+            <a:pPr algn="ctr"/>
+            <a:r>
+              <a:rPr lang="en-US" altLang="zh-TW" sz="3200" b="1" dirty="0" err="1" smtClean="0">
+                <a:solidFill>
+                  <a:srgbClr val="FF0000"/>
+                </a:solidFill>
+                <a:latin typeface="Times New Roman" pitchFamily="18" charset="0"/>
+                <a:cs typeface="Times New Roman" pitchFamily="18" charset="0"/>
+              </a:rPr>
+              <a:t>cậy</a:t>
+            </a:r>
+            <a:r>
+              <a:rPr lang="en-US" altLang="zh-TW" sz="3200" b="1" dirty="0" smtClean="0">
+                <a:solidFill>
+                  <a:srgbClr val="FF0000"/>
+                </a:solidFill>
+                <a:latin typeface="Times New Roman" pitchFamily="18" charset="0"/>
+                <a:cs typeface="Times New Roman" pitchFamily="18" charset="0"/>
+              </a:rPr>
+              <a:t> </a:t>
+            </a:r>
+            <a:r>
+              <a:rPr lang="en-US" altLang="zh-TW" sz="3200" b="1" dirty="0" err="1">
+                <a:solidFill>
+                  <a:srgbClr val="FF0000"/>
+                </a:solidFill>
+                <a:latin typeface="Times New Roman" pitchFamily="18" charset="0"/>
+                <a:cs typeface="Times New Roman" pitchFamily="18" charset="0"/>
+              </a:rPr>
+              <a:t>nơi</a:t>
+            </a:r>
+            <a:r>
+              <a:rPr lang="en-US" altLang="zh-TW" sz="3200" b="1" dirty="0">
+                <a:solidFill>
+                  <a:srgbClr val="FF0000"/>
+                </a:solidFill>
+                <a:latin typeface="Times New Roman" pitchFamily="18" charset="0"/>
+                <a:cs typeface="Times New Roman" pitchFamily="18" charset="0"/>
+              </a:rPr>
+              <a:t> </a:t>
+            </a:r>
+            <a:r>
+              <a:rPr lang="en-US" altLang="zh-TW" sz="3200" b="1" dirty="0" err="1">
+                <a:solidFill>
+                  <a:srgbClr val="FF0000"/>
+                </a:solidFill>
+                <a:latin typeface="Times New Roman" pitchFamily="18" charset="0"/>
+                <a:cs typeface="Times New Roman" pitchFamily="18" charset="0"/>
+              </a:rPr>
+              <a:t>Ngài</a:t>
+            </a:r>
+            <a:r>
+              <a:rPr lang="en-US" altLang="zh-TW" sz="3200" b="1" dirty="0">
+                <a:solidFill>
+                  <a:srgbClr val="FF0000"/>
+                </a:solidFill>
+                <a:latin typeface="Times New Roman" pitchFamily="18" charset="0"/>
+                <a:cs typeface="Times New Roman" pitchFamily="18" charset="0"/>
+              </a:rPr>
+              <a:t> </a:t>
+            </a:r>
+            <a:r>
+              <a:rPr lang="en-US" altLang="zh-TW" sz="3200" b="1" dirty="0" err="1">
+                <a:solidFill>
+                  <a:srgbClr val="FF0000"/>
+                </a:solidFill>
+                <a:latin typeface="Times New Roman" pitchFamily="18" charset="0"/>
+                <a:cs typeface="Times New Roman" pitchFamily="18" charset="0"/>
+              </a:rPr>
+              <a:t>thật</a:t>
+            </a:r>
+            <a:r>
+              <a:rPr lang="en-US" altLang="zh-TW" sz="3200" b="1" dirty="0">
+                <a:solidFill>
+                  <a:srgbClr val="FF0000"/>
+                </a:solidFill>
+                <a:latin typeface="Times New Roman" pitchFamily="18" charset="0"/>
+                <a:cs typeface="Times New Roman" pitchFamily="18" charset="0"/>
+              </a:rPr>
+              <a:t> </a:t>
+            </a:r>
+            <a:r>
+              <a:rPr lang="en-US" altLang="zh-TW" sz="3200" b="1" dirty="0" err="1">
+                <a:solidFill>
+                  <a:srgbClr val="FF0000"/>
+                </a:solidFill>
+                <a:latin typeface="Times New Roman" pitchFamily="18" charset="0"/>
+                <a:cs typeface="Times New Roman" pitchFamily="18" charset="0"/>
+              </a:rPr>
+              <a:t>có</a:t>
+            </a:r>
+            <a:r>
+              <a:rPr lang="en-US" altLang="zh-TW" sz="3200" b="1" dirty="0">
+                <a:solidFill>
+                  <a:srgbClr val="FF0000"/>
+                </a:solidFill>
+                <a:latin typeface="Times New Roman" pitchFamily="18" charset="0"/>
+                <a:cs typeface="Times New Roman" pitchFamily="18" charset="0"/>
+              </a:rPr>
+              <a:t> </a:t>
+            </a:r>
+            <a:r>
+              <a:rPr lang="en-US" altLang="zh-TW" sz="3200" b="1" dirty="0" err="1">
+                <a:solidFill>
+                  <a:srgbClr val="FF0000"/>
+                </a:solidFill>
+                <a:latin typeface="Times New Roman" pitchFamily="18" charset="0"/>
+                <a:cs typeface="Times New Roman" pitchFamily="18" charset="0"/>
+              </a:rPr>
+              <a:t>phước</a:t>
+            </a:r>
+            <a:endParaRPr lang="zh-TW" altLang="en-US" sz="3200" b="1" dirty="0">
+              <a:solidFill>
+                <a:srgbClr val="FF0000"/>
+              </a:solidFill>
+              <a:latin typeface="Times New Roman" pitchFamily="18" charset="0"/>
+              <a:cs typeface="Times New Roman" pitchFamily="18" charset="0"/>
+            </a:endParaRPr>
+          </a:p>
         </p:txBody>
       </p:sp>
     </p:spTree>
     <p:extLst>
       <p:ext uri="{BB962C8B-B14F-4D97-AF65-F5344CB8AC3E}">
-        <p14:creationId xmlns:p14="http://schemas.microsoft.com/office/powerpoint/2010/main" xmlns="" val="3102161111"/>
+        <p14:creationId xmlns:p14="http://schemas.microsoft.com/office/powerpoint/2010/main" val="1913138368"/>
       </p:ext>
     </p:extLst>
   </p:cSld>

--- a/金錢不是萬能.pptx
+++ b/金錢不是萬能.pptx
@@ -6,13 +6,13 @@
   </p:sldMasterIdLst>
   <p:sldIdLst>
     <p:sldId id="257" r:id="rId2"/>
-    <p:sldId id="259" r:id="rId3"/>
+    <p:sldId id="258" r:id="rId3"/>
   </p:sldIdLst>
   <p:sldSz cx="12192000" cy="6858000"/>
   <p:notesSz cx="6858000" cy="9144000"/>
   <p:defaultTextStyle>
     <a:defPPr>
-      <a:defRPr lang="zh-TW"/>
+      <a:defRPr lang="vi-VN"/>
     </a:defPPr>
     <a:lvl1pPr marL="0" algn="l" defTabSz="914400" rtl="0" eaLnBrk="1" latinLnBrk="0" hangingPunct="1">
       <a:defRPr sz="1800" kern="1200">
@@ -105,22 +105,6 @@
       </a:defRPr>
     </a:lvl9pPr>
   </p:defaultTextStyle>
-  <p:extLst>
-    <p:ext uri="{EFAFB233-063F-42B5-8137-9DF3F51BA10A}">
-      <p15:sldGuideLst xmlns:p15="http://schemas.microsoft.com/office/powerpoint/2012/main">
-        <p15:guide id="1" orient="horz" pos="2160" userDrawn="1">
-          <p15:clr>
-            <a:srgbClr val="A4A3A4"/>
-          </p15:clr>
-        </p15:guide>
-        <p15:guide id="2" pos="3840" userDrawn="1">
-          <p15:clr>
-            <a:srgbClr val="A4A3A4"/>
-          </p15:clr>
-        </p15:guide>
-      </p15:sldGuideLst>
-    </p:ext>
-  </p:extLst>
 </p:presentation>
 </file>
 
@@ -162,8 +146,8 @@
           <a:lstStyle/>
           <a:p>
             <a:r>
-              <a:rPr lang="zh-TW" altLang="en-US" smtClean="0"/>
-              <a:t>按一下以編輯母片標題樣式</a:t>
+              <a:rPr lang="en-US" altLang="zh-TW" smtClean="0"/>
+              <a:t>Click to edit Master title style</a:t>
             </a:r>
             <a:endParaRPr lang="zh-TW" altLang="en-US"/>
           </a:p>
@@ -198,7 +182,7 @@
                 </a:solidFill>
               </a:defRPr>
             </a:lvl1pPr>
-            <a:lvl2pPr marL="457200" indent="0" algn="ctr">
+            <a:lvl2pPr marL="609585" indent="0" algn="ctr">
               <a:buNone/>
               <a:defRPr>
                 <a:solidFill>
@@ -208,7 +192,7 @@
                 </a:solidFill>
               </a:defRPr>
             </a:lvl2pPr>
-            <a:lvl3pPr marL="914400" indent="0" algn="ctr">
+            <a:lvl3pPr marL="1219170" indent="0" algn="ctr">
               <a:buNone/>
               <a:defRPr>
                 <a:solidFill>
@@ -218,7 +202,7 @@
                 </a:solidFill>
               </a:defRPr>
             </a:lvl3pPr>
-            <a:lvl4pPr marL="1371600" indent="0" algn="ctr">
+            <a:lvl4pPr marL="1828754" indent="0" algn="ctr">
               <a:buNone/>
               <a:defRPr>
                 <a:solidFill>
@@ -228,7 +212,7 @@
                 </a:solidFill>
               </a:defRPr>
             </a:lvl4pPr>
-            <a:lvl5pPr marL="1828800" indent="0" algn="ctr">
+            <a:lvl5pPr marL="2438339" indent="0" algn="ctr">
               <a:buNone/>
               <a:defRPr>
                 <a:solidFill>
@@ -238,7 +222,7 @@
                 </a:solidFill>
               </a:defRPr>
             </a:lvl5pPr>
-            <a:lvl6pPr marL="2286000" indent="0" algn="ctr">
+            <a:lvl6pPr marL="3047924" indent="0" algn="ctr">
               <a:buNone/>
               <a:defRPr>
                 <a:solidFill>
@@ -248,7 +232,7 @@
                 </a:solidFill>
               </a:defRPr>
             </a:lvl6pPr>
-            <a:lvl7pPr marL="2743200" indent="0" algn="ctr">
+            <a:lvl7pPr marL="3657509" indent="0" algn="ctr">
               <a:buNone/>
               <a:defRPr>
                 <a:solidFill>
@@ -258,7 +242,7 @@
                 </a:solidFill>
               </a:defRPr>
             </a:lvl7pPr>
-            <a:lvl8pPr marL="3200400" indent="0" algn="ctr">
+            <a:lvl8pPr marL="4267093" indent="0" algn="ctr">
               <a:buNone/>
               <a:defRPr>
                 <a:solidFill>
@@ -268,7 +252,7 @@
                 </a:solidFill>
               </a:defRPr>
             </a:lvl8pPr>
-            <a:lvl9pPr marL="3657600" indent="0" algn="ctr">
+            <a:lvl9pPr marL="4876678" indent="0" algn="ctr">
               <a:buNone/>
               <a:defRPr>
                 <a:solidFill>
@@ -281,8 +265,8 @@
           </a:lstStyle>
           <a:p>
             <a:r>
-              <a:rPr lang="zh-TW" altLang="en-US" smtClean="0"/>
-              <a:t>按一下以編輯母片副標題樣式</a:t>
+              <a:rPr lang="en-US" altLang="zh-TW" smtClean="0"/>
+              <a:t>Click to edit Master subtitle style</a:t>
             </a:r>
             <a:endParaRPr lang="zh-TW" altLang="en-US"/>
           </a:p>
@@ -303,11 +287,11 @@
           <a:bodyPr/>
           <a:lstStyle/>
           <a:p>
-            <a:fld id="{95A4B3F1-EFF9-4805-913D-1ECEA9EAAFAF}" type="datetimeFigureOut">
-              <a:rPr lang="zh-TW" altLang="en-US" smtClean="0"/>
-              <a:t>2020/2/6</a:t>
+            <a:fld id="{55EF9850-3444-4697-B6AF-36B600F814A3}" type="datetimeFigureOut">
+              <a:rPr lang="vi-VN" smtClean="0"/>
+              <a:t>14/03/2020</a:t>
             </a:fld>
-            <a:endParaRPr lang="zh-TW" altLang="en-US"/>
+            <a:endParaRPr lang="vi-VN"/>
           </a:p>
         </p:txBody>
       </p:sp>
@@ -326,7 +310,7 @@
           <a:bodyPr/>
           <a:lstStyle/>
           <a:p>
-            <a:endParaRPr lang="zh-TW" altLang="en-US"/>
+            <a:endParaRPr lang="vi-VN"/>
           </a:p>
         </p:txBody>
       </p:sp>
@@ -345,15 +329,20 @@
           <a:bodyPr/>
           <a:lstStyle/>
           <a:p>
-            <a:fld id="{79A7A9CF-E8C8-4435-9BD5-6419511246DD}" type="slidenum">
-              <a:rPr lang="zh-TW" altLang="en-US" smtClean="0"/>
+            <a:fld id="{46C0AAB2-16A8-43CE-A082-ECE89C80827A}" type="slidenum">
+              <a:rPr lang="vi-VN" smtClean="0"/>
               <a:t>‹#›</a:t>
             </a:fld>
-            <a:endParaRPr lang="zh-TW" altLang="en-US"/>
+            <a:endParaRPr lang="vi-VN"/>
           </a:p>
         </p:txBody>
       </p:sp>
     </p:spTree>
+    <p:extLst>
+      <p:ext uri="{BB962C8B-B14F-4D97-AF65-F5344CB8AC3E}">
+        <p14:creationId xmlns:p14="http://schemas.microsoft.com/office/powerpoint/2010/main" val="1861052440"/>
+      </p:ext>
+    </p:extLst>
   </p:cSld>
   <p:clrMapOvr>
     <a:masterClrMapping/>
@@ -394,8 +383,8 @@
           <a:lstStyle/>
           <a:p>
             <a:r>
-              <a:rPr lang="zh-TW" altLang="en-US" smtClean="0"/>
-              <a:t>按一下以編輯母片標題樣式</a:t>
+              <a:rPr lang="en-US" altLang="zh-TW" smtClean="0"/>
+              <a:t>Click to edit Master title style</a:t>
             </a:r>
             <a:endParaRPr lang="zh-TW" altLang="en-US"/>
           </a:p>
@@ -418,36 +407,36 @@
           <a:p>
             <a:pPr lvl="0"/>
             <a:r>
-              <a:rPr lang="zh-TW" altLang="en-US" smtClean="0"/>
-              <a:t>按一下以編輯母片文字樣式</a:t>
+              <a:rPr lang="en-US" altLang="zh-TW" smtClean="0"/>
+              <a:t>Edit Master text styles</a:t>
             </a:r>
           </a:p>
           <a:p>
             <a:pPr lvl="1"/>
             <a:r>
-              <a:rPr lang="zh-TW" altLang="en-US" smtClean="0"/>
-              <a:t>第二層</a:t>
+              <a:rPr lang="en-US" altLang="zh-TW" smtClean="0"/>
+              <a:t>Second level</a:t>
             </a:r>
           </a:p>
           <a:p>
             <a:pPr lvl="2"/>
             <a:r>
-              <a:rPr lang="zh-TW" altLang="en-US" smtClean="0"/>
-              <a:t>第三層</a:t>
+              <a:rPr lang="en-US" altLang="zh-TW" smtClean="0"/>
+              <a:t>Third level</a:t>
             </a:r>
           </a:p>
           <a:p>
             <a:pPr lvl="3"/>
             <a:r>
-              <a:rPr lang="zh-TW" altLang="en-US" smtClean="0"/>
-              <a:t>第四層</a:t>
+              <a:rPr lang="en-US" altLang="zh-TW" smtClean="0"/>
+              <a:t>Fourth level</a:t>
             </a:r>
           </a:p>
           <a:p>
             <a:pPr lvl="4"/>
             <a:r>
-              <a:rPr lang="zh-TW" altLang="en-US" smtClean="0"/>
-              <a:t>第五層</a:t>
+              <a:rPr lang="en-US" altLang="zh-TW" smtClean="0"/>
+              <a:t>Fifth level</a:t>
             </a:r>
             <a:endParaRPr lang="zh-TW" altLang="en-US"/>
           </a:p>
@@ -468,11 +457,11 @@
           <a:bodyPr/>
           <a:lstStyle/>
           <a:p>
-            <a:fld id="{95A4B3F1-EFF9-4805-913D-1ECEA9EAAFAF}" type="datetimeFigureOut">
-              <a:rPr lang="zh-TW" altLang="en-US" smtClean="0"/>
-              <a:t>2020/2/6</a:t>
+            <a:fld id="{55EF9850-3444-4697-B6AF-36B600F814A3}" type="datetimeFigureOut">
+              <a:rPr lang="vi-VN" smtClean="0"/>
+              <a:t>14/03/2020</a:t>
             </a:fld>
-            <a:endParaRPr lang="zh-TW" altLang="en-US"/>
+            <a:endParaRPr lang="vi-VN"/>
           </a:p>
         </p:txBody>
       </p:sp>
@@ -491,7 +480,7 @@
           <a:bodyPr/>
           <a:lstStyle/>
           <a:p>
-            <a:endParaRPr lang="zh-TW" altLang="en-US"/>
+            <a:endParaRPr lang="vi-VN"/>
           </a:p>
         </p:txBody>
       </p:sp>
@@ -510,15 +499,20 @@
           <a:bodyPr/>
           <a:lstStyle/>
           <a:p>
-            <a:fld id="{79A7A9CF-E8C8-4435-9BD5-6419511246DD}" type="slidenum">
-              <a:rPr lang="zh-TW" altLang="en-US" smtClean="0"/>
+            <a:fld id="{46C0AAB2-16A8-43CE-A082-ECE89C80827A}" type="slidenum">
+              <a:rPr lang="vi-VN" smtClean="0"/>
               <a:t>‹#›</a:t>
             </a:fld>
-            <a:endParaRPr lang="zh-TW" altLang="en-US"/>
+            <a:endParaRPr lang="vi-VN"/>
           </a:p>
         </p:txBody>
       </p:sp>
     </p:spTree>
+    <p:extLst>
+      <p:ext uri="{BB962C8B-B14F-4D97-AF65-F5344CB8AC3E}">
+        <p14:creationId xmlns:p14="http://schemas.microsoft.com/office/powerpoint/2010/main" val="2048573875"/>
+      </p:ext>
+    </p:extLst>
   </p:cSld>
   <p:clrMapOvr>
     <a:masterClrMapping/>
@@ -564,8 +558,8 @@
           <a:lstStyle/>
           <a:p>
             <a:r>
-              <a:rPr lang="zh-TW" altLang="en-US" smtClean="0"/>
-              <a:t>按一下以編輯母片標題樣式</a:t>
+              <a:rPr lang="en-US" altLang="zh-TW" smtClean="0"/>
+              <a:t>Click to edit Master title style</a:t>
             </a:r>
             <a:endParaRPr lang="zh-TW" altLang="en-US"/>
           </a:p>
@@ -593,36 +587,36 @@
           <a:p>
             <a:pPr lvl="0"/>
             <a:r>
-              <a:rPr lang="zh-TW" altLang="en-US" smtClean="0"/>
-              <a:t>按一下以編輯母片文字樣式</a:t>
+              <a:rPr lang="en-US" altLang="zh-TW" smtClean="0"/>
+              <a:t>Edit Master text styles</a:t>
             </a:r>
           </a:p>
           <a:p>
             <a:pPr lvl="1"/>
             <a:r>
-              <a:rPr lang="zh-TW" altLang="en-US" smtClean="0"/>
-              <a:t>第二層</a:t>
+              <a:rPr lang="en-US" altLang="zh-TW" smtClean="0"/>
+              <a:t>Second level</a:t>
             </a:r>
           </a:p>
           <a:p>
             <a:pPr lvl="2"/>
             <a:r>
-              <a:rPr lang="zh-TW" altLang="en-US" smtClean="0"/>
-              <a:t>第三層</a:t>
+              <a:rPr lang="en-US" altLang="zh-TW" smtClean="0"/>
+              <a:t>Third level</a:t>
             </a:r>
           </a:p>
           <a:p>
             <a:pPr lvl="3"/>
             <a:r>
-              <a:rPr lang="zh-TW" altLang="en-US" smtClean="0"/>
-              <a:t>第四層</a:t>
+              <a:rPr lang="en-US" altLang="zh-TW" smtClean="0"/>
+              <a:t>Fourth level</a:t>
             </a:r>
           </a:p>
           <a:p>
             <a:pPr lvl="4"/>
             <a:r>
-              <a:rPr lang="zh-TW" altLang="en-US" smtClean="0"/>
-              <a:t>第五層</a:t>
+              <a:rPr lang="en-US" altLang="zh-TW" smtClean="0"/>
+              <a:t>Fifth level</a:t>
             </a:r>
             <a:endParaRPr lang="zh-TW" altLang="en-US"/>
           </a:p>
@@ -643,11 +637,11 @@
           <a:bodyPr/>
           <a:lstStyle/>
           <a:p>
-            <a:fld id="{95A4B3F1-EFF9-4805-913D-1ECEA9EAAFAF}" type="datetimeFigureOut">
-              <a:rPr lang="zh-TW" altLang="en-US" smtClean="0"/>
-              <a:t>2020/2/6</a:t>
+            <a:fld id="{55EF9850-3444-4697-B6AF-36B600F814A3}" type="datetimeFigureOut">
+              <a:rPr lang="vi-VN" smtClean="0"/>
+              <a:t>14/03/2020</a:t>
             </a:fld>
-            <a:endParaRPr lang="zh-TW" altLang="en-US"/>
+            <a:endParaRPr lang="vi-VN"/>
           </a:p>
         </p:txBody>
       </p:sp>
@@ -666,7 +660,7 @@
           <a:bodyPr/>
           <a:lstStyle/>
           <a:p>
-            <a:endParaRPr lang="zh-TW" altLang="en-US"/>
+            <a:endParaRPr lang="vi-VN"/>
           </a:p>
         </p:txBody>
       </p:sp>
@@ -685,15 +679,20 @@
           <a:bodyPr/>
           <a:lstStyle/>
           <a:p>
-            <a:fld id="{79A7A9CF-E8C8-4435-9BD5-6419511246DD}" type="slidenum">
-              <a:rPr lang="zh-TW" altLang="en-US" smtClean="0"/>
+            <a:fld id="{46C0AAB2-16A8-43CE-A082-ECE89C80827A}" type="slidenum">
+              <a:rPr lang="vi-VN" smtClean="0"/>
               <a:t>‹#›</a:t>
             </a:fld>
-            <a:endParaRPr lang="zh-TW" altLang="en-US"/>
+            <a:endParaRPr lang="vi-VN"/>
           </a:p>
         </p:txBody>
       </p:sp>
     </p:spTree>
+    <p:extLst>
+      <p:ext uri="{BB962C8B-B14F-4D97-AF65-F5344CB8AC3E}">
+        <p14:creationId xmlns:p14="http://schemas.microsoft.com/office/powerpoint/2010/main" val="2054155327"/>
+      </p:ext>
+    </p:extLst>
   </p:cSld>
   <p:clrMapOvr>
     <a:masterClrMapping/>
@@ -734,8 +733,8 @@
           <a:lstStyle/>
           <a:p>
             <a:r>
-              <a:rPr lang="zh-TW" altLang="en-US" smtClean="0"/>
-              <a:t>按一下以編輯母片標題樣式</a:t>
+              <a:rPr lang="en-US" altLang="zh-TW" smtClean="0"/>
+              <a:t>Click to edit Master title style</a:t>
             </a:r>
             <a:endParaRPr lang="zh-TW" altLang="en-US"/>
           </a:p>
@@ -758,36 +757,36 @@
           <a:p>
             <a:pPr lvl="0"/>
             <a:r>
-              <a:rPr lang="zh-TW" altLang="en-US" smtClean="0"/>
-              <a:t>按一下以編輯母片文字樣式</a:t>
+              <a:rPr lang="en-US" altLang="zh-TW" smtClean="0"/>
+              <a:t>Edit Master text styles</a:t>
             </a:r>
           </a:p>
           <a:p>
             <a:pPr lvl="1"/>
             <a:r>
-              <a:rPr lang="zh-TW" altLang="en-US" smtClean="0"/>
-              <a:t>第二層</a:t>
+              <a:rPr lang="en-US" altLang="zh-TW" smtClean="0"/>
+              <a:t>Second level</a:t>
             </a:r>
           </a:p>
           <a:p>
             <a:pPr lvl="2"/>
             <a:r>
-              <a:rPr lang="zh-TW" altLang="en-US" smtClean="0"/>
-              <a:t>第三層</a:t>
+              <a:rPr lang="en-US" altLang="zh-TW" smtClean="0"/>
+              <a:t>Third level</a:t>
             </a:r>
           </a:p>
           <a:p>
             <a:pPr lvl="3"/>
             <a:r>
-              <a:rPr lang="zh-TW" altLang="en-US" smtClean="0"/>
-              <a:t>第四層</a:t>
+              <a:rPr lang="en-US" altLang="zh-TW" smtClean="0"/>
+              <a:t>Fourth level</a:t>
             </a:r>
           </a:p>
           <a:p>
             <a:pPr lvl="4"/>
             <a:r>
-              <a:rPr lang="zh-TW" altLang="en-US" smtClean="0"/>
-              <a:t>第五層</a:t>
+              <a:rPr lang="en-US" altLang="zh-TW" smtClean="0"/>
+              <a:t>Fifth level</a:t>
             </a:r>
             <a:endParaRPr lang="zh-TW" altLang="en-US"/>
           </a:p>
@@ -808,11 +807,11 @@
           <a:bodyPr/>
           <a:lstStyle/>
           <a:p>
-            <a:fld id="{95A4B3F1-EFF9-4805-913D-1ECEA9EAAFAF}" type="datetimeFigureOut">
-              <a:rPr lang="zh-TW" altLang="en-US" smtClean="0"/>
-              <a:t>2020/2/6</a:t>
+            <a:fld id="{55EF9850-3444-4697-B6AF-36B600F814A3}" type="datetimeFigureOut">
+              <a:rPr lang="vi-VN" smtClean="0"/>
+              <a:t>14/03/2020</a:t>
             </a:fld>
-            <a:endParaRPr lang="zh-TW" altLang="en-US"/>
+            <a:endParaRPr lang="vi-VN"/>
           </a:p>
         </p:txBody>
       </p:sp>
@@ -831,7 +830,7 @@
           <a:bodyPr/>
           <a:lstStyle/>
           <a:p>
-            <a:endParaRPr lang="zh-TW" altLang="en-US"/>
+            <a:endParaRPr lang="vi-VN"/>
           </a:p>
         </p:txBody>
       </p:sp>
@@ -850,15 +849,20 @@
           <a:bodyPr/>
           <a:lstStyle/>
           <a:p>
-            <a:fld id="{79A7A9CF-E8C8-4435-9BD5-6419511246DD}" type="slidenum">
-              <a:rPr lang="zh-TW" altLang="en-US" smtClean="0"/>
+            <a:fld id="{46C0AAB2-16A8-43CE-A082-ECE89C80827A}" type="slidenum">
+              <a:rPr lang="vi-VN" smtClean="0"/>
               <a:t>‹#›</a:t>
             </a:fld>
-            <a:endParaRPr lang="zh-TW" altLang="en-US"/>
+            <a:endParaRPr lang="vi-VN"/>
           </a:p>
         </p:txBody>
       </p:sp>
     </p:spTree>
+    <p:extLst>
+      <p:ext uri="{BB962C8B-B14F-4D97-AF65-F5344CB8AC3E}">
+        <p14:creationId xmlns:p14="http://schemas.microsoft.com/office/powerpoint/2010/main" val="3564548463"/>
+      </p:ext>
+    </p:extLst>
   </p:cSld>
   <p:clrMapOvr>
     <a:masterClrMapping/>
@@ -903,13 +907,13 @@
           <a:bodyPr anchor="t"/>
           <a:lstStyle>
             <a:lvl1pPr algn="l">
-              <a:defRPr sz="4000" b="1" cap="all"/>
+              <a:defRPr sz="5333" b="1" cap="all"/>
             </a:lvl1pPr>
           </a:lstStyle>
           <a:p>
             <a:r>
-              <a:rPr lang="zh-TW" altLang="en-US" smtClean="0"/>
-              <a:t>按一下以編輯母片標題樣式</a:t>
+              <a:rPr lang="en-US" altLang="zh-TW" smtClean="0"/>
+              <a:t>Click to edit Master title style</a:t>
             </a:r>
             <a:endParaRPr lang="zh-TW" altLang="en-US"/>
           </a:p>
@@ -936,7 +940,7 @@
           <a:lstStyle>
             <a:lvl1pPr marL="0" indent="0">
               <a:buNone/>
-              <a:defRPr sz="2000">
+              <a:defRPr sz="2667">
                 <a:solidFill>
                   <a:schemeClr val="tx1">
                     <a:tint val="75000"/>
@@ -944,9 +948,9 @@
                 </a:solidFill>
               </a:defRPr>
             </a:lvl1pPr>
-            <a:lvl2pPr marL="457200" indent="0">
-              <a:buNone/>
-              <a:defRPr sz="1800">
+            <a:lvl2pPr marL="609585" indent="0">
+              <a:buNone/>
+              <a:defRPr sz="2400">
                 <a:solidFill>
                   <a:schemeClr val="tx1">
                     <a:tint val="75000"/>
@@ -954,9 +958,9 @@
                 </a:solidFill>
               </a:defRPr>
             </a:lvl2pPr>
-            <a:lvl3pPr marL="914400" indent="0">
-              <a:buNone/>
-              <a:defRPr sz="1600">
+            <a:lvl3pPr marL="1219170" indent="0">
+              <a:buNone/>
+              <a:defRPr sz="2133">
                 <a:solidFill>
                   <a:schemeClr val="tx1">
                     <a:tint val="75000"/>
@@ -964,9 +968,9 @@
                 </a:solidFill>
               </a:defRPr>
             </a:lvl3pPr>
-            <a:lvl4pPr marL="1371600" indent="0">
-              <a:buNone/>
-              <a:defRPr sz="1400">
+            <a:lvl4pPr marL="1828754" indent="0">
+              <a:buNone/>
+              <a:defRPr sz="1867">
                 <a:solidFill>
                   <a:schemeClr val="tx1">
                     <a:tint val="75000"/>
@@ -974,9 +978,9 @@
                 </a:solidFill>
               </a:defRPr>
             </a:lvl4pPr>
-            <a:lvl5pPr marL="1828800" indent="0">
-              <a:buNone/>
-              <a:defRPr sz="1400">
+            <a:lvl5pPr marL="2438339" indent="0">
+              <a:buNone/>
+              <a:defRPr sz="1867">
                 <a:solidFill>
                   <a:schemeClr val="tx1">
                     <a:tint val="75000"/>
@@ -984,9 +988,9 @@
                 </a:solidFill>
               </a:defRPr>
             </a:lvl5pPr>
-            <a:lvl6pPr marL="2286000" indent="0">
-              <a:buNone/>
-              <a:defRPr sz="1400">
+            <a:lvl6pPr marL="3047924" indent="0">
+              <a:buNone/>
+              <a:defRPr sz="1867">
                 <a:solidFill>
                   <a:schemeClr val="tx1">
                     <a:tint val="75000"/>
@@ -994,9 +998,9 @@
                 </a:solidFill>
               </a:defRPr>
             </a:lvl6pPr>
-            <a:lvl7pPr marL="2743200" indent="0">
-              <a:buNone/>
-              <a:defRPr sz="1400">
+            <a:lvl7pPr marL="3657509" indent="0">
+              <a:buNone/>
+              <a:defRPr sz="1867">
                 <a:solidFill>
                   <a:schemeClr val="tx1">
                     <a:tint val="75000"/>
@@ -1004,9 +1008,9 @@
                 </a:solidFill>
               </a:defRPr>
             </a:lvl7pPr>
-            <a:lvl8pPr marL="3200400" indent="0">
-              <a:buNone/>
-              <a:defRPr sz="1400">
+            <a:lvl8pPr marL="4267093" indent="0">
+              <a:buNone/>
+              <a:defRPr sz="1867">
                 <a:solidFill>
                   <a:schemeClr val="tx1">
                     <a:tint val="75000"/>
@@ -1014,9 +1018,9 @@
                 </a:solidFill>
               </a:defRPr>
             </a:lvl8pPr>
-            <a:lvl9pPr marL="3657600" indent="0">
-              <a:buNone/>
-              <a:defRPr sz="1400">
+            <a:lvl9pPr marL="4876678" indent="0">
+              <a:buNone/>
+              <a:defRPr sz="1867">
                 <a:solidFill>
                   <a:schemeClr val="tx1">
                     <a:tint val="75000"/>
@@ -1028,8 +1032,8 @@
           <a:p>
             <a:pPr lvl="0"/>
             <a:r>
-              <a:rPr lang="zh-TW" altLang="en-US" smtClean="0"/>
-              <a:t>按一下以編輯母片文字樣式</a:t>
+              <a:rPr lang="en-US" altLang="zh-TW" smtClean="0"/>
+              <a:t>Edit Master text styles</a:t>
             </a:r>
           </a:p>
         </p:txBody>
@@ -1049,11 +1053,11 @@
           <a:bodyPr/>
           <a:lstStyle/>
           <a:p>
-            <a:fld id="{95A4B3F1-EFF9-4805-913D-1ECEA9EAAFAF}" type="datetimeFigureOut">
-              <a:rPr lang="zh-TW" altLang="en-US" smtClean="0"/>
-              <a:t>2020/2/6</a:t>
+            <a:fld id="{55EF9850-3444-4697-B6AF-36B600F814A3}" type="datetimeFigureOut">
+              <a:rPr lang="vi-VN" smtClean="0"/>
+              <a:t>14/03/2020</a:t>
             </a:fld>
-            <a:endParaRPr lang="zh-TW" altLang="en-US"/>
+            <a:endParaRPr lang="vi-VN"/>
           </a:p>
         </p:txBody>
       </p:sp>
@@ -1072,7 +1076,7 @@
           <a:bodyPr/>
           <a:lstStyle/>
           <a:p>
-            <a:endParaRPr lang="zh-TW" altLang="en-US"/>
+            <a:endParaRPr lang="vi-VN"/>
           </a:p>
         </p:txBody>
       </p:sp>
@@ -1091,15 +1095,20 @@
           <a:bodyPr/>
           <a:lstStyle/>
           <a:p>
-            <a:fld id="{79A7A9CF-E8C8-4435-9BD5-6419511246DD}" type="slidenum">
-              <a:rPr lang="zh-TW" altLang="en-US" smtClean="0"/>
+            <a:fld id="{46C0AAB2-16A8-43CE-A082-ECE89C80827A}" type="slidenum">
+              <a:rPr lang="vi-VN" smtClean="0"/>
               <a:t>‹#›</a:t>
             </a:fld>
-            <a:endParaRPr lang="zh-TW" altLang="en-US"/>
+            <a:endParaRPr lang="vi-VN"/>
           </a:p>
         </p:txBody>
       </p:sp>
     </p:spTree>
+    <p:extLst>
+      <p:ext uri="{BB962C8B-B14F-4D97-AF65-F5344CB8AC3E}">
+        <p14:creationId xmlns:p14="http://schemas.microsoft.com/office/powerpoint/2010/main" val="1468479991"/>
+      </p:ext>
+    </p:extLst>
   </p:cSld>
   <p:clrMapOvr>
     <a:masterClrMapping/>
@@ -1140,8 +1149,8 @@
           <a:lstStyle/>
           <a:p>
             <a:r>
-              <a:rPr lang="zh-TW" altLang="en-US" smtClean="0"/>
-              <a:t>按一下以編輯母片標題樣式</a:t>
+              <a:rPr lang="en-US" altLang="zh-TW" smtClean="0"/>
+              <a:t>Click to edit Master title style</a:t>
             </a:r>
             <a:endParaRPr lang="zh-TW" altLang="en-US"/>
           </a:p>
@@ -1167,66 +1176,66 @@
           <a:bodyPr/>
           <a:lstStyle>
             <a:lvl1pPr>
-              <a:defRPr sz="2800"/>
+              <a:defRPr sz="3733"/>
             </a:lvl1pPr>
             <a:lvl2pPr>
-              <a:defRPr sz="2400"/>
+              <a:defRPr sz="3200"/>
             </a:lvl2pPr>
             <a:lvl3pPr>
-              <a:defRPr sz="2000"/>
+              <a:defRPr sz="2667"/>
             </a:lvl3pPr>
             <a:lvl4pPr>
-              <a:defRPr sz="1800"/>
+              <a:defRPr sz="2400"/>
             </a:lvl4pPr>
             <a:lvl5pPr>
-              <a:defRPr sz="1800"/>
+              <a:defRPr sz="2400"/>
             </a:lvl5pPr>
             <a:lvl6pPr>
-              <a:defRPr sz="1800"/>
+              <a:defRPr sz="2400"/>
             </a:lvl6pPr>
             <a:lvl7pPr>
-              <a:defRPr sz="1800"/>
+              <a:defRPr sz="2400"/>
             </a:lvl7pPr>
             <a:lvl8pPr>
-              <a:defRPr sz="1800"/>
+              <a:defRPr sz="2400"/>
             </a:lvl8pPr>
             <a:lvl9pPr>
-              <a:defRPr sz="1800"/>
+              <a:defRPr sz="2400"/>
             </a:lvl9pPr>
           </a:lstStyle>
           <a:p>
             <a:pPr lvl="0"/>
             <a:r>
-              <a:rPr lang="zh-TW" altLang="en-US" smtClean="0"/>
-              <a:t>按一下以編輯母片文字樣式</a:t>
+              <a:rPr lang="en-US" altLang="zh-TW" smtClean="0"/>
+              <a:t>Edit Master text styles</a:t>
             </a:r>
           </a:p>
           <a:p>
             <a:pPr lvl="1"/>
             <a:r>
-              <a:rPr lang="zh-TW" altLang="en-US" smtClean="0"/>
-              <a:t>第二層</a:t>
+              <a:rPr lang="en-US" altLang="zh-TW" smtClean="0"/>
+              <a:t>Second level</a:t>
             </a:r>
           </a:p>
           <a:p>
             <a:pPr lvl="2"/>
             <a:r>
-              <a:rPr lang="zh-TW" altLang="en-US" smtClean="0"/>
-              <a:t>第三層</a:t>
+              <a:rPr lang="en-US" altLang="zh-TW" smtClean="0"/>
+              <a:t>Third level</a:t>
             </a:r>
           </a:p>
           <a:p>
             <a:pPr lvl="3"/>
             <a:r>
-              <a:rPr lang="zh-TW" altLang="en-US" smtClean="0"/>
-              <a:t>第四層</a:t>
+              <a:rPr lang="en-US" altLang="zh-TW" smtClean="0"/>
+              <a:t>Fourth level</a:t>
             </a:r>
           </a:p>
           <a:p>
             <a:pPr lvl="4"/>
             <a:r>
-              <a:rPr lang="zh-TW" altLang="en-US" smtClean="0"/>
-              <a:t>第五層</a:t>
+              <a:rPr lang="en-US" altLang="zh-TW" smtClean="0"/>
+              <a:t>Fifth level</a:t>
             </a:r>
             <a:endParaRPr lang="zh-TW" altLang="en-US"/>
           </a:p>
@@ -1252,66 +1261,66 @@
           <a:bodyPr/>
           <a:lstStyle>
             <a:lvl1pPr>
-              <a:defRPr sz="2800"/>
+              <a:defRPr sz="3733"/>
             </a:lvl1pPr>
             <a:lvl2pPr>
-              <a:defRPr sz="2400"/>
+              <a:defRPr sz="3200"/>
             </a:lvl2pPr>
             <a:lvl3pPr>
-              <a:defRPr sz="2000"/>
+              <a:defRPr sz="2667"/>
             </a:lvl3pPr>
             <a:lvl4pPr>
-              <a:defRPr sz="1800"/>
+              <a:defRPr sz="2400"/>
             </a:lvl4pPr>
             <a:lvl5pPr>
-              <a:defRPr sz="1800"/>
+              <a:defRPr sz="2400"/>
             </a:lvl5pPr>
             <a:lvl6pPr>
-              <a:defRPr sz="1800"/>
+              <a:defRPr sz="2400"/>
             </a:lvl6pPr>
             <a:lvl7pPr>
-              <a:defRPr sz="1800"/>
+              <a:defRPr sz="2400"/>
             </a:lvl7pPr>
             <a:lvl8pPr>
-              <a:defRPr sz="1800"/>
+              <a:defRPr sz="2400"/>
             </a:lvl8pPr>
             <a:lvl9pPr>
-              <a:defRPr sz="1800"/>
+              <a:defRPr sz="2400"/>
             </a:lvl9pPr>
           </a:lstStyle>
           <a:p>
             <a:pPr lvl="0"/>
             <a:r>
-              <a:rPr lang="zh-TW" altLang="en-US" smtClean="0"/>
-              <a:t>按一下以編輯母片文字樣式</a:t>
+              <a:rPr lang="en-US" altLang="zh-TW" smtClean="0"/>
+              <a:t>Edit Master text styles</a:t>
             </a:r>
           </a:p>
           <a:p>
             <a:pPr lvl="1"/>
             <a:r>
-              <a:rPr lang="zh-TW" altLang="en-US" smtClean="0"/>
-              <a:t>第二層</a:t>
+              <a:rPr lang="en-US" altLang="zh-TW" smtClean="0"/>
+              <a:t>Second level</a:t>
             </a:r>
           </a:p>
           <a:p>
             <a:pPr lvl="2"/>
             <a:r>
-              <a:rPr lang="zh-TW" altLang="en-US" smtClean="0"/>
-              <a:t>第三層</a:t>
+              <a:rPr lang="en-US" altLang="zh-TW" smtClean="0"/>
+              <a:t>Third level</a:t>
             </a:r>
           </a:p>
           <a:p>
             <a:pPr lvl="3"/>
             <a:r>
-              <a:rPr lang="zh-TW" altLang="en-US" smtClean="0"/>
-              <a:t>第四層</a:t>
+              <a:rPr lang="en-US" altLang="zh-TW" smtClean="0"/>
+              <a:t>Fourth level</a:t>
             </a:r>
           </a:p>
           <a:p>
             <a:pPr lvl="4"/>
             <a:r>
-              <a:rPr lang="zh-TW" altLang="en-US" smtClean="0"/>
-              <a:t>第五層</a:t>
+              <a:rPr lang="en-US" altLang="zh-TW" smtClean="0"/>
+              <a:t>Fifth level</a:t>
             </a:r>
             <a:endParaRPr lang="zh-TW" altLang="en-US"/>
           </a:p>
@@ -1332,11 +1341,11 @@
           <a:bodyPr/>
           <a:lstStyle/>
           <a:p>
-            <a:fld id="{95A4B3F1-EFF9-4805-913D-1ECEA9EAAFAF}" type="datetimeFigureOut">
-              <a:rPr lang="zh-TW" altLang="en-US" smtClean="0"/>
-              <a:t>2020/2/6</a:t>
+            <a:fld id="{55EF9850-3444-4697-B6AF-36B600F814A3}" type="datetimeFigureOut">
+              <a:rPr lang="vi-VN" smtClean="0"/>
+              <a:t>14/03/2020</a:t>
             </a:fld>
-            <a:endParaRPr lang="zh-TW" altLang="en-US"/>
+            <a:endParaRPr lang="vi-VN"/>
           </a:p>
         </p:txBody>
       </p:sp>
@@ -1355,7 +1364,7 @@
           <a:bodyPr/>
           <a:lstStyle/>
           <a:p>
-            <a:endParaRPr lang="zh-TW" altLang="en-US"/>
+            <a:endParaRPr lang="vi-VN"/>
           </a:p>
         </p:txBody>
       </p:sp>
@@ -1374,15 +1383,20 @@
           <a:bodyPr/>
           <a:lstStyle/>
           <a:p>
-            <a:fld id="{79A7A9CF-E8C8-4435-9BD5-6419511246DD}" type="slidenum">
-              <a:rPr lang="zh-TW" altLang="en-US" smtClean="0"/>
+            <a:fld id="{46C0AAB2-16A8-43CE-A082-ECE89C80827A}" type="slidenum">
+              <a:rPr lang="vi-VN" smtClean="0"/>
               <a:t>‹#›</a:t>
             </a:fld>
-            <a:endParaRPr lang="zh-TW" altLang="en-US"/>
+            <a:endParaRPr lang="vi-VN"/>
           </a:p>
         </p:txBody>
       </p:sp>
     </p:spTree>
+    <p:extLst>
+      <p:ext uri="{BB962C8B-B14F-4D97-AF65-F5344CB8AC3E}">
+        <p14:creationId xmlns:p14="http://schemas.microsoft.com/office/powerpoint/2010/main" val="23754212"/>
+      </p:ext>
+    </p:extLst>
   </p:cSld>
   <p:clrMapOvr>
     <a:masterClrMapping/>
@@ -1427,8 +1441,8 @@
           </a:lstStyle>
           <a:p>
             <a:r>
-              <a:rPr lang="zh-TW" altLang="en-US" smtClean="0"/>
-              <a:t>按一下以編輯母片標題樣式</a:t>
+              <a:rPr lang="en-US" altLang="zh-TW" smtClean="0"/>
+              <a:t>Click to edit Master title style</a:t>
             </a:r>
             <a:endParaRPr lang="zh-TW" altLang="en-US"/>
           </a:p>
@@ -1447,7 +1461,7 @@
         <p:spPr>
           <a:xfrm>
             <a:off x="609600" y="1535113"/>
-            <a:ext cx="5386917" cy="639762"/>
+            <a:ext cx="5386917" cy="639763"/>
           </a:xfrm>
         </p:spPr>
         <p:txBody>
@@ -1455,46 +1469,46 @@
           <a:lstStyle>
             <a:lvl1pPr marL="0" indent="0">
               <a:buNone/>
+              <a:defRPr sz="3200" b="1"/>
+            </a:lvl1pPr>
+            <a:lvl2pPr marL="609585" indent="0">
+              <a:buNone/>
+              <a:defRPr sz="2667" b="1"/>
+            </a:lvl2pPr>
+            <a:lvl3pPr marL="1219170" indent="0">
+              <a:buNone/>
               <a:defRPr sz="2400" b="1"/>
-            </a:lvl1pPr>
-            <a:lvl2pPr marL="457200" indent="0">
-              <a:buNone/>
-              <a:defRPr sz="2000" b="1"/>
-            </a:lvl2pPr>
-            <a:lvl3pPr marL="914400" indent="0">
-              <a:buNone/>
-              <a:defRPr sz="1800" b="1"/>
             </a:lvl3pPr>
-            <a:lvl4pPr marL="1371600" indent="0">
-              <a:buNone/>
-              <a:defRPr sz="1600" b="1"/>
+            <a:lvl4pPr marL="1828754" indent="0">
+              <a:buNone/>
+              <a:defRPr sz="2133" b="1"/>
             </a:lvl4pPr>
-            <a:lvl5pPr marL="1828800" indent="0">
-              <a:buNone/>
-              <a:defRPr sz="1600" b="1"/>
+            <a:lvl5pPr marL="2438339" indent="0">
+              <a:buNone/>
+              <a:defRPr sz="2133" b="1"/>
             </a:lvl5pPr>
-            <a:lvl6pPr marL="2286000" indent="0">
-              <a:buNone/>
-              <a:defRPr sz="1600" b="1"/>
+            <a:lvl6pPr marL="3047924" indent="0">
+              <a:buNone/>
+              <a:defRPr sz="2133" b="1"/>
             </a:lvl6pPr>
-            <a:lvl7pPr marL="2743200" indent="0">
-              <a:buNone/>
-              <a:defRPr sz="1600" b="1"/>
+            <a:lvl7pPr marL="3657509" indent="0">
+              <a:buNone/>
+              <a:defRPr sz="2133" b="1"/>
             </a:lvl7pPr>
-            <a:lvl8pPr marL="3200400" indent="0">
-              <a:buNone/>
-              <a:defRPr sz="1600" b="1"/>
+            <a:lvl8pPr marL="4267093" indent="0">
+              <a:buNone/>
+              <a:defRPr sz="2133" b="1"/>
             </a:lvl8pPr>
-            <a:lvl9pPr marL="3657600" indent="0">
-              <a:buNone/>
-              <a:defRPr sz="1600" b="1"/>
+            <a:lvl9pPr marL="4876678" indent="0">
+              <a:buNone/>
+              <a:defRPr sz="2133" b="1"/>
             </a:lvl9pPr>
           </a:lstStyle>
           <a:p>
             <a:pPr lvl="0"/>
             <a:r>
-              <a:rPr lang="zh-TW" altLang="en-US" smtClean="0"/>
-              <a:t>按一下以編輯母片文字樣式</a:t>
+              <a:rPr lang="en-US" altLang="zh-TW" smtClean="0"/>
+              <a:t>Edit Master text styles</a:t>
             </a:r>
           </a:p>
         </p:txBody>
@@ -1519,66 +1533,66 @@
           <a:bodyPr/>
           <a:lstStyle>
             <a:lvl1pPr>
-              <a:defRPr sz="2400"/>
+              <a:defRPr sz="3200"/>
             </a:lvl1pPr>
             <a:lvl2pPr>
-              <a:defRPr sz="2000"/>
+              <a:defRPr sz="2667"/>
             </a:lvl2pPr>
             <a:lvl3pPr>
-              <a:defRPr sz="1800"/>
+              <a:defRPr sz="2400"/>
             </a:lvl3pPr>
             <a:lvl4pPr>
-              <a:defRPr sz="1600"/>
+              <a:defRPr sz="2133"/>
             </a:lvl4pPr>
             <a:lvl5pPr>
-              <a:defRPr sz="1600"/>
+              <a:defRPr sz="2133"/>
             </a:lvl5pPr>
             <a:lvl6pPr>
-              <a:defRPr sz="1600"/>
+              <a:defRPr sz="2133"/>
             </a:lvl6pPr>
             <a:lvl7pPr>
-              <a:defRPr sz="1600"/>
+              <a:defRPr sz="2133"/>
             </a:lvl7pPr>
             <a:lvl8pPr>
-              <a:defRPr sz="1600"/>
+              <a:defRPr sz="2133"/>
             </a:lvl8pPr>
             <a:lvl9pPr>
-              <a:defRPr sz="1600"/>
+              <a:defRPr sz="2133"/>
             </a:lvl9pPr>
           </a:lstStyle>
           <a:p>
             <a:pPr lvl="0"/>
             <a:r>
-              <a:rPr lang="zh-TW" altLang="en-US" smtClean="0"/>
-              <a:t>按一下以編輯母片文字樣式</a:t>
+              <a:rPr lang="en-US" altLang="zh-TW" smtClean="0"/>
+              <a:t>Edit Master text styles</a:t>
             </a:r>
           </a:p>
           <a:p>
             <a:pPr lvl="1"/>
             <a:r>
-              <a:rPr lang="zh-TW" altLang="en-US" smtClean="0"/>
-              <a:t>第二層</a:t>
+              <a:rPr lang="en-US" altLang="zh-TW" smtClean="0"/>
+              <a:t>Second level</a:t>
             </a:r>
           </a:p>
           <a:p>
             <a:pPr lvl="2"/>
             <a:r>
-              <a:rPr lang="zh-TW" altLang="en-US" smtClean="0"/>
-              <a:t>第三層</a:t>
+              <a:rPr lang="en-US" altLang="zh-TW" smtClean="0"/>
+              <a:t>Third level</a:t>
             </a:r>
           </a:p>
           <a:p>
             <a:pPr lvl="3"/>
             <a:r>
-              <a:rPr lang="zh-TW" altLang="en-US" smtClean="0"/>
-              <a:t>第四層</a:t>
+              <a:rPr lang="en-US" altLang="zh-TW" smtClean="0"/>
+              <a:t>Fourth level</a:t>
             </a:r>
           </a:p>
           <a:p>
             <a:pPr lvl="4"/>
             <a:r>
-              <a:rPr lang="zh-TW" altLang="en-US" smtClean="0"/>
-              <a:t>第五層</a:t>
+              <a:rPr lang="en-US" altLang="zh-TW" smtClean="0"/>
+              <a:t>Fifth level</a:t>
             </a:r>
             <a:endParaRPr lang="zh-TW" altLang="en-US"/>
           </a:p>
@@ -1596,8 +1610,8 @@
         </p:nvSpPr>
         <p:spPr>
           <a:xfrm>
-            <a:off x="6193368" y="1535113"/>
-            <a:ext cx="5389033" cy="639762"/>
+            <a:off x="6193369" y="1535113"/>
+            <a:ext cx="5389033" cy="639763"/>
           </a:xfrm>
         </p:spPr>
         <p:txBody>
@@ -1605,46 +1619,46 @@
           <a:lstStyle>
             <a:lvl1pPr marL="0" indent="0">
               <a:buNone/>
+              <a:defRPr sz="3200" b="1"/>
+            </a:lvl1pPr>
+            <a:lvl2pPr marL="609585" indent="0">
+              <a:buNone/>
+              <a:defRPr sz="2667" b="1"/>
+            </a:lvl2pPr>
+            <a:lvl3pPr marL="1219170" indent="0">
+              <a:buNone/>
               <a:defRPr sz="2400" b="1"/>
-            </a:lvl1pPr>
-            <a:lvl2pPr marL="457200" indent="0">
-              <a:buNone/>
-              <a:defRPr sz="2000" b="1"/>
-            </a:lvl2pPr>
-            <a:lvl3pPr marL="914400" indent="0">
-              <a:buNone/>
-              <a:defRPr sz="1800" b="1"/>
             </a:lvl3pPr>
-            <a:lvl4pPr marL="1371600" indent="0">
-              <a:buNone/>
-              <a:defRPr sz="1600" b="1"/>
+            <a:lvl4pPr marL="1828754" indent="0">
+              <a:buNone/>
+              <a:defRPr sz="2133" b="1"/>
             </a:lvl4pPr>
-            <a:lvl5pPr marL="1828800" indent="0">
-              <a:buNone/>
-              <a:defRPr sz="1600" b="1"/>
+            <a:lvl5pPr marL="2438339" indent="0">
+              <a:buNone/>
+              <a:defRPr sz="2133" b="1"/>
             </a:lvl5pPr>
-            <a:lvl6pPr marL="2286000" indent="0">
-              <a:buNone/>
-              <a:defRPr sz="1600" b="1"/>
+            <a:lvl6pPr marL="3047924" indent="0">
+              <a:buNone/>
+              <a:defRPr sz="2133" b="1"/>
             </a:lvl6pPr>
-            <a:lvl7pPr marL="2743200" indent="0">
-              <a:buNone/>
-              <a:defRPr sz="1600" b="1"/>
+            <a:lvl7pPr marL="3657509" indent="0">
+              <a:buNone/>
+              <a:defRPr sz="2133" b="1"/>
             </a:lvl7pPr>
-            <a:lvl8pPr marL="3200400" indent="0">
-              <a:buNone/>
-              <a:defRPr sz="1600" b="1"/>
+            <a:lvl8pPr marL="4267093" indent="0">
+              <a:buNone/>
+              <a:defRPr sz="2133" b="1"/>
             </a:lvl8pPr>
-            <a:lvl9pPr marL="3657600" indent="0">
-              <a:buNone/>
-              <a:defRPr sz="1600" b="1"/>
+            <a:lvl9pPr marL="4876678" indent="0">
+              <a:buNone/>
+              <a:defRPr sz="2133" b="1"/>
             </a:lvl9pPr>
           </a:lstStyle>
           <a:p>
             <a:pPr lvl="0"/>
             <a:r>
-              <a:rPr lang="zh-TW" altLang="en-US" smtClean="0"/>
-              <a:t>按一下以編輯母片文字樣式</a:t>
+              <a:rPr lang="en-US" altLang="zh-TW" smtClean="0"/>
+              <a:t>Edit Master text styles</a:t>
             </a:r>
           </a:p>
         </p:txBody>
@@ -1661,7 +1675,7 @@
         </p:nvSpPr>
         <p:spPr>
           <a:xfrm>
-            <a:off x="6193368" y="2174875"/>
+            <a:off x="6193369" y="2174875"/>
             <a:ext cx="5389033" cy="3951288"/>
           </a:xfrm>
         </p:spPr>
@@ -1669,66 +1683,66 @@
           <a:bodyPr/>
           <a:lstStyle>
             <a:lvl1pPr>
-              <a:defRPr sz="2400"/>
+              <a:defRPr sz="3200"/>
             </a:lvl1pPr>
             <a:lvl2pPr>
-              <a:defRPr sz="2000"/>
+              <a:defRPr sz="2667"/>
             </a:lvl2pPr>
             <a:lvl3pPr>
-              <a:defRPr sz="1800"/>
+              <a:defRPr sz="2400"/>
             </a:lvl3pPr>
             <a:lvl4pPr>
-              <a:defRPr sz="1600"/>
+              <a:defRPr sz="2133"/>
             </a:lvl4pPr>
             <a:lvl5pPr>
-              <a:defRPr sz="1600"/>
+              <a:defRPr sz="2133"/>
             </a:lvl5pPr>
             <a:lvl6pPr>
-              <a:defRPr sz="1600"/>
+              <a:defRPr sz="2133"/>
             </a:lvl6pPr>
             <a:lvl7pPr>
-              <a:defRPr sz="1600"/>
+              <a:defRPr sz="2133"/>
             </a:lvl7pPr>
             <a:lvl8pPr>
-              <a:defRPr sz="1600"/>
+              <a:defRPr sz="2133"/>
             </a:lvl8pPr>
             <a:lvl9pPr>
-              <a:defRPr sz="1600"/>
+              <a:defRPr sz="2133"/>
             </a:lvl9pPr>
           </a:lstStyle>
           <a:p>
             <a:pPr lvl="0"/>
             <a:r>
-              <a:rPr lang="zh-TW" altLang="en-US" smtClean="0"/>
-              <a:t>按一下以編輯母片文字樣式</a:t>
+              <a:rPr lang="en-US" altLang="zh-TW" smtClean="0"/>
+              <a:t>Edit Master text styles</a:t>
             </a:r>
           </a:p>
           <a:p>
             <a:pPr lvl="1"/>
             <a:r>
-              <a:rPr lang="zh-TW" altLang="en-US" smtClean="0"/>
-              <a:t>第二層</a:t>
+              <a:rPr lang="en-US" altLang="zh-TW" smtClean="0"/>
+              <a:t>Second level</a:t>
             </a:r>
           </a:p>
           <a:p>
             <a:pPr lvl="2"/>
             <a:r>
-              <a:rPr lang="zh-TW" altLang="en-US" smtClean="0"/>
-              <a:t>第三層</a:t>
+              <a:rPr lang="en-US" altLang="zh-TW" smtClean="0"/>
+              <a:t>Third level</a:t>
             </a:r>
           </a:p>
           <a:p>
             <a:pPr lvl="3"/>
             <a:r>
-              <a:rPr lang="zh-TW" altLang="en-US" smtClean="0"/>
-              <a:t>第四層</a:t>
+              <a:rPr lang="en-US" altLang="zh-TW" smtClean="0"/>
+              <a:t>Fourth level</a:t>
             </a:r>
           </a:p>
           <a:p>
             <a:pPr lvl="4"/>
             <a:r>
-              <a:rPr lang="zh-TW" altLang="en-US" smtClean="0"/>
-              <a:t>第五層</a:t>
+              <a:rPr lang="en-US" altLang="zh-TW" smtClean="0"/>
+              <a:t>Fifth level</a:t>
             </a:r>
             <a:endParaRPr lang="zh-TW" altLang="en-US"/>
           </a:p>
@@ -1749,11 +1763,11 @@
           <a:bodyPr/>
           <a:lstStyle/>
           <a:p>
-            <a:fld id="{95A4B3F1-EFF9-4805-913D-1ECEA9EAAFAF}" type="datetimeFigureOut">
-              <a:rPr lang="zh-TW" altLang="en-US" smtClean="0"/>
-              <a:t>2020/2/6</a:t>
+            <a:fld id="{55EF9850-3444-4697-B6AF-36B600F814A3}" type="datetimeFigureOut">
+              <a:rPr lang="vi-VN" smtClean="0"/>
+              <a:t>14/03/2020</a:t>
             </a:fld>
-            <a:endParaRPr lang="zh-TW" altLang="en-US"/>
+            <a:endParaRPr lang="vi-VN"/>
           </a:p>
         </p:txBody>
       </p:sp>
@@ -1772,7 +1786,7 @@
           <a:bodyPr/>
           <a:lstStyle/>
           <a:p>
-            <a:endParaRPr lang="zh-TW" altLang="en-US"/>
+            <a:endParaRPr lang="vi-VN"/>
           </a:p>
         </p:txBody>
       </p:sp>
@@ -1791,15 +1805,20 @@
           <a:bodyPr/>
           <a:lstStyle/>
           <a:p>
-            <a:fld id="{79A7A9CF-E8C8-4435-9BD5-6419511246DD}" type="slidenum">
-              <a:rPr lang="zh-TW" altLang="en-US" smtClean="0"/>
+            <a:fld id="{46C0AAB2-16A8-43CE-A082-ECE89C80827A}" type="slidenum">
+              <a:rPr lang="vi-VN" smtClean="0"/>
               <a:t>‹#›</a:t>
             </a:fld>
-            <a:endParaRPr lang="zh-TW" altLang="en-US"/>
+            <a:endParaRPr lang="vi-VN"/>
           </a:p>
         </p:txBody>
       </p:sp>
     </p:spTree>
+    <p:extLst>
+      <p:ext uri="{BB962C8B-B14F-4D97-AF65-F5344CB8AC3E}">
+        <p14:creationId xmlns:p14="http://schemas.microsoft.com/office/powerpoint/2010/main" val="211694389"/>
+      </p:ext>
+    </p:extLst>
   </p:cSld>
   <p:clrMapOvr>
     <a:masterClrMapping/>
@@ -1840,8 +1859,8 @@
           <a:lstStyle/>
           <a:p>
             <a:r>
-              <a:rPr lang="zh-TW" altLang="en-US" smtClean="0"/>
-              <a:t>按一下以編輯母片標題樣式</a:t>
+              <a:rPr lang="en-US" altLang="zh-TW" smtClean="0"/>
+              <a:t>Click to edit Master title style</a:t>
             </a:r>
             <a:endParaRPr lang="zh-TW" altLang="en-US"/>
           </a:p>
@@ -1862,11 +1881,11 @@
           <a:bodyPr/>
           <a:lstStyle/>
           <a:p>
-            <a:fld id="{95A4B3F1-EFF9-4805-913D-1ECEA9EAAFAF}" type="datetimeFigureOut">
-              <a:rPr lang="zh-TW" altLang="en-US" smtClean="0"/>
-              <a:t>2020/2/6</a:t>
+            <a:fld id="{55EF9850-3444-4697-B6AF-36B600F814A3}" type="datetimeFigureOut">
+              <a:rPr lang="vi-VN" smtClean="0"/>
+              <a:t>14/03/2020</a:t>
             </a:fld>
-            <a:endParaRPr lang="zh-TW" altLang="en-US"/>
+            <a:endParaRPr lang="vi-VN"/>
           </a:p>
         </p:txBody>
       </p:sp>
@@ -1885,7 +1904,7 @@
           <a:bodyPr/>
           <a:lstStyle/>
           <a:p>
-            <a:endParaRPr lang="zh-TW" altLang="en-US"/>
+            <a:endParaRPr lang="vi-VN"/>
           </a:p>
         </p:txBody>
       </p:sp>
@@ -1904,15 +1923,20 @@
           <a:bodyPr/>
           <a:lstStyle/>
           <a:p>
-            <a:fld id="{79A7A9CF-E8C8-4435-9BD5-6419511246DD}" type="slidenum">
-              <a:rPr lang="zh-TW" altLang="en-US" smtClean="0"/>
+            <a:fld id="{46C0AAB2-16A8-43CE-A082-ECE89C80827A}" type="slidenum">
+              <a:rPr lang="vi-VN" smtClean="0"/>
               <a:t>‹#›</a:t>
             </a:fld>
-            <a:endParaRPr lang="zh-TW" altLang="en-US"/>
+            <a:endParaRPr lang="vi-VN"/>
           </a:p>
         </p:txBody>
       </p:sp>
     </p:spTree>
+    <p:extLst>
+      <p:ext uri="{BB962C8B-B14F-4D97-AF65-F5344CB8AC3E}">
+        <p14:creationId xmlns:p14="http://schemas.microsoft.com/office/powerpoint/2010/main" val="2017274699"/>
+      </p:ext>
+    </p:extLst>
   </p:cSld>
   <p:clrMapOvr>
     <a:masterClrMapping/>
@@ -1952,11 +1976,11 @@
           <a:bodyPr/>
           <a:lstStyle/>
           <a:p>
-            <a:fld id="{95A4B3F1-EFF9-4805-913D-1ECEA9EAAFAF}" type="datetimeFigureOut">
-              <a:rPr lang="zh-TW" altLang="en-US" smtClean="0"/>
-              <a:t>2020/2/6</a:t>
+            <a:fld id="{55EF9850-3444-4697-B6AF-36B600F814A3}" type="datetimeFigureOut">
+              <a:rPr lang="vi-VN" smtClean="0"/>
+              <a:t>14/03/2020</a:t>
             </a:fld>
-            <a:endParaRPr lang="zh-TW" altLang="en-US"/>
+            <a:endParaRPr lang="vi-VN"/>
           </a:p>
         </p:txBody>
       </p:sp>
@@ -1975,7 +1999,7 @@
           <a:bodyPr/>
           <a:lstStyle/>
           <a:p>
-            <a:endParaRPr lang="zh-TW" altLang="en-US"/>
+            <a:endParaRPr lang="vi-VN"/>
           </a:p>
         </p:txBody>
       </p:sp>
@@ -1994,15 +2018,20 @@
           <a:bodyPr/>
           <a:lstStyle/>
           <a:p>
-            <a:fld id="{79A7A9CF-E8C8-4435-9BD5-6419511246DD}" type="slidenum">
-              <a:rPr lang="zh-TW" altLang="en-US" smtClean="0"/>
+            <a:fld id="{46C0AAB2-16A8-43CE-A082-ECE89C80827A}" type="slidenum">
+              <a:rPr lang="vi-VN" smtClean="0"/>
               <a:t>‹#›</a:t>
             </a:fld>
-            <a:endParaRPr lang="zh-TW" altLang="en-US"/>
+            <a:endParaRPr lang="vi-VN"/>
           </a:p>
         </p:txBody>
       </p:sp>
     </p:spTree>
+    <p:extLst>
+      <p:ext uri="{BB962C8B-B14F-4D97-AF65-F5344CB8AC3E}">
+        <p14:creationId xmlns:p14="http://schemas.microsoft.com/office/powerpoint/2010/main" val="3531554153"/>
+      </p:ext>
+    </p:extLst>
   </p:cSld>
   <p:clrMapOvr>
     <a:masterClrMapping/>
@@ -2039,21 +2068,21 @@
         </p:nvSpPr>
         <p:spPr>
           <a:xfrm>
-            <a:off x="609601" y="273050"/>
-            <a:ext cx="4011084" cy="1162050"/>
+            <a:off x="609602" y="273049"/>
+            <a:ext cx="4011084" cy="1162051"/>
           </a:xfrm>
         </p:spPr>
         <p:txBody>
           <a:bodyPr anchor="b"/>
           <a:lstStyle>
             <a:lvl1pPr algn="l">
-              <a:defRPr sz="2000" b="1"/>
+              <a:defRPr sz="2667" b="1"/>
             </a:lvl1pPr>
           </a:lstStyle>
           <a:p>
             <a:r>
-              <a:rPr lang="zh-TW" altLang="en-US" smtClean="0"/>
-              <a:t>按一下以編輯母片標題樣式</a:t>
+              <a:rPr lang="en-US" altLang="zh-TW" smtClean="0"/>
+              <a:t>Click to edit Master title style</a:t>
             </a:r>
             <a:endParaRPr lang="zh-TW" altLang="en-US"/>
           </a:p>
@@ -2071,7 +2100,7 @@
         </p:nvSpPr>
         <p:spPr>
           <a:xfrm>
-            <a:off x="4766733" y="273051"/>
+            <a:off x="4766733" y="273052"/>
             <a:ext cx="6815667" cy="5853113"/>
           </a:xfrm>
         </p:spPr>
@@ -2079,66 +2108,66 @@
           <a:bodyPr/>
           <a:lstStyle>
             <a:lvl1pPr>
-              <a:defRPr sz="3200"/>
+              <a:defRPr sz="4267"/>
             </a:lvl1pPr>
             <a:lvl2pPr>
-              <a:defRPr sz="2800"/>
+              <a:defRPr sz="3733"/>
             </a:lvl2pPr>
             <a:lvl3pPr>
-              <a:defRPr sz="2400"/>
+              <a:defRPr sz="3200"/>
             </a:lvl3pPr>
             <a:lvl4pPr>
-              <a:defRPr sz="2000"/>
+              <a:defRPr sz="2667"/>
             </a:lvl4pPr>
             <a:lvl5pPr>
-              <a:defRPr sz="2000"/>
+              <a:defRPr sz="2667"/>
             </a:lvl5pPr>
             <a:lvl6pPr>
-              <a:defRPr sz="2000"/>
+              <a:defRPr sz="2667"/>
             </a:lvl6pPr>
             <a:lvl7pPr>
-              <a:defRPr sz="2000"/>
+              <a:defRPr sz="2667"/>
             </a:lvl7pPr>
             <a:lvl8pPr>
-              <a:defRPr sz="2000"/>
+              <a:defRPr sz="2667"/>
             </a:lvl8pPr>
             <a:lvl9pPr>
-              <a:defRPr sz="2000"/>
+              <a:defRPr sz="2667"/>
             </a:lvl9pPr>
           </a:lstStyle>
           <a:p>
             <a:pPr lvl="0"/>
             <a:r>
-              <a:rPr lang="zh-TW" altLang="en-US" smtClean="0"/>
-              <a:t>按一下以編輯母片文字樣式</a:t>
+              <a:rPr lang="en-US" altLang="zh-TW" smtClean="0"/>
+              <a:t>Edit Master text styles</a:t>
             </a:r>
           </a:p>
           <a:p>
             <a:pPr lvl="1"/>
             <a:r>
-              <a:rPr lang="zh-TW" altLang="en-US" smtClean="0"/>
-              <a:t>第二層</a:t>
+              <a:rPr lang="en-US" altLang="zh-TW" smtClean="0"/>
+              <a:t>Second level</a:t>
             </a:r>
           </a:p>
           <a:p>
             <a:pPr lvl="2"/>
             <a:r>
-              <a:rPr lang="zh-TW" altLang="en-US" smtClean="0"/>
-              <a:t>第三層</a:t>
+              <a:rPr lang="en-US" altLang="zh-TW" smtClean="0"/>
+              <a:t>Third level</a:t>
             </a:r>
           </a:p>
           <a:p>
             <a:pPr lvl="3"/>
             <a:r>
-              <a:rPr lang="zh-TW" altLang="en-US" smtClean="0"/>
-              <a:t>第四層</a:t>
+              <a:rPr lang="en-US" altLang="zh-TW" smtClean="0"/>
+              <a:t>Fourth level</a:t>
             </a:r>
           </a:p>
           <a:p>
             <a:pPr lvl="4"/>
             <a:r>
-              <a:rPr lang="zh-TW" altLang="en-US" smtClean="0"/>
-              <a:t>第五層</a:t>
+              <a:rPr lang="en-US" altLang="zh-TW" smtClean="0"/>
+              <a:t>Fifth level</a:t>
             </a:r>
             <a:endParaRPr lang="zh-TW" altLang="en-US"/>
           </a:p>
@@ -2156,7 +2185,7 @@
         </p:nvSpPr>
         <p:spPr>
           <a:xfrm>
-            <a:off x="609601" y="1435101"/>
+            <a:off x="609602" y="1435102"/>
             <a:ext cx="4011084" cy="4691063"/>
           </a:xfrm>
         </p:spPr>
@@ -2165,46 +2194,46 @@
           <a:lstStyle>
             <a:lvl1pPr marL="0" indent="0">
               <a:buNone/>
-              <a:defRPr sz="1400"/>
+              <a:defRPr sz="1867"/>
             </a:lvl1pPr>
-            <a:lvl2pPr marL="457200" indent="0">
+            <a:lvl2pPr marL="609585" indent="0">
+              <a:buNone/>
+              <a:defRPr sz="1600"/>
+            </a:lvl2pPr>
+            <a:lvl3pPr marL="1219170" indent="0">
+              <a:buNone/>
+              <a:defRPr sz="1333"/>
+            </a:lvl3pPr>
+            <a:lvl4pPr marL="1828754" indent="0">
               <a:buNone/>
               <a:defRPr sz="1200"/>
-            </a:lvl2pPr>
-            <a:lvl3pPr marL="914400" indent="0">
-              <a:buNone/>
-              <a:defRPr sz="1000"/>
-            </a:lvl3pPr>
-            <a:lvl4pPr marL="1371600" indent="0">
-              <a:buNone/>
-              <a:defRPr sz="900"/>
             </a:lvl4pPr>
-            <a:lvl5pPr marL="1828800" indent="0">
-              <a:buNone/>
-              <a:defRPr sz="900"/>
+            <a:lvl5pPr marL="2438339" indent="0">
+              <a:buNone/>
+              <a:defRPr sz="1200"/>
             </a:lvl5pPr>
-            <a:lvl6pPr marL="2286000" indent="0">
-              <a:buNone/>
-              <a:defRPr sz="900"/>
+            <a:lvl6pPr marL="3047924" indent="0">
+              <a:buNone/>
+              <a:defRPr sz="1200"/>
             </a:lvl6pPr>
-            <a:lvl7pPr marL="2743200" indent="0">
-              <a:buNone/>
-              <a:defRPr sz="900"/>
+            <a:lvl7pPr marL="3657509" indent="0">
+              <a:buNone/>
+              <a:defRPr sz="1200"/>
             </a:lvl7pPr>
-            <a:lvl8pPr marL="3200400" indent="0">
-              <a:buNone/>
-              <a:defRPr sz="900"/>
+            <a:lvl8pPr marL="4267093" indent="0">
+              <a:buNone/>
+              <a:defRPr sz="1200"/>
             </a:lvl8pPr>
-            <a:lvl9pPr marL="3657600" indent="0">
-              <a:buNone/>
-              <a:defRPr sz="900"/>
+            <a:lvl9pPr marL="4876678" indent="0">
+              <a:buNone/>
+              <a:defRPr sz="1200"/>
             </a:lvl9pPr>
           </a:lstStyle>
           <a:p>
             <a:pPr lvl="0"/>
             <a:r>
-              <a:rPr lang="zh-TW" altLang="en-US" smtClean="0"/>
-              <a:t>按一下以編輯母片文字樣式</a:t>
+              <a:rPr lang="en-US" altLang="zh-TW" smtClean="0"/>
+              <a:t>Edit Master text styles</a:t>
             </a:r>
           </a:p>
         </p:txBody>
@@ -2224,11 +2253,11 @@
           <a:bodyPr/>
           <a:lstStyle/>
           <a:p>
-            <a:fld id="{95A4B3F1-EFF9-4805-913D-1ECEA9EAAFAF}" type="datetimeFigureOut">
-              <a:rPr lang="zh-TW" altLang="en-US" smtClean="0"/>
-              <a:t>2020/2/6</a:t>
+            <a:fld id="{55EF9850-3444-4697-B6AF-36B600F814A3}" type="datetimeFigureOut">
+              <a:rPr lang="vi-VN" smtClean="0"/>
+              <a:t>14/03/2020</a:t>
             </a:fld>
-            <a:endParaRPr lang="zh-TW" altLang="en-US"/>
+            <a:endParaRPr lang="vi-VN"/>
           </a:p>
         </p:txBody>
       </p:sp>
@@ -2247,7 +2276,7 @@
           <a:bodyPr/>
           <a:lstStyle/>
           <a:p>
-            <a:endParaRPr lang="zh-TW" altLang="en-US"/>
+            <a:endParaRPr lang="vi-VN"/>
           </a:p>
         </p:txBody>
       </p:sp>
@@ -2266,15 +2295,20 @@
           <a:bodyPr/>
           <a:lstStyle/>
           <a:p>
-            <a:fld id="{79A7A9CF-E8C8-4435-9BD5-6419511246DD}" type="slidenum">
-              <a:rPr lang="zh-TW" altLang="en-US" smtClean="0"/>
+            <a:fld id="{46C0AAB2-16A8-43CE-A082-ECE89C80827A}" type="slidenum">
+              <a:rPr lang="vi-VN" smtClean="0"/>
               <a:t>‹#›</a:t>
             </a:fld>
-            <a:endParaRPr lang="zh-TW" altLang="en-US"/>
+            <a:endParaRPr lang="vi-VN"/>
           </a:p>
         </p:txBody>
       </p:sp>
     </p:spTree>
+    <p:extLst>
+      <p:ext uri="{BB962C8B-B14F-4D97-AF65-F5344CB8AC3E}">
+        <p14:creationId xmlns:p14="http://schemas.microsoft.com/office/powerpoint/2010/main" val="2085418610"/>
+      </p:ext>
+    </p:extLst>
   </p:cSld>
   <p:clrMapOvr>
     <a:masterClrMapping/>
@@ -2312,20 +2346,20 @@
         <p:spPr>
           <a:xfrm>
             <a:off x="2389717" y="4800600"/>
-            <a:ext cx="7315200" cy="566738"/>
+            <a:ext cx="7315200" cy="566739"/>
           </a:xfrm>
         </p:spPr>
         <p:txBody>
           <a:bodyPr anchor="b"/>
           <a:lstStyle>
             <a:lvl1pPr algn="l">
-              <a:defRPr sz="2000" b="1"/>
+              <a:defRPr sz="2667" b="1"/>
             </a:lvl1pPr>
           </a:lstStyle>
           <a:p>
             <a:r>
-              <a:rPr lang="zh-TW" altLang="en-US" smtClean="0"/>
-              <a:t>按一下以編輯母片標題樣式</a:t>
+              <a:rPr lang="en-US" altLang="zh-TW" smtClean="0"/>
+              <a:t>Click to edit Master title style</a:t>
             </a:r>
             <a:endParaRPr lang="zh-TW" altLang="en-US"/>
           </a:p>
@@ -2352,45 +2386,45 @@
           <a:lstStyle>
             <a:lvl1pPr marL="0" indent="0">
               <a:buNone/>
+              <a:defRPr sz="4267"/>
+            </a:lvl1pPr>
+            <a:lvl2pPr marL="609585" indent="0">
+              <a:buNone/>
+              <a:defRPr sz="3733"/>
+            </a:lvl2pPr>
+            <a:lvl3pPr marL="1219170" indent="0">
+              <a:buNone/>
               <a:defRPr sz="3200"/>
-            </a:lvl1pPr>
-            <a:lvl2pPr marL="457200" indent="0">
-              <a:buNone/>
-              <a:defRPr sz="2800"/>
-            </a:lvl2pPr>
-            <a:lvl3pPr marL="914400" indent="0">
-              <a:buNone/>
-              <a:defRPr sz="2400"/>
             </a:lvl3pPr>
-            <a:lvl4pPr marL="1371600" indent="0">
-              <a:buNone/>
-              <a:defRPr sz="2000"/>
+            <a:lvl4pPr marL="1828754" indent="0">
+              <a:buNone/>
+              <a:defRPr sz="2667"/>
             </a:lvl4pPr>
-            <a:lvl5pPr marL="1828800" indent="0">
-              <a:buNone/>
-              <a:defRPr sz="2000"/>
+            <a:lvl5pPr marL="2438339" indent="0">
+              <a:buNone/>
+              <a:defRPr sz="2667"/>
             </a:lvl5pPr>
-            <a:lvl6pPr marL="2286000" indent="0">
-              <a:buNone/>
-              <a:defRPr sz="2000"/>
+            <a:lvl6pPr marL="3047924" indent="0">
+              <a:buNone/>
+              <a:defRPr sz="2667"/>
             </a:lvl6pPr>
-            <a:lvl7pPr marL="2743200" indent="0">
-              <a:buNone/>
-              <a:defRPr sz="2000"/>
+            <a:lvl7pPr marL="3657509" indent="0">
+              <a:buNone/>
+              <a:defRPr sz="2667"/>
             </a:lvl7pPr>
-            <a:lvl8pPr marL="3200400" indent="0">
-              <a:buNone/>
-              <a:defRPr sz="2000"/>
+            <a:lvl8pPr marL="4267093" indent="0">
+              <a:buNone/>
+              <a:defRPr sz="2667"/>
             </a:lvl8pPr>
-            <a:lvl9pPr marL="3657600" indent="0">
-              <a:buNone/>
-              <a:defRPr sz="2000"/>
+            <a:lvl9pPr marL="4876678" indent="0">
+              <a:buNone/>
+              <a:defRPr sz="2667"/>
             </a:lvl9pPr>
           </a:lstStyle>
           <a:p>
             <a:r>
-              <a:rPr lang="zh-TW" altLang="en-US" smtClean="0"/>
-              <a:t>按一下圖示以新增圖片</a:t>
+              <a:rPr lang="en-US" altLang="zh-TW" smtClean="0"/>
+              <a:t>Click icon to add picture</a:t>
             </a:r>
             <a:endParaRPr lang="zh-TW" altLang="en-US"/>
           </a:p>
@@ -2409,7 +2443,7 @@
         <p:spPr>
           <a:xfrm>
             <a:off x="2389717" y="5367338"/>
-            <a:ext cx="7315200" cy="804862"/>
+            <a:ext cx="7315200" cy="804863"/>
           </a:xfrm>
         </p:spPr>
         <p:txBody>
@@ -2417,46 +2451,46 @@
           <a:lstStyle>
             <a:lvl1pPr marL="0" indent="0">
               <a:buNone/>
-              <a:defRPr sz="1400"/>
+              <a:defRPr sz="1867"/>
             </a:lvl1pPr>
-            <a:lvl2pPr marL="457200" indent="0">
+            <a:lvl2pPr marL="609585" indent="0">
+              <a:buNone/>
+              <a:defRPr sz="1600"/>
+            </a:lvl2pPr>
+            <a:lvl3pPr marL="1219170" indent="0">
+              <a:buNone/>
+              <a:defRPr sz="1333"/>
+            </a:lvl3pPr>
+            <a:lvl4pPr marL="1828754" indent="0">
               <a:buNone/>
               <a:defRPr sz="1200"/>
-            </a:lvl2pPr>
-            <a:lvl3pPr marL="914400" indent="0">
-              <a:buNone/>
-              <a:defRPr sz="1000"/>
-            </a:lvl3pPr>
-            <a:lvl4pPr marL="1371600" indent="0">
-              <a:buNone/>
-              <a:defRPr sz="900"/>
             </a:lvl4pPr>
-            <a:lvl5pPr marL="1828800" indent="0">
-              <a:buNone/>
-              <a:defRPr sz="900"/>
+            <a:lvl5pPr marL="2438339" indent="0">
+              <a:buNone/>
+              <a:defRPr sz="1200"/>
             </a:lvl5pPr>
-            <a:lvl6pPr marL="2286000" indent="0">
-              <a:buNone/>
-              <a:defRPr sz="900"/>
+            <a:lvl6pPr marL="3047924" indent="0">
+              <a:buNone/>
+              <a:defRPr sz="1200"/>
             </a:lvl6pPr>
-            <a:lvl7pPr marL="2743200" indent="0">
-              <a:buNone/>
-              <a:defRPr sz="900"/>
+            <a:lvl7pPr marL="3657509" indent="0">
+              <a:buNone/>
+              <a:defRPr sz="1200"/>
             </a:lvl7pPr>
-            <a:lvl8pPr marL="3200400" indent="0">
-              <a:buNone/>
-              <a:defRPr sz="900"/>
+            <a:lvl8pPr marL="4267093" indent="0">
+              <a:buNone/>
+              <a:defRPr sz="1200"/>
             </a:lvl8pPr>
-            <a:lvl9pPr marL="3657600" indent="0">
-              <a:buNone/>
-              <a:defRPr sz="900"/>
+            <a:lvl9pPr marL="4876678" indent="0">
+              <a:buNone/>
+              <a:defRPr sz="1200"/>
             </a:lvl9pPr>
           </a:lstStyle>
           <a:p>
             <a:pPr lvl="0"/>
             <a:r>
-              <a:rPr lang="zh-TW" altLang="en-US" smtClean="0"/>
-              <a:t>按一下以編輯母片文字樣式</a:t>
+              <a:rPr lang="en-US" altLang="zh-TW" smtClean="0"/>
+              <a:t>Edit Master text styles</a:t>
             </a:r>
           </a:p>
         </p:txBody>
@@ -2476,11 +2510,11 @@
           <a:bodyPr/>
           <a:lstStyle/>
           <a:p>
-            <a:fld id="{95A4B3F1-EFF9-4805-913D-1ECEA9EAAFAF}" type="datetimeFigureOut">
-              <a:rPr lang="zh-TW" altLang="en-US" smtClean="0"/>
-              <a:t>2020/2/6</a:t>
+            <a:fld id="{55EF9850-3444-4697-B6AF-36B600F814A3}" type="datetimeFigureOut">
+              <a:rPr lang="vi-VN" smtClean="0"/>
+              <a:t>14/03/2020</a:t>
             </a:fld>
-            <a:endParaRPr lang="zh-TW" altLang="en-US"/>
+            <a:endParaRPr lang="vi-VN"/>
           </a:p>
         </p:txBody>
       </p:sp>
@@ -2499,7 +2533,7 @@
           <a:bodyPr/>
           <a:lstStyle/>
           <a:p>
-            <a:endParaRPr lang="zh-TW" altLang="en-US"/>
+            <a:endParaRPr lang="vi-VN"/>
           </a:p>
         </p:txBody>
       </p:sp>
@@ -2518,15 +2552,20 @@
           <a:bodyPr/>
           <a:lstStyle/>
           <a:p>
-            <a:fld id="{79A7A9CF-E8C8-4435-9BD5-6419511246DD}" type="slidenum">
-              <a:rPr lang="zh-TW" altLang="en-US" smtClean="0"/>
+            <a:fld id="{46C0AAB2-16A8-43CE-A082-ECE89C80827A}" type="slidenum">
+              <a:rPr lang="vi-VN" smtClean="0"/>
               <a:t>‹#›</a:t>
             </a:fld>
-            <a:endParaRPr lang="zh-TW" altLang="en-US"/>
+            <a:endParaRPr lang="vi-VN"/>
           </a:p>
         </p:txBody>
       </p:sp>
     </p:spTree>
+    <p:extLst>
+      <p:ext uri="{BB962C8B-B14F-4D97-AF65-F5344CB8AC3E}">
+        <p14:creationId xmlns:p14="http://schemas.microsoft.com/office/powerpoint/2010/main" val="4258819396"/>
+      </p:ext>
+    </p:extLst>
   </p:cSld>
   <p:clrMapOvr>
     <a:masterClrMapping/>
@@ -2573,7 +2612,7 @@
         </p:nvSpPr>
         <p:spPr>
           <a:xfrm>
-            <a:off x="609600" y="274638"/>
+            <a:off x="609600" y="274639"/>
             <a:ext cx="10972800" cy="1143000"/>
           </a:xfrm>
           <a:prstGeom prst="rect">
@@ -2679,7 +2718,7 @@
           <a:bodyPr vert="horz" lIns="91440" tIns="45720" rIns="91440" bIns="45720" rtlCol="0" anchor="ctr"/>
           <a:lstStyle>
             <a:lvl1pPr algn="l">
-              <a:defRPr sz="1200">
+              <a:defRPr sz="1600">
                 <a:solidFill>
                   <a:schemeClr val="tx1">
                     <a:tint val="75000"/>
@@ -2689,11 +2728,11 @@
             </a:lvl1pPr>
           </a:lstStyle>
           <a:p>
-            <a:fld id="{95A4B3F1-EFF9-4805-913D-1ECEA9EAAFAF}" type="datetimeFigureOut">
-              <a:rPr lang="zh-TW" altLang="en-US" smtClean="0"/>
-              <a:t>2020/2/6</a:t>
+            <a:fld id="{55EF9850-3444-4697-B6AF-36B600F814A3}" type="datetimeFigureOut">
+              <a:rPr lang="vi-VN" smtClean="0"/>
+              <a:t>14/03/2020</a:t>
             </a:fld>
-            <a:endParaRPr lang="zh-TW" altLang="en-US"/>
+            <a:endParaRPr lang="vi-VN"/>
           </a:p>
         </p:txBody>
       </p:sp>
@@ -2720,7 +2759,7 @@
           <a:bodyPr vert="horz" lIns="91440" tIns="45720" rIns="91440" bIns="45720" rtlCol="0" anchor="ctr"/>
           <a:lstStyle>
             <a:lvl1pPr algn="ctr">
-              <a:defRPr sz="1200">
+              <a:defRPr sz="1600">
                 <a:solidFill>
                   <a:schemeClr val="tx1">
                     <a:tint val="75000"/>
@@ -2730,7 +2769,7 @@
             </a:lvl1pPr>
           </a:lstStyle>
           <a:p>
-            <a:endParaRPr lang="zh-TW" altLang="en-US"/>
+            <a:endParaRPr lang="vi-VN"/>
           </a:p>
         </p:txBody>
       </p:sp>
@@ -2757,7 +2796,7 @@
           <a:bodyPr vert="horz" lIns="91440" tIns="45720" rIns="91440" bIns="45720" rtlCol="0" anchor="ctr"/>
           <a:lstStyle>
             <a:lvl1pPr algn="r">
-              <a:defRPr sz="1200">
+              <a:defRPr sz="1600">
                 <a:solidFill>
                   <a:schemeClr val="tx1">
                     <a:tint val="75000"/>
@@ -2767,15 +2806,20 @@
             </a:lvl1pPr>
           </a:lstStyle>
           <a:p>
-            <a:fld id="{79A7A9CF-E8C8-4435-9BD5-6419511246DD}" type="slidenum">
-              <a:rPr lang="zh-TW" altLang="en-US" smtClean="0"/>
+            <a:fld id="{46C0AAB2-16A8-43CE-A082-ECE89C80827A}" type="slidenum">
+              <a:rPr lang="vi-VN" smtClean="0"/>
               <a:t>‹#›</a:t>
             </a:fld>
-            <a:endParaRPr lang="zh-TW" altLang="en-US"/>
+            <a:endParaRPr lang="vi-VN"/>
           </a:p>
         </p:txBody>
       </p:sp>
     </p:spTree>
+    <p:extLst>
+      <p:ext uri="{BB962C8B-B14F-4D97-AF65-F5344CB8AC3E}">
+        <p14:creationId xmlns:p14="http://schemas.microsoft.com/office/powerpoint/2010/main" val="1953291475"/>
+      </p:ext>
+    </p:extLst>
   </p:cSld>
   <p:clrMap bg1="lt1" tx1="dk1" bg2="lt2" tx2="dk2" accent1="accent1" accent2="accent2" accent3="accent3" accent4="accent4" accent5="accent5" accent6="accent6" hlink="hlink" folHlink="folHlink"/>
   <p:sldLayoutIdLst>
@@ -2793,12 +2837,12 @@
   </p:sldLayoutIdLst>
   <p:txStyles>
     <p:titleStyle>
-      <a:lvl1pPr algn="ctr" defTabSz="914400" rtl="0" eaLnBrk="1" latinLnBrk="0" hangingPunct="1">
+      <a:lvl1pPr algn="ctr" defTabSz="1219170" rtl="0" eaLnBrk="1" latinLnBrk="0" hangingPunct="1">
         <a:spcBef>
           <a:spcPct val="0"/>
         </a:spcBef>
         <a:buNone/>
-        <a:defRPr sz="4400" kern="1200">
+        <a:defRPr sz="5867" kern="1200">
           <a:solidFill>
             <a:schemeClr val="tx1"/>
           </a:solidFill>
@@ -2809,7 +2853,37 @@
       </a:lvl1pPr>
     </p:titleStyle>
     <p:bodyStyle>
-      <a:lvl1pPr marL="342900" indent="-342900" algn="l" defTabSz="914400" rtl="0" eaLnBrk="1" latinLnBrk="0" hangingPunct="1">
+      <a:lvl1pPr marL="457189" indent="-457189" algn="l" defTabSz="1219170" rtl="0" eaLnBrk="1" latinLnBrk="0" hangingPunct="1">
+        <a:spcBef>
+          <a:spcPct val="20000"/>
+        </a:spcBef>
+        <a:buFont typeface="Arial" pitchFamily="34" charset="0"/>
+        <a:buChar char="•"/>
+        <a:defRPr sz="4267" kern="1200">
+          <a:solidFill>
+            <a:schemeClr val="tx1"/>
+          </a:solidFill>
+          <a:latin typeface="+mn-lt"/>
+          <a:ea typeface="+mn-ea"/>
+          <a:cs typeface="+mn-cs"/>
+        </a:defRPr>
+      </a:lvl1pPr>
+      <a:lvl2pPr marL="990575" indent="-380990" algn="l" defTabSz="1219170" rtl="0" eaLnBrk="1" latinLnBrk="0" hangingPunct="1">
+        <a:spcBef>
+          <a:spcPct val="20000"/>
+        </a:spcBef>
+        <a:buFont typeface="Arial" pitchFamily="34" charset="0"/>
+        <a:buChar char="–"/>
+        <a:defRPr sz="3733" kern="1200">
+          <a:solidFill>
+            <a:schemeClr val="tx1"/>
+          </a:solidFill>
+          <a:latin typeface="+mn-lt"/>
+          <a:ea typeface="+mn-ea"/>
+          <a:cs typeface="+mn-cs"/>
+        </a:defRPr>
+      </a:lvl2pPr>
+      <a:lvl3pPr marL="1523962" indent="-304792" algn="l" defTabSz="1219170" rtl="0" eaLnBrk="1" latinLnBrk="0" hangingPunct="1">
         <a:spcBef>
           <a:spcPct val="20000"/>
         </a:spcBef>
@@ -2823,44 +2897,14 @@
           <a:ea typeface="+mn-ea"/>
           <a:cs typeface="+mn-cs"/>
         </a:defRPr>
-      </a:lvl1pPr>
-      <a:lvl2pPr marL="742950" indent="-285750" algn="l" defTabSz="914400" rtl="0" eaLnBrk="1" latinLnBrk="0" hangingPunct="1">
+      </a:lvl3pPr>
+      <a:lvl4pPr marL="2133547" indent="-304792" algn="l" defTabSz="1219170" rtl="0" eaLnBrk="1" latinLnBrk="0" hangingPunct="1">
         <a:spcBef>
           <a:spcPct val="20000"/>
         </a:spcBef>
         <a:buFont typeface="Arial" pitchFamily="34" charset="0"/>
         <a:buChar char="–"/>
-        <a:defRPr sz="2800" kern="1200">
-          <a:solidFill>
-            <a:schemeClr val="tx1"/>
-          </a:solidFill>
-          <a:latin typeface="+mn-lt"/>
-          <a:ea typeface="+mn-ea"/>
-          <a:cs typeface="+mn-cs"/>
-        </a:defRPr>
-      </a:lvl2pPr>
-      <a:lvl3pPr marL="1143000" indent="-228600" algn="l" defTabSz="914400" rtl="0" eaLnBrk="1" latinLnBrk="0" hangingPunct="1">
-        <a:spcBef>
-          <a:spcPct val="20000"/>
-        </a:spcBef>
-        <a:buFont typeface="Arial" pitchFamily="34" charset="0"/>
-        <a:buChar char="•"/>
-        <a:defRPr sz="2400" kern="1200">
-          <a:solidFill>
-            <a:schemeClr val="tx1"/>
-          </a:solidFill>
-          <a:latin typeface="+mn-lt"/>
-          <a:ea typeface="+mn-ea"/>
-          <a:cs typeface="+mn-cs"/>
-        </a:defRPr>
-      </a:lvl3pPr>
-      <a:lvl4pPr marL="1600200" indent="-228600" algn="l" defTabSz="914400" rtl="0" eaLnBrk="1" latinLnBrk="0" hangingPunct="1">
-        <a:spcBef>
-          <a:spcPct val="20000"/>
-        </a:spcBef>
-        <a:buFont typeface="Arial" pitchFamily="34" charset="0"/>
-        <a:buChar char="–"/>
-        <a:defRPr sz="2000" kern="1200">
+        <a:defRPr sz="2667" kern="1200">
           <a:solidFill>
             <a:schemeClr val="tx1"/>
           </a:solidFill>
@@ -2869,13 +2913,13 @@
           <a:cs typeface="+mn-cs"/>
         </a:defRPr>
       </a:lvl4pPr>
-      <a:lvl5pPr marL="2057400" indent="-228600" algn="l" defTabSz="914400" rtl="0" eaLnBrk="1" latinLnBrk="0" hangingPunct="1">
+      <a:lvl5pPr marL="2743131" indent="-304792" algn="l" defTabSz="1219170" rtl="0" eaLnBrk="1" latinLnBrk="0" hangingPunct="1">
         <a:spcBef>
           <a:spcPct val="20000"/>
         </a:spcBef>
         <a:buFont typeface="Arial" pitchFamily="34" charset="0"/>
         <a:buChar char="»"/>
-        <a:defRPr sz="2000" kern="1200">
+        <a:defRPr sz="2667" kern="1200">
           <a:solidFill>
             <a:schemeClr val="tx1"/>
           </a:solidFill>
@@ -2884,13 +2928,13 @@
           <a:cs typeface="+mn-cs"/>
         </a:defRPr>
       </a:lvl5pPr>
-      <a:lvl6pPr marL="2514600" indent="-228600" algn="l" defTabSz="914400" rtl="0" eaLnBrk="1" latinLnBrk="0" hangingPunct="1">
+      <a:lvl6pPr marL="3352716" indent="-304792" algn="l" defTabSz="1219170" rtl="0" eaLnBrk="1" latinLnBrk="0" hangingPunct="1">
         <a:spcBef>
           <a:spcPct val="20000"/>
         </a:spcBef>
         <a:buFont typeface="Arial" pitchFamily="34" charset="0"/>
         <a:buChar char="•"/>
-        <a:defRPr sz="2000" kern="1200">
+        <a:defRPr sz="2667" kern="1200">
           <a:solidFill>
             <a:schemeClr val="tx1"/>
           </a:solidFill>
@@ -2899,13 +2943,13 @@
           <a:cs typeface="+mn-cs"/>
         </a:defRPr>
       </a:lvl6pPr>
-      <a:lvl7pPr marL="2971800" indent="-228600" algn="l" defTabSz="914400" rtl="0" eaLnBrk="1" latinLnBrk="0" hangingPunct="1">
+      <a:lvl7pPr marL="3962301" indent="-304792" algn="l" defTabSz="1219170" rtl="0" eaLnBrk="1" latinLnBrk="0" hangingPunct="1">
         <a:spcBef>
           <a:spcPct val="20000"/>
         </a:spcBef>
         <a:buFont typeface="Arial" pitchFamily="34" charset="0"/>
         <a:buChar char="•"/>
-        <a:defRPr sz="2000" kern="1200">
+        <a:defRPr sz="2667" kern="1200">
           <a:solidFill>
             <a:schemeClr val="tx1"/>
           </a:solidFill>
@@ -2914,13 +2958,13 @@
           <a:cs typeface="+mn-cs"/>
         </a:defRPr>
       </a:lvl7pPr>
-      <a:lvl8pPr marL="3429000" indent="-228600" algn="l" defTabSz="914400" rtl="0" eaLnBrk="1" latinLnBrk="0" hangingPunct="1">
+      <a:lvl8pPr marL="4571886" indent="-304792" algn="l" defTabSz="1219170" rtl="0" eaLnBrk="1" latinLnBrk="0" hangingPunct="1">
         <a:spcBef>
           <a:spcPct val="20000"/>
         </a:spcBef>
         <a:buFont typeface="Arial" pitchFamily="34" charset="0"/>
         <a:buChar char="•"/>
-        <a:defRPr sz="2000" kern="1200">
+        <a:defRPr sz="2667" kern="1200">
           <a:solidFill>
             <a:schemeClr val="tx1"/>
           </a:solidFill>
@@ -2929,13 +2973,13 @@
           <a:cs typeface="+mn-cs"/>
         </a:defRPr>
       </a:lvl8pPr>
-      <a:lvl9pPr marL="3886200" indent="-228600" algn="l" defTabSz="914400" rtl="0" eaLnBrk="1" latinLnBrk="0" hangingPunct="1">
+      <a:lvl9pPr marL="5181470" indent="-304792" algn="l" defTabSz="1219170" rtl="0" eaLnBrk="1" latinLnBrk="0" hangingPunct="1">
         <a:spcBef>
           <a:spcPct val="20000"/>
         </a:spcBef>
         <a:buFont typeface="Arial" pitchFamily="34" charset="0"/>
         <a:buChar char="•"/>
-        <a:defRPr sz="2000" kern="1200">
+        <a:defRPr sz="2667" kern="1200">
           <a:solidFill>
             <a:schemeClr val="tx1"/>
           </a:solidFill>
@@ -2949,8 +2993,8 @@
       <a:defPPr>
         <a:defRPr lang="zh-TW"/>
       </a:defPPr>
-      <a:lvl1pPr marL="0" algn="l" defTabSz="914400" rtl="0" eaLnBrk="1" latinLnBrk="0" hangingPunct="1">
-        <a:defRPr sz="1800" kern="1200">
+      <a:lvl1pPr marL="0" algn="l" defTabSz="1219170" rtl="0" eaLnBrk="1" latinLnBrk="0" hangingPunct="1">
+        <a:defRPr sz="2400" kern="1200">
           <a:solidFill>
             <a:schemeClr val="tx1"/>
           </a:solidFill>
@@ -2959,8 +3003,8 @@
           <a:cs typeface="+mn-cs"/>
         </a:defRPr>
       </a:lvl1pPr>
-      <a:lvl2pPr marL="457200" algn="l" defTabSz="914400" rtl="0" eaLnBrk="1" latinLnBrk="0" hangingPunct="1">
-        <a:defRPr sz="1800" kern="1200">
+      <a:lvl2pPr marL="609585" algn="l" defTabSz="1219170" rtl="0" eaLnBrk="1" latinLnBrk="0" hangingPunct="1">
+        <a:defRPr sz="2400" kern="1200">
           <a:solidFill>
             <a:schemeClr val="tx1"/>
           </a:solidFill>
@@ -2969,8 +3013,8 @@
           <a:cs typeface="+mn-cs"/>
         </a:defRPr>
       </a:lvl2pPr>
-      <a:lvl3pPr marL="914400" algn="l" defTabSz="914400" rtl="0" eaLnBrk="1" latinLnBrk="0" hangingPunct="1">
-        <a:defRPr sz="1800" kern="1200">
+      <a:lvl3pPr marL="1219170" algn="l" defTabSz="1219170" rtl="0" eaLnBrk="1" latinLnBrk="0" hangingPunct="1">
+        <a:defRPr sz="2400" kern="1200">
           <a:solidFill>
             <a:schemeClr val="tx1"/>
           </a:solidFill>
@@ -2979,8 +3023,8 @@
           <a:cs typeface="+mn-cs"/>
         </a:defRPr>
       </a:lvl3pPr>
-      <a:lvl4pPr marL="1371600" algn="l" defTabSz="914400" rtl="0" eaLnBrk="1" latinLnBrk="0" hangingPunct="1">
-        <a:defRPr sz="1800" kern="1200">
+      <a:lvl4pPr marL="1828754" algn="l" defTabSz="1219170" rtl="0" eaLnBrk="1" latinLnBrk="0" hangingPunct="1">
+        <a:defRPr sz="2400" kern="1200">
           <a:solidFill>
             <a:schemeClr val="tx1"/>
           </a:solidFill>
@@ -2989,8 +3033,8 @@
           <a:cs typeface="+mn-cs"/>
         </a:defRPr>
       </a:lvl4pPr>
-      <a:lvl5pPr marL="1828800" algn="l" defTabSz="914400" rtl="0" eaLnBrk="1" latinLnBrk="0" hangingPunct="1">
-        <a:defRPr sz="1800" kern="1200">
+      <a:lvl5pPr marL="2438339" algn="l" defTabSz="1219170" rtl="0" eaLnBrk="1" latinLnBrk="0" hangingPunct="1">
+        <a:defRPr sz="2400" kern="1200">
           <a:solidFill>
             <a:schemeClr val="tx1"/>
           </a:solidFill>
@@ -2999,8 +3043,8 @@
           <a:cs typeface="+mn-cs"/>
         </a:defRPr>
       </a:lvl5pPr>
-      <a:lvl6pPr marL="2286000" algn="l" defTabSz="914400" rtl="0" eaLnBrk="1" latinLnBrk="0" hangingPunct="1">
-        <a:defRPr sz="1800" kern="1200">
+      <a:lvl6pPr marL="3047924" algn="l" defTabSz="1219170" rtl="0" eaLnBrk="1" latinLnBrk="0" hangingPunct="1">
+        <a:defRPr sz="2400" kern="1200">
           <a:solidFill>
             <a:schemeClr val="tx1"/>
           </a:solidFill>
@@ -3009,8 +3053,8 @@
           <a:cs typeface="+mn-cs"/>
         </a:defRPr>
       </a:lvl6pPr>
-      <a:lvl7pPr marL="2743200" algn="l" defTabSz="914400" rtl="0" eaLnBrk="1" latinLnBrk="0" hangingPunct="1">
-        <a:defRPr sz="1800" kern="1200">
+      <a:lvl7pPr marL="3657509" algn="l" defTabSz="1219170" rtl="0" eaLnBrk="1" latinLnBrk="0" hangingPunct="1">
+        <a:defRPr sz="2400" kern="1200">
           <a:solidFill>
             <a:schemeClr val="tx1"/>
           </a:solidFill>
@@ -3019,8 +3063,8 @@
           <a:cs typeface="+mn-cs"/>
         </a:defRPr>
       </a:lvl7pPr>
-      <a:lvl8pPr marL="3200400" algn="l" defTabSz="914400" rtl="0" eaLnBrk="1" latinLnBrk="0" hangingPunct="1">
-        <a:defRPr sz="1800" kern="1200">
+      <a:lvl8pPr marL="4267093" algn="l" defTabSz="1219170" rtl="0" eaLnBrk="1" latinLnBrk="0" hangingPunct="1">
+        <a:defRPr sz="2400" kern="1200">
           <a:solidFill>
             <a:schemeClr val="tx1"/>
           </a:solidFill>
@@ -3029,8 +3073,8 @@
           <a:cs typeface="+mn-cs"/>
         </a:defRPr>
       </a:lvl8pPr>
-      <a:lvl9pPr marL="3657600" algn="l" defTabSz="914400" rtl="0" eaLnBrk="1" latinLnBrk="0" hangingPunct="1">
-        <a:defRPr sz="1800" kern="1200">
+      <a:lvl9pPr marL="4876678" algn="l" defTabSz="1219170" rtl="0" eaLnBrk="1" latinLnBrk="0" hangingPunct="1">
+        <a:defRPr sz="2400" kern="1200">
           <a:solidFill>
             <a:schemeClr val="tx1"/>
           </a:solidFill>
@@ -3063,7 +3107,7 @@
       </p:grpSpPr>
       <p:sp>
         <p:nvSpPr>
-          <p:cNvPr id="4" name="標題 3"/>
+          <p:cNvPr id="2" name="Title 1"/>
           <p:cNvSpPr>
             <a:spLocks noGrp="1"/>
           </p:cNvSpPr>
@@ -3071,87 +3115,70 @@
             <p:ph type="title"/>
           </p:nvPr>
         </p:nvSpPr>
-        <p:spPr>
-          <a:xfrm>
-            <a:off x="1981200" y="71414"/>
-            <a:ext cx="8229600" cy="1143000"/>
-          </a:xfrm>
-        </p:spPr>
-        <p:txBody>
-          <a:bodyPr/>
-          <a:lstStyle/>
-          <a:p>
-            <a:r>
-              <a:rPr lang="zh-TW" altLang="en-US" b="1" dirty="0" smtClean="0">
-                <a:solidFill>
-                  <a:srgbClr val="660033"/>
-                </a:solidFill>
-                <a:latin typeface="微軟正黑體" pitchFamily="34" charset="-120"/>
-                <a:ea typeface="微軟正黑體" pitchFamily="34" charset="-120"/>
-              </a:rPr>
-              <a:t>金錢不是萬能</a:t>
-            </a:r>
-            <a:endParaRPr lang="en-US" b="1" dirty="0">
-              <a:solidFill>
-                <a:srgbClr val="660033"/>
-              </a:solidFill>
-              <a:latin typeface="微軟正黑體" pitchFamily="34" charset="-120"/>
-              <a:ea typeface="微軟正黑體" pitchFamily="34" charset="-120"/>
-            </a:endParaRPr>
-          </a:p>
-        </p:txBody>
-      </p:sp>
-      <p:sp>
-        <p:nvSpPr>
-          <p:cNvPr id="5" name="內容版面配置區 4"/>
-          <p:cNvSpPr>
-            <a:spLocks noGrp="1"/>
-          </p:cNvSpPr>
-          <p:nvPr>
-            <p:ph idx="1"/>
-          </p:nvPr>
-        </p:nvSpPr>
-        <p:spPr>
-          <a:xfrm>
-            <a:off x="1981200" y="1285861"/>
-            <a:ext cx="8229600" cy="3223259"/>
-          </a:xfrm>
-        </p:spPr>
+        <p:spPr/>
         <p:txBody>
           <a:bodyPr>
             <a:normAutofit/>
           </a:bodyPr>
           <a:lstStyle/>
           <a:p>
+            <a:r>
+              <a:rPr lang="zh-TW" altLang="en-US" sz="4800" b="1" dirty="0">
+                <a:latin typeface="Microsoft JhengHei" panose="020B0604030504040204" pitchFamily="34" charset="-120"/>
+                <a:ea typeface="Microsoft JhengHei" panose="020B0604030504040204" pitchFamily="34" charset="-120"/>
+              </a:rPr>
+              <a:t>金錢不是萬能</a:t>
+            </a:r>
+            <a:endParaRPr lang="vi-VN" sz="4800" b="1" dirty="0">
+              <a:ea typeface="Microsoft JhengHei" panose="020B0604030504040204" pitchFamily="34" charset="-120"/>
+            </a:endParaRPr>
+          </a:p>
+        </p:txBody>
+      </p:sp>
+      <p:sp>
+        <p:nvSpPr>
+          <p:cNvPr id="3" name="Content Placeholder 2"/>
+          <p:cNvSpPr>
+            <a:spLocks noGrp="1"/>
+          </p:cNvSpPr>
+          <p:nvPr>
+            <p:ph idx="1"/>
+          </p:nvPr>
+        </p:nvSpPr>
+        <p:spPr/>
+        <p:txBody>
+          <a:bodyPr>
+            <a:normAutofit/>
+          </a:bodyPr>
+          <a:lstStyle/>
+          <a:p>
             <a:pPr marL="0" indent="0" algn="ctr">
               <a:buNone/>
             </a:pPr>
             <a:r>
-              <a:rPr lang="zh-TW" altLang="en-US" sz="4000" b="1" dirty="0">
-                <a:solidFill>
-                  <a:srgbClr val="660033"/>
-                </a:solidFill>
-                <a:latin typeface="微軟正黑體" pitchFamily="34" charset="-120"/>
-                <a:ea typeface="微軟正黑體" pitchFamily="34" charset="-120"/>
+              <a:rPr lang="zh-TW" altLang="en-US" sz="5400" b="1" dirty="0">
+                <a:latin typeface="Microsoft JhengHei" panose="020B0604030504040204" pitchFamily="34" charset="-120"/>
+                <a:ea typeface="Microsoft JhengHei" panose="020B0604030504040204" pitchFamily="34" charset="-120"/>
               </a:rPr>
-              <a:t>金錢不是</a:t>
-            </a:r>
-            <a:r>
-              <a:rPr lang="zh-TW" altLang="en-US" sz="4000" b="1" dirty="0">
-                <a:solidFill>
-                  <a:srgbClr val="660033"/>
-                </a:solidFill>
-                <a:latin typeface="微軟正黑體" pitchFamily="34" charset="-120"/>
-                <a:ea typeface="微軟正黑體" pitchFamily="34" charset="-120"/>
+              <a:t>金錢不是萬能 </a:t>
+            </a:r>
+            <a:r>
+              <a:rPr lang="zh-TW" altLang="en-US" sz="5400" b="1" dirty="0" smtClean="0">
+                <a:latin typeface="Microsoft JhengHei" panose="020B0604030504040204" pitchFamily="34" charset="-120"/>
+                <a:ea typeface="Microsoft JhengHei" panose="020B0604030504040204" pitchFamily="34" charset="-120"/>
               </a:rPr>
-              <a:t>萬能  不是萬能</a:t>
-            </a:r>
-            <a:endParaRPr lang="en-US" altLang="zh-TW" sz="4000" b="1" dirty="0">
-              <a:solidFill>
-                <a:srgbClr val="660033"/>
-              </a:solidFill>
-              <a:latin typeface="微軟正黑體" pitchFamily="34" charset="-120"/>
-              <a:ea typeface="微軟正黑體" pitchFamily="34" charset="-120"/>
+              <a:t> 不</a:t>
+            </a:r>
+            <a:r>
+              <a:rPr lang="zh-TW" altLang="en-US" sz="5400" b="1" dirty="0">
+                <a:latin typeface="Microsoft JhengHei" panose="020B0604030504040204" pitchFamily="34" charset="-120"/>
+                <a:ea typeface="Microsoft JhengHei" panose="020B0604030504040204" pitchFamily="34" charset="-120"/>
+              </a:rPr>
+              <a:t>是萬能　</a:t>
+            </a:r>
+            <a:endParaRPr lang="en-US" altLang="zh-TW" sz="5400" b="1" dirty="0" smtClean="0">
+              <a:latin typeface="Microsoft JhengHei" panose="020B0604030504040204" pitchFamily="34" charset="-120"/>
+              <a:ea typeface="Microsoft JhengHei" panose="020B0604030504040204" pitchFamily="34" charset="-120"/>
             </a:endParaRPr>
           </a:p>
           <a:p>
@@ -3159,41 +3186,59 @@
               <a:buNone/>
             </a:pPr>
             <a:r>
-              <a:rPr lang="zh-TW" altLang="en-US" sz="4000" b="1" dirty="0">
-                <a:solidFill>
-                  <a:srgbClr val="660033"/>
-                </a:solidFill>
-                <a:latin typeface="微軟正黑體" pitchFamily="34" charset="-120"/>
-                <a:ea typeface="微軟正黑體" pitchFamily="34" charset="-120"/>
+              <a:rPr lang="zh-TW" altLang="en-US" sz="5400" b="1" dirty="0" smtClean="0">
+                <a:latin typeface="Microsoft JhengHei" panose="020B0604030504040204" pitchFamily="34" charset="-120"/>
+                <a:ea typeface="Microsoft JhengHei" panose="020B0604030504040204" pitchFamily="34" charset="-120"/>
               </a:rPr>
               <a:t>你</a:t>
             </a:r>
             <a:r>
-              <a:rPr lang="zh-TW" altLang="en-US" sz="4000" b="1" dirty="0">
-                <a:solidFill>
-                  <a:srgbClr val="660033"/>
-                </a:solidFill>
-                <a:latin typeface="微軟正黑體" pitchFamily="34" charset="-120"/>
-                <a:ea typeface="微軟正黑體" pitchFamily="34" charset="-120"/>
+              <a:rPr lang="zh-TW" altLang="en-US" sz="5400" b="1" dirty="0">
+                <a:latin typeface="Microsoft JhengHei" panose="020B0604030504040204" pitchFamily="34" charset="-120"/>
+                <a:ea typeface="Microsoft JhengHei" panose="020B0604030504040204" pitchFamily="34" charset="-120"/>
               </a:rPr>
-              <a:t>可別依靠</a:t>
-            </a:r>
-            <a:r>
-              <a:rPr lang="zh-TW" altLang="en-US" sz="4000" b="1" dirty="0">
-                <a:solidFill>
-                  <a:srgbClr val="660033"/>
-                </a:solidFill>
-                <a:latin typeface="微軟正黑體" pitchFamily="34" charset="-120"/>
-                <a:ea typeface="微軟正黑體" pitchFamily="34" charset="-120"/>
+              <a:t>可別依靠金錢 </a:t>
+            </a:r>
+            <a:endParaRPr lang="en-US" altLang="zh-TW" sz="5400" b="1" dirty="0" smtClean="0">
+              <a:latin typeface="Microsoft JhengHei" panose="020B0604030504040204" pitchFamily="34" charset="-120"/>
+              <a:ea typeface="Microsoft JhengHei" panose="020B0604030504040204" pitchFamily="34" charset="-120"/>
+            </a:endParaRPr>
+          </a:p>
+          <a:p>
+            <a:pPr marL="0" indent="0" algn="ctr">
+              <a:buNone/>
+            </a:pPr>
+            <a:r>
+              <a:rPr lang="zh-TW" altLang="en-US" sz="5400" b="1" dirty="0" smtClean="0">
+                <a:latin typeface="Microsoft JhengHei" panose="020B0604030504040204" pitchFamily="34" charset="-120"/>
+                <a:ea typeface="Microsoft JhengHei" panose="020B0604030504040204" pitchFamily="34" charset="-120"/>
               </a:rPr>
-              <a:t>金錢</a:t>
-            </a:r>
-            <a:endParaRPr lang="en-US" altLang="zh-TW" sz="4000" b="1" dirty="0">
-              <a:solidFill>
-                <a:srgbClr val="660033"/>
-              </a:solidFill>
-              <a:latin typeface="微軟正黑體" pitchFamily="34" charset="-120"/>
-              <a:ea typeface="微軟正黑體" pitchFamily="34" charset="-120"/>
+              <a:t>金</a:t>
+            </a:r>
+            <a:r>
+              <a:rPr lang="zh-TW" altLang="en-US" sz="5400" b="1" dirty="0">
+                <a:latin typeface="Microsoft JhengHei" panose="020B0604030504040204" pitchFamily="34" charset="-120"/>
+                <a:ea typeface="Microsoft JhengHei" panose="020B0604030504040204" pitchFamily="34" charset="-120"/>
+              </a:rPr>
+              <a:t>錢難買生</a:t>
+            </a:r>
+            <a:r>
+              <a:rPr lang="zh-TW" altLang="en-US" sz="5400" b="1" dirty="0" smtClean="0">
+                <a:latin typeface="Microsoft JhengHei" panose="020B0604030504040204" pitchFamily="34" charset="-120"/>
+                <a:ea typeface="Microsoft JhengHei" panose="020B0604030504040204" pitchFamily="34" charset="-120"/>
+              </a:rPr>
+              <a:t>命  難</a:t>
+            </a:r>
+            <a:r>
+              <a:rPr lang="zh-TW" altLang="en-US" sz="5400" b="1" dirty="0">
+                <a:latin typeface="Microsoft JhengHei" panose="020B0604030504040204" pitchFamily="34" charset="-120"/>
+                <a:ea typeface="Microsoft JhengHei" panose="020B0604030504040204" pitchFamily="34" charset="-120"/>
+              </a:rPr>
+              <a:t>買生命　</a:t>
+            </a:r>
+            <a:endParaRPr lang="en-US" altLang="zh-TW" sz="5400" b="1" dirty="0" smtClean="0">
+              <a:latin typeface="Microsoft JhengHei" panose="020B0604030504040204" pitchFamily="34" charset="-120"/>
+              <a:ea typeface="Microsoft JhengHei" panose="020B0604030504040204" pitchFamily="34" charset="-120"/>
             </a:endParaRPr>
           </a:p>
           <a:p>
@@ -3201,579 +3246,21 @@
               <a:buNone/>
             </a:pPr>
             <a:r>
-              <a:rPr lang="zh-TW" altLang="en-US" sz="4000" b="1" dirty="0">
-                <a:solidFill>
-                  <a:srgbClr val="660033"/>
-                </a:solidFill>
-                <a:latin typeface="微軟正黑體" pitchFamily="34" charset="-120"/>
-                <a:ea typeface="微軟正黑體" pitchFamily="34" charset="-120"/>
-              </a:rPr>
-              <a:t>金錢</a:t>
-            </a:r>
-            <a:r>
-              <a:rPr lang="zh-TW" altLang="en-US" sz="4000" b="1" dirty="0">
-                <a:solidFill>
-                  <a:srgbClr val="660033"/>
-                </a:solidFill>
-                <a:latin typeface="微軟正黑體" pitchFamily="34" charset="-120"/>
-                <a:ea typeface="微軟正黑體" pitchFamily="34" charset="-120"/>
-              </a:rPr>
-              <a:t>難買</a:t>
-            </a:r>
-            <a:r>
-              <a:rPr lang="zh-TW" altLang="en-US" sz="4000" b="1" dirty="0">
-                <a:solidFill>
-                  <a:srgbClr val="660033"/>
-                </a:solidFill>
-                <a:latin typeface="微軟正黑體" pitchFamily="34" charset="-120"/>
-                <a:ea typeface="微軟正黑體" pitchFamily="34" charset="-120"/>
-              </a:rPr>
-              <a:t>生命  難</a:t>
-            </a:r>
-            <a:r>
-              <a:rPr lang="zh-TW" altLang="en-US" sz="4000" b="1" dirty="0">
-                <a:solidFill>
-                  <a:srgbClr val="660033"/>
-                </a:solidFill>
-                <a:latin typeface="微軟正黑體" pitchFamily="34" charset="-120"/>
-                <a:ea typeface="微軟正黑體" pitchFamily="34" charset="-120"/>
-              </a:rPr>
-              <a:t>買</a:t>
-            </a:r>
-            <a:r>
-              <a:rPr lang="zh-TW" altLang="en-US" sz="4000" b="1" dirty="0">
-                <a:solidFill>
-                  <a:srgbClr val="660033"/>
-                </a:solidFill>
-                <a:latin typeface="微軟正黑體" pitchFamily="34" charset="-120"/>
-                <a:ea typeface="微軟正黑體" pitchFamily="34" charset="-120"/>
-              </a:rPr>
-              <a:t>生命</a:t>
-            </a:r>
-            <a:endParaRPr lang="en-US" altLang="zh-TW" sz="4000" b="1" dirty="0">
-              <a:solidFill>
-                <a:srgbClr val="660033"/>
-              </a:solidFill>
-              <a:latin typeface="微軟正黑體" pitchFamily="34" charset="-120"/>
-              <a:ea typeface="微軟正黑體" pitchFamily="34" charset="-120"/>
-            </a:endParaRPr>
-          </a:p>
-          <a:p>
-            <a:pPr marL="0" indent="0" algn="ctr">
-              <a:buNone/>
-            </a:pPr>
-            <a:r>
-              <a:rPr lang="zh-TW" altLang="en-US" sz="4000" b="1" dirty="0">
-                <a:solidFill>
-                  <a:srgbClr val="660033"/>
-                </a:solidFill>
-                <a:latin typeface="微軟正黑體" pitchFamily="34" charset="-120"/>
-                <a:ea typeface="微軟正黑體" pitchFamily="34" charset="-120"/>
+              <a:rPr lang="zh-TW" altLang="en-US" sz="5400" b="1" dirty="0" smtClean="0">
+                <a:latin typeface="Microsoft JhengHei" panose="020B0604030504040204" pitchFamily="34" charset="-120"/>
+                <a:ea typeface="Microsoft JhengHei" panose="020B0604030504040204" pitchFamily="34" charset="-120"/>
               </a:rPr>
               <a:t>你</a:t>
             </a:r>
             <a:r>
-              <a:rPr lang="zh-TW" altLang="en-US" sz="4000" b="1" dirty="0">
-                <a:solidFill>
-                  <a:srgbClr val="660033"/>
-                </a:solidFill>
-                <a:latin typeface="微軟正黑體" pitchFamily="34" charset="-120"/>
-                <a:ea typeface="微軟正黑體" pitchFamily="34" charset="-120"/>
+              <a:rPr lang="zh-TW" altLang="en-US" sz="5400" b="1" dirty="0">
+                <a:latin typeface="Microsoft JhengHei" panose="020B0604030504040204" pitchFamily="34" charset="-120"/>
+                <a:ea typeface="Microsoft JhengHei" panose="020B0604030504040204" pitchFamily="34" charset="-120"/>
               </a:rPr>
               <a:t>可別羨慕財富</a:t>
             </a:r>
-            <a:endParaRPr lang="en-US" sz="4000" b="1" dirty="0">
-              <a:solidFill>
-                <a:srgbClr val="660033"/>
-              </a:solidFill>
-              <a:latin typeface="微軟正黑體" pitchFamily="34" charset="-120"/>
-              <a:ea typeface="微軟正黑體" pitchFamily="34" charset="-120"/>
-            </a:endParaRPr>
-          </a:p>
-        </p:txBody>
-      </p:sp>
-      <p:sp>
-        <p:nvSpPr>
-          <p:cNvPr id="6" name="文字方塊 5"/>
-          <p:cNvSpPr txBox="1"/>
-          <p:nvPr/>
-        </p:nvSpPr>
-        <p:spPr>
-          <a:xfrm>
-            <a:off x="0" y="4502759"/>
-            <a:ext cx="12192000" cy="2062103"/>
-          </a:xfrm>
-          <a:prstGeom prst="rect">
-            <a:avLst/>
-          </a:prstGeom>
-          <a:noFill/>
-        </p:spPr>
-        <p:txBody>
-          <a:bodyPr wrap="square" rtlCol="0">
-            <a:spAutoFit/>
-          </a:bodyPr>
-          <a:lstStyle/>
-          <a:p>
-            <a:pPr algn="ctr"/>
-            <a:r>
-              <a:rPr lang="en-US" altLang="zh-TW" sz="3200" b="1" dirty="0" err="1">
-                <a:solidFill>
-                  <a:srgbClr val="FF0000"/>
-                </a:solidFill>
-                <a:latin typeface="Times New Roman" pitchFamily="18" charset="0"/>
-                <a:cs typeface="Times New Roman" pitchFamily="18" charset="0"/>
-              </a:rPr>
-              <a:t>Tiền</a:t>
-            </a:r>
-            <a:r>
-              <a:rPr lang="en-US" altLang="zh-TW" sz="3200" b="1" dirty="0">
-                <a:solidFill>
-                  <a:srgbClr val="FF0000"/>
-                </a:solidFill>
-                <a:latin typeface="Times New Roman" pitchFamily="18" charset="0"/>
-                <a:cs typeface="Times New Roman" pitchFamily="18" charset="0"/>
-              </a:rPr>
-              <a:t> </a:t>
-            </a:r>
-            <a:r>
-              <a:rPr lang="en-US" altLang="zh-TW" sz="3200" b="1" dirty="0" err="1">
-                <a:solidFill>
-                  <a:srgbClr val="FF0000"/>
-                </a:solidFill>
-                <a:latin typeface="Times New Roman" pitchFamily="18" charset="0"/>
-                <a:cs typeface="Times New Roman" pitchFamily="18" charset="0"/>
-              </a:rPr>
-              <a:t>không</a:t>
-            </a:r>
-            <a:r>
-              <a:rPr lang="en-US" altLang="zh-TW" sz="3200" b="1" dirty="0">
-                <a:solidFill>
-                  <a:srgbClr val="FF0000"/>
-                </a:solidFill>
-                <a:latin typeface="Times New Roman" pitchFamily="18" charset="0"/>
-                <a:cs typeface="Times New Roman" pitchFamily="18" charset="0"/>
-              </a:rPr>
-              <a:t> </a:t>
-            </a:r>
-            <a:r>
-              <a:rPr lang="en-US" altLang="zh-TW" sz="3200" b="1" dirty="0" err="1">
-                <a:solidFill>
-                  <a:srgbClr val="FF0000"/>
-                </a:solidFill>
-                <a:latin typeface="Times New Roman" pitchFamily="18" charset="0"/>
-                <a:cs typeface="Times New Roman" pitchFamily="18" charset="0"/>
-              </a:rPr>
-              <a:t>phải</a:t>
-            </a:r>
-            <a:r>
-              <a:rPr lang="en-US" altLang="zh-TW" sz="3200" b="1" dirty="0">
-                <a:solidFill>
-                  <a:srgbClr val="FF0000"/>
-                </a:solidFill>
-                <a:latin typeface="Times New Roman" pitchFamily="18" charset="0"/>
-                <a:cs typeface="Times New Roman" pitchFamily="18" charset="0"/>
-              </a:rPr>
-              <a:t> </a:t>
-            </a:r>
-            <a:r>
-              <a:rPr lang="en-US" altLang="zh-TW" sz="3200" b="1" dirty="0" err="1">
-                <a:solidFill>
-                  <a:srgbClr val="FF0000"/>
-                </a:solidFill>
-                <a:latin typeface="Times New Roman" pitchFamily="18" charset="0"/>
-                <a:cs typeface="Times New Roman" pitchFamily="18" charset="0"/>
-              </a:rPr>
-              <a:t>là</a:t>
-            </a:r>
-            <a:r>
-              <a:rPr lang="en-US" altLang="zh-TW" sz="3200" b="1" dirty="0">
-                <a:solidFill>
-                  <a:srgbClr val="FF0000"/>
-                </a:solidFill>
-                <a:latin typeface="Times New Roman" pitchFamily="18" charset="0"/>
-                <a:cs typeface="Times New Roman" pitchFamily="18" charset="0"/>
-              </a:rPr>
-              <a:t> </a:t>
-            </a:r>
-            <a:r>
-              <a:rPr lang="en-US" altLang="zh-TW" sz="3200" b="1" dirty="0" err="1">
-                <a:solidFill>
-                  <a:srgbClr val="FF0000"/>
-                </a:solidFill>
-                <a:latin typeface="Times New Roman" pitchFamily="18" charset="0"/>
-                <a:cs typeface="Times New Roman" pitchFamily="18" charset="0"/>
-              </a:rPr>
-              <a:t>vạn</a:t>
-            </a:r>
-            <a:r>
-              <a:rPr lang="en-US" altLang="zh-TW" sz="3200" b="1" dirty="0">
-                <a:solidFill>
-                  <a:srgbClr val="FF0000"/>
-                </a:solidFill>
-                <a:latin typeface="Times New Roman" pitchFamily="18" charset="0"/>
-                <a:cs typeface="Times New Roman" pitchFamily="18" charset="0"/>
-              </a:rPr>
-              <a:t> </a:t>
-            </a:r>
-            <a:r>
-              <a:rPr lang="en-US" altLang="zh-TW" sz="3200" b="1" dirty="0" err="1" smtClean="0">
-                <a:solidFill>
-                  <a:srgbClr val="FF0000"/>
-                </a:solidFill>
-                <a:latin typeface="Times New Roman" pitchFamily="18" charset="0"/>
-                <a:cs typeface="Times New Roman" pitchFamily="18" charset="0"/>
-              </a:rPr>
-              <a:t>năng</a:t>
-            </a:r>
-            <a:r>
-              <a:rPr lang="en-US" altLang="zh-TW" sz="3200" b="1" dirty="0" smtClean="0">
-                <a:solidFill>
-                  <a:srgbClr val="FF0000"/>
-                </a:solidFill>
-                <a:latin typeface="Times New Roman" pitchFamily="18" charset="0"/>
-                <a:cs typeface="Times New Roman" pitchFamily="18" charset="0"/>
-              </a:rPr>
-              <a:t> </a:t>
-            </a:r>
-          </a:p>
-          <a:p>
-            <a:pPr algn="ctr"/>
-            <a:r>
-              <a:rPr lang="en-US" altLang="zh-TW" sz="3200" b="1" dirty="0" err="1" smtClean="0">
-                <a:solidFill>
-                  <a:srgbClr val="FF0000"/>
-                </a:solidFill>
-                <a:latin typeface="Times New Roman" pitchFamily="18" charset="0"/>
-                <a:cs typeface="Times New Roman" pitchFamily="18" charset="0"/>
-              </a:rPr>
-              <a:t>bạn</a:t>
-            </a:r>
-            <a:r>
-              <a:rPr lang="en-US" altLang="zh-TW" sz="3200" b="1" dirty="0" smtClean="0">
-                <a:solidFill>
-                  <a:srgbClr val="FF0000"/>
-                </a:solidFill>
-                <a:latin typeface="Times New Roman" pitchFamily="18" charset="0"/>
-                <a:cs typeface="Times New Roman" pitchFamily="18" charset="0"/>
-              </a:rPr>
-              <a:t> </a:t>
-            </a:r>
-            <a:r>
-              <a:rPr lang="en-US" altLang="zh-TW" sz="3200" b="1" dirty="0" err="1">
-                <a:solidFill>
-                  <a:srgbClr val="FF0000"/>
-                </a:solidFill>
-                <a:latin typeface="Times New Roman" pitchFamily="18" charset="0"/>
-                <a:cs typeface="Times New Roman" pitchFamily="18" charset="0"/>
-              </a:rPr>
-              <a:t>đừng</a:t>
-            </a:r>
-            <a:r>
-              <a:rPr lang="en-US" altLang="zh-TW" sz="3200" b="1" dirty="0">
-                <a:solidFill>
-                  <a:srgbClr val="FF0000"/>
-                </a:solidFill>
-                <a:latin typeface="Times New Roman" pitchFamily="18" charset="0"/>
-                <a:cs typeface="Times New Roman" pitchFamily="18" charset="0"/>
-              </a:rPr>
-              <a:t> </a:t>
-            </a:r>
-            <a:r>
-              <a:rPr lang="en-US" altLang="zh-TW" sz="3200" b="1" dirty="0" err="1">
-                <a:solidFill>
-                  <a:srgbClr val="FF0000"/>
-                </a:solidFill>
-                <a:latin typeface="Times New Roman" pitchFamily="18" charset="0"/>
-                <a:cs typeface="Times New Roman" pitchFamily="18" charset="0"/>
-              </a:rPr>
-              <a:t>nên</a:t>
-            </a:r>
-            <a:r>
-              <a:rPr lang="en-US" altLang="zh-TW" sz="3200" b="1" dirty="0">
-                <a:solidFill>
-                  <a:srgbClr val="FF0000"/>
-                </a:solidFill>
-                <a:latin typeface="Times New Roman" pitchFamily="18" charset="0"/>
-                <a:cs typeface="Times New Roman" pitchFamily="18" charset="0"/>
-              </a:rPr>
-              <a:t> </a:t>
-            </a:r>
-            <a:r>
-              <a:rPr lang="en-US" altLang="zh-TW" sz="3200" b="1" dirty="0" err="1">
-                <a:solidFill>
-                  <a:srgbClr val="FF0000"/>
-                </a:solidFill>
-                <a:latin typeface="Times New Roman" pitchFamily="18" charset="0"/>
-                <a:cs typeface="Times New Roman" pitchFamily="18" charset="0"/>
-              </a:rPr>
-              <a:t>cậy</a:t>
-            </a:r>
-            <a:r>
-              <a:rPr lang="en-US" altLang="zh-TW" sz="3200" b="1" dirty="0">
-                <a:solidFill>
-                  <a:srgbClr val="FF0000"/>
-                </a:solidFill>
-                <a:latin typeface="Times New Roman" pitchFamily="18" charset="0"/>
-                <a:cs typeface="Times New Roman" pitchFamily="18" charset="0"/>
-              </a:rPr>
-              <a:t> </a:t>
-            </a:r>
-            <a:r>
-              <a:rPr lang="en-US" altLang="zh-TW" sz="3200" b="1" dirty="0" err="1">
-                <a:solidFill>
-                  <a:srgbClr val="FF0000"/>
-                </a:solidFill>
-                <a:latin typeface="Times New Roman" pitchFamily="18" charset="0"/>
-                <a:cs typeface="Times New Roman" pitchFamily="18" charset="0"/>
-              </a:rPr>
-              <a:t>vào</a:t>
-            </a:r>
-            <a:r>
-              <a:rPr lang="en-US" altLang="zh-TW" sz="3200" b="1" dirty="0">
-                <a:solidFill>
-                  <a:srgbClr val="FF0000"/>
-                </a:solidFill>
-                <a:latin typeface="Times New Roman" pitchFamily="18" charset="0"/>
-                <a:cs typeface="Times New Roman" pitchFamily="18" charset="0"/>
-              </a:rPr>
-              <a:t> </a:t>
-            </a:r>
-            <a:r>
-              <a:rPr lang="en-US" altLang="zh-TW" sz="3200" b="1" dirty="0" err="1">
-                <a:solidFill>
-                  <a:srgbClr val="FF0000"/>
-                </a:solidFill>
-                <a:latin typeface="Times New Roman" pitchFamily="18" charset="0"/>
-                <a:cs typeface="Times New Roman" pitchFamily="18" charset="0"/>
-              </a:rPr>
-              <a:t>nó</a:t>
-            </a:r>
-            <a:endParaRPr lang="en-US" altLang="zh-TW" sz="3200" b="1" dirty="0">
-              <a:solidFill>
-                <a:srgbClr val="FF0000"/>
-              </a:solidFill>
-              <a:latin typeface="Times New Roman" pitchFamily="18" charset="0"/>
-              <a:cs typeface="Times New Roman" pitchFamily="18" charset="0"/>
-            </a:endParaRPr>
-          </a:p>
-          <a:p>
-            <a:pPr algn="ctr"/>
-            <a:r>
-              <a:rPr lang="en-US" altLang="zh-TW" sz="3200" b="1" dirty="0" err="1">
-                <a:solidFill>
-                  <a:srgbClr val="FF0000"/>
-                </a:solidFill>
-                <a:latin typeface="Times New Roman" pitchFamily="18" charset="0"/>
-                <a:cs typeface="Times New Roman" pitchFamily="18" charset="0"/>
-              </a:rPr>
-              <a:t>Tiền</a:t>
-            </a:r>
-            <a:r>
-              <a:rPr lang="en-US" altLang="zh-TW" sz="3200" b="1" dirty="0">
-                <a:solidFill>
-                  <a:srgbClr val="FF0000"/>
-                </a:solidFill>
-                <a:latin typeface="Times New Roman" pitchFamily="18" charset="0"/>
-                <a:cs typeface="Times New Roman" pitchFamily="18" charset="0"/>
-              </a:rPr>
-              <a:t> </a:t>
-            </a:r>
-            <a:r>
-              <a:rPr lang="en-US" altLang="zh-TW" sz="3200" b="1" dirty="0" err="1">
-                <a:solidFill>
-                  <a:srgbClr val="FF0000"/>
-                </a:solidFill>
-                <a:latin typeface="Times New Roman" pitchFamily="18" charset="0"/>
-                <a:cs typeface="Times New Roman" pitchFamily="18" charset="0"/>
-              </a:rPr>
-              <a:t>không</a:t>
-            </a:r>
-            <a:r>
-              <a:rPr lang="en-US" altLang="zh-TW" sz="3200" b="1" dirty="0">
-                <a:solidFill>
-                  <a:srgbClr val="FF0000"/>
-                </a:solidFill>
-                <a:latin typeface="Times New Roman" pitchFamily="18" charset="0"/>
-                <a:cs typeface="Times New Roman" pitchFamily="18" charset="0"/>
-              </a:rPr>
-              <a:t> </a:t>
-            </a:r>
-            <a:r>
-              <a:rPr lang="en-US" altLang="zh-TW" sz="3200" b="1" dirty="0" err="1">
-                <a:solidFill>
-                  <a:srgbClr val="FF0000"/>
-                </a:solidFill>
-                <a:latin typeface="Times New Roman" pitchFamily="18" charset="0"/>
-                <a:cs typeface="Times New Roman" pitchFamily="18" charset="0"/>
-              </a:rPr>
-              <a:t>mua</a:t>
-            </a:r>
-            <a:r>
-              <a:rPr lang="en-US" altLang="zh-TW" sz="3200" b="1" dirty="0">
-                <a:solidFill>
-                  <a:srgbClr val="FF0000"/>
-                </a:solidFill>
-                <a:latin typeface="Times New Roman" pitchFamily="18" charset="0"/>
-                <a:cs typeface="Times New Roman" pitchFamily="18" charset="0"/>
-              </a:rPr>
-              <a:t> </a:t>
-            </a:r>
-            <a:r>
-              <a:rPr lang="en-US" altLang="zh-TW" sz="3200" b="1" dirty="0" err="1">
-                <a:solidFill>
-                  <a:srgbClr val="FF0000"/>
-                </a:solidFill>
-                <a:latin typeface="Times New Roman" pitchFamily="18" charset="0"/>
-                <a:cs typeface="Times New Roman" pitchFamily="18" charset="0"/>
-              </a:rPr>
-              <a:t>được</a:t>
-            </a:r>
-            <a:r>
-              <a:rPr lang="en-US" altLang="zh-TW" sz="3200" b="1" dirty="0">
-                <a:solidFill>
-                  <a:srgbClr val="FF0000"/>
-                </a:solidFill>
-                <a:latin typeface="Times New Roman" pitchFamily="18" charset="0"/>
-                <a:cs typeface="Times New Roman" pitchFamily="18" charset="0"/>
-              </a:rPr>
-              <a:t> </a:t>
-            </a:r>
-            <a:r>
-              <a:rPr lang="en-US" altLang="zh-TW" sz="3200" b="1" dirty="0" err="1">
-                <a:solidFill>
-                  <a:srgbClr val="FF0000"/>
-                </a:solidFill>
-                <a:latin typeface="Times New Roman" pitchFamily="18" charset="0"/>
-                <a:cs typeface="Times New Roman" pitchFamily="18" charset="0"/>
-              </a:rPr>
-              <a:t>sự</a:t>
-            </a:r>
-            <a:r>
-              <a:rPr lang="en-US" altLang="zh-TW" sz="3200" b="1" dirty="0">
-                <a:solidFill>
-                  <a:srgbClr val="FF0000"/>
-                </a:solidFill>
-                <a:latin typeface="Times New Roman" pitchFamily="18" charset="0"/>
-                <a:cs typeface="Times New Roman" pitchFamily="18" charset="0"/>
-              </a:rPr>
-              <a:t> </a:t>
-            </a:r>
-            <a:r>
-              <a:rPr lang="en-US" altLang="zh-TW" sz="3200" b="1" dirty="0" err="1" smtClean="0">
-                <a:solidFill>
-                  <a:srgbClr val="FF0000"/>
-                </a:solidFill>
-                <a:latin typeface="Times New Roman" pitchFamily="18" charset="0"/>
-                <a:cs typeface="Times New Roman" pitchFamily="18" charset="0"/>
-              </a:rPr>
-              <a:t>sống</a:t>
-            </a:r>
-            <a:endParaRPr lang="en-US" altLang="zh-TW" sz="3200" b="1" dirty="0" smtClean="0">
-              <a:solidFill>
-                <a:srgbClr val="FF0000"/>
-              </a:solidFill>
-              <a:latin typeface="Times New Roman" pitchFamily="18" charset="0"/>
-              <a:cs typeface="Times New Roman" pitchFamily="18" charset="0"/>
-            </a:endParaRPr>
-          </a:p>
-          <a:p>
-            <a:pPr algn="ctr"/>
-            <a:r>
-              <a:rPr lang="en-US" altLang="zh-TW" sz="3200" b="1" dirty="0" err="1" smtClean="0">
-                <a:solidFill>
-                  <a:srgbClr val="FF0000"/>
-                </a:solidFill>
-                <a:latin typeface="Times New Roman" pitchFamily="18" charset="0"/>
-                <a:cs typeface="Times New Roman" pitchFamily="18" charset="0"/>
-              </a:rPr>
-              <a:t>bạn</a:t>
-            </a:r>
-            <a:r>
-              <a:rPr lang="en-US" altLang="zh-TW" sz="3200" b="1" dirty="0" smtClean="0">
-                <a:solidFill>
-                  <a:srgbClr val="FF0000"/>
-                </a:solidFill>
-                <a:latin typeface="Times New Roman" pitchFamily="18" charset="0"/>
-                <a:cs typeface="Times New Roman" pitchFamily="18" charset="0"/>
-              </a:rPr>
-              <a:t> </a:t>
-            </a:r>
-            <a:r>
-              <a:rPr lang="en-US" altLang="zh-TW" sz="3200" b="1" dirty="0" err="1">
-                <a:solidFill>
-                  <a:srgbClr val="FF0000"/>
-                </a:solidFill>
-                <a:latin typeface="Times New Roman" pitchFamily="18" charset="0"/>
-                <a:cs typeface="Times New Roman" pitchFamily="18" charset="0"/>
-              </a:rPr>
-              <a:t>đừng</a:t>
-            </a:r>
-            <a:r>
-              <a:rPr lang="en-US" altLang="zh-TW" sz="3200" b="1" dirty="0">
-                <a:solidFill>
-                  <a:srgbClr val="FF0000"/>
-                </a:solidFill>
-                <a:latin typeface="Times New Roman" pitchFamily="18" charset="0"/>
-                <a:cs typeface="Times New Roman" pitchFamily="18" charset="0"/>
-              </a:rPr>
-              <a:t> </a:t>
-            </a:r>
-            <a:r>
-              <a:rPr lang="en-US" altLang="zh-TW" sz="3200" b="1" dirty="0" err="1">
-                <a:solidFill>
-                  <a:srgbClr val="FF0000"/>
-                </a:solidFill>
-                <a:latin typeface="Times New Roman" pitchFamily="18" charset="0"/>
-                <a:cs typeface="Times New Roman" pitchFamily="18" charset="0"/>
-              </a:rPr>
-              <a:t>ngưỡng</a:t>
-            </a:r>
-            <a:r>
-              <a:rPr lang="en-US" altLang="zh-TW" sz="3200" b="1" dirty="0">
-                <a:solidFill>
-                  <a:srgbClr val="FF0000"/>
-                </a:solidFill>
-                <a:latin typeface="Times New Roman" pitchFamily="18" charset="0"/>
-                <a:cs typeface="Times New Roman" pitchFamily="18" charset="0"/>
-              </a:rPr>
-              <a:t> </a:t>
-            </a:r>
-            <a:r>
-              <a:rPr lang="en-US" altLang="zh-TW" sz="3200" b="1" dirty="0" err="1">
-                <a:solidFill>
-                  <a:srgbClr val="FF0000"/>
-                </a:solidFill>
-                <a:latin typeface="Times New Roman" pitchFamily="18" charset="0"/>
-                <a:cs typeface="Times New Roman" pitchFamily="18" charset="0"/>
-              </a:rPr>
-              <a:t>mộ</a:t>
-            </a:r>
-            <a:r>
-              <a:rPr lang="en-US" altLang="zh-TW" sz="3200" b="1" dirty="0">
-                <a:solidFill>
-                  <a:srgbClr val="FF0000"/>
-                </a:solidFill>
-                <a:latin typeface="Times New Roman" pitchFamily="18" charset="0"/>
-                <a:cs typeface="Times New Roman" pitchFamily="18" charset="0"/>
-              </a:rPr>
-              <a:t> </a:t>
-            </a:r>
-            <a:r>
-              <a:rPr lang="en-US" altLang="zh-TW" sz="3200" b="1" dirty="0" err="1">
-                <a:solidFill>
-                  <a:srgbClr val="FF0000"/>
-                </a:solidFill>
-                <a:latin typeface="Times New Roman" pitchFamily="18" charset="0"/>
-                <a:cs typeface="Times New Roman" pitchFamily="18" charset="0"/>
-              </a:rPr>
-              <a:t>nó</a:t>
-            </a:r>
-            <a:endParaRPr lang="zh-TW" altLang="en-US" sz="3200" b="1" dirty="0">
-              <a:solidFill>
-                <a:srgbClr val="FF0000"/>
-              </a:solidFill>
-              <a:latin typeface="Times New Roman" pitchFamily="18" charset="0"/>
-              <a:cs typeface="Times New Roman" pitchFamily="18" charset="0"/>
+            <a:endParaRPr lang="vi-VN" sz="5400" b="1" dirty="0">
+              <a:ea typeface="Microsoft JhengHei" panose="020B0604030504040204" pitchFamily="34" charset="-120"/>
             </a:endParaRPr>
           </a:p>
         </p:txBody>
@@ -3781,20 +3268,13 @@
     </p:spTree>
     <p:extLst>
       <p:ext uri="{BB962C8B-B14F-4D97-AF65-F5344CB8AC3E}">
-        <p14:creationId xmlns:p14="http://schemas.microsoft.com/office/powerpoint/2010/main" val="1138220689"/>
+        <p14:creationId xmlns:p14="http://schemas.microsoft.com/office/powerpoint/2010/main" val="2389139745"/>
       </p:ext>
     </p:extLst>
   </p:cSld>
   <p:clrMapOvr>
     <a:masterClrMapping/>
   </p:clrMapOvr>
-  <p:timing>
-    <p:tnLst>
-      <p:par>
-        <p:cTn id="1" dur="indefinite" restart="never" nodeType="tmRoot"/>
-      </p:par>
-    </p:tnLst>
-  </p:timing>
 </p:sld>
 </file>
 
@@ -3817,7 +3297,7 @@
       </p:grpSpPr>
       <p:sp>
         <p:nvSpPr>
-          <p:cNvPr id="4" name="標題 3"/>
+          <p:cNvPr id="2" name="Title 1"/>
           <p:cNvSpPr>
             <a:spLocks noGrp="1"/>
           </p:cNvSpPr>
@@ -3825,77 +3305,70 @@
             <p:ph type="title"/>
           </p:nvPr>
         </p:nvSpPr>
-        <p:spPr>
-          <a:xfrm>
-            <a:off x="1981200" y="71414"/>
-            <a:ext cx="8229600" cy="1143000"/>
-          </a:xfrm>
-        </p:spPr>
-        <p:txBody>
-          <a:bodyPr/>
-          <a:lstStyle/>
-          <a:p>
-            <a:r>
-              <a:rPr lang="zh-TW" altLang="en-US" b="1" dirty="0" smtClean="0">
-                <a:solidFill>
-                  <a:srgbClr val="660033"/>
-                </a:solidFill>
-                <a:latin typeface="微軟正黑體" pitchFamily="34" charset="-120"/>
-                <a:ea typeface="微軟正黑體" pitchFamily="34" charset="-120"/>
-              </a:rPr>
-              <a:t>金錢不是萬能</a:t>
-            </a:r>
-            <a:endParaRPr lang="en-US" b="1" dirty="0">
-              <a:solidFill>
-                <a:srgbClr val="660033"/>
-              </a:solidFill>
-              <a:latin typeface="微軟正黑體" pitchFamily="34" charset="-120"/>
-              <a:ea typeface="微軟正黑體" pitchFamily="34" charset="-120"/>
-            </a:endParaRPr>
-          </a:p>
-        </p:txBody>
-      </p:sp>
-      <p:sp>
-        <p:nvSpPr>
-          <p:cNvPr id="5" name="內容版面配置區 4"/>
-          <p:cNvSpPr>
-            <a:spLocks noGrp="1"/>
-          </p:cNvSpPr>
-          <p:nvPr>
-            <p:ph idx="1"/>
-          </p:nvPr>
-        </p:nvSpPr>
-        <p:spPr>
-          <a:xfrm>
-            <a:off x="1981200" y="1285861"/>
-            <a:ext cx="8229600" cy="3223259"/>
-          </a:xfrm>
-        </p:spPr>
+        <p:spPr/>
         <p:txBody>
           <a:bodyPr>
             <a:normAutofit/>
           </a:bodyPr>
           <a:lstStyle/>
           <a:p>
+            <a:r>
+              <a:rPr lang="zh-TW" altLang="en-US" sz="4800" b="1" dirty="0">
+                <a:latin typeface="Microsoft JhengHei" panose="020B0604030504040204" pitchFamily="34" charset="-120"/>
+                <a:ea typeface="Microsoft JhengHei" panose="020B0604030504040204" pitchFamily="34" charset="-120"/>
+              </a:rPr>
+              <a:t>金錢不是萬能</a:t>
+            </a:r>
+            <a:endParaRPr lang="vi-VN" sz="4800" b="1" dirty="0">
+              <a:ea typeface="Microsoft JhengHei" panose="020B0604030504040204" pitchFamily="34" charset="-120"/>
+            </a:endParaRPr>
+          </a:p>
+        </p:txBody>
+      </p:sp>
+      <p:sp>
+        <p:nvSpPr>
+          <p:cNvPr id="3" name="Content Placeholder 2"/>
+          <p:cNvSpPr>
+            <a:spLocks noGrp="1"/>
+          </p:cNvSpPr>
+          <p:nvPr>
+            <p:ph idx="1"/>
+          </p:nvPr>
+        </p:nvSpPr>
+        <p:spPr/>
+        <p:txBody>
+          <a:bodyPr>
+            <a:normAutofit/>
+          </a:bodyPr>
+          <a:lstStyle/>
+          <a:p>
             <a:pPr marL="0" indent="0" algn="ctr">
               <a:buNone/>
             </a:pPr>
             <a:r>
-              <a:rPr lang="zh-TW" altLang="en-US" sz="4000" b="1" dirty="0">
-                <a:solidFill>
-                  <a:srgbClr val="660033"/>
-                </a:solidFill>
-                <a:latin typeface="微軟正黑體" pitchFamily="34" charset="-120"/>
-                <a:ea typeface="微軟正黑體" pitchFamily="34" charset="-120"/>
+              <a:rPr lang="zh-TW" altLang="en-US" sz="5400" b="1" dirty="0">
+                <a:latin typeface="Microsoft JhengHei" panose="020B0604030504040204" pitchFamily="34" charset="-120"/>
+                <a:ea typeface="Microsoft JhengHei" panose="020B0604030504040204" pitchFamily="34" charset="-120"/>
               </a:rPr>
-              <a:t>靠神真富足  靠神才有出路</a:t>
-            </a:r>
-            <a:endParaRPr lang="en-US" altLang="zh-TW" sz="4000" b="1" dirty="0">
-              <a:solidFill>
-                <a:srgbClr val="660033"/>
-              </a:solidFill>
-              <a:latin typeface="微軟正黑體" pitchFamily="34" charset="-120"/>
-              <a:ea typeface="微軟正黑體" pitchFamily="34" charset="-120"/>
+              <a:t>靠神真富</a:t>
+            </a:r>
+            <a:r>
+              <a:rPr lang="zh-TW" altLang="en-US" sz="5400" b="1" dirty="0">
+                <a:latin typeface="Microsoft JhengHei" panose="020B0604030504040204" pitchFamily="34" charset="-120"/>
+                <a:ea typeface="Microsoft JhengHei" panose="020B0604030504040204" pitchFamily="34" charset="-120"/>
+              </a:rPr>
+              <a:t>足  靠</a:t>
+            </a:r>
+            <a:r>
+              <a:rPr lang="zh-TW" altLang="en-US" sz="5400" b="1" dirty="0">
+                <a:latin typeface="Microsoft JhengHei" panose="020B0604030504040204" pitchFamily="34" charset="-120"/>
+                <a:ea typeface="Microsoft JhengHei" panose="020B0604030504040204" pitchFamily="34" charset="-120"/>
+              </a:rPr>
+              <a:t>神才有出路　</a:t>
+            </a:r>
+            <a:endParaRPr lang="en-US" altLang="zh-TW" sz="5400" b="1" dirty="0">
+              <a:latin typeface="Microsoft JhengHei" panose="020B0604030504040204" pitchFamily="34" charset="-120"/>
+              <a:ea typeface="Microsoft JhengHei" panose="020B0604030504040204" pitchFamily="34" charset="-120"/>
             </a:endParaRPr>
           </a:p>
           <a:p>
@@ -3903,21 +3376,22 @@
               <a:buNone/>
             </a:pPr>
             <a:r>
-              <a:rPr lang="zh-TW" altLang="en-US" sz="4000" b="1" dirty="0">
-                <a:solidFill>
-                  <a:srgbClr val="660033"/>
-                </a:solidFill>
-                <a:latin typeface="微軟正黑體" pitchFamily="34" charset="-120"/>
-                <a:ea typeface="微軟正黑體" pitchFamily="34" charset="-120"/>
+              <a:rPr lang="zh-TW" altLang="en-US" sz="5400" b="1" dirty="0">
+                <a:latin typeface="Microsoft JhengHei" panose="020B0604030504040204" pitchFamily="34" charset="-120"/>
+                <a:ea typeface="Microsoft JhengHei" panose="020B0604030504040204" pitchFamily="34" charset="-120"/>
               </a:rPr>
-              <a:t>祂是天上的父</a:t>
-            </a:r>
-            <a:endParaRPr lang="en-US" altLang="zh-TW" sz="4000" b="1" dirty="0">
-              <a:solidFill>
-                <a:srgbClr val="660033"/>
-              </a:solidFill>
-              <a:latin typeface="微軟正黑體" pitchFamily="34" charset="-120"/>
-              <a:ea typeface="微軟正黑體" pitchFamily="34" charset="-120"/>
+              <a:t>祂</a:t>
+            </a:r>
+            <a:r>
+              <a:rPr lang="zh-TW" altLang="en-US" sz="5400" b="1" dirty="0">
+                <a:latin typeface="Microsoft JhengHei" panose="020B0604030504040204" pitchFamily="34" charset="-120"/>
+                <a:ea typeface="Microsoft JhengHei" panose="020B0604030504040204" pitchFamily="34" charset="-120"/>
+              </a:rPr>
+              <a:t>是天上的父 </a:t>
+            </a:r>
+            <a:endParaRPr lang="en-US" altLang="zh-TW" sz="5400" b="1" dirty="0">
+              <a:latin typeface="Microsoft JhengHei" panose="020B0604030504040204" pitchFamily="34" charset="-120"/>
+              <a:ea typeface="Microsoft JhengHei" panose="020B0604030504040204" pitchFamily="34" charset="-120"/>
             </a:endParaRPr>
           </a:p>
           <a:p>
@@ -3925,21 +3399,36 @@
               <a:buNone/>
             </a:pPr>
             <a:r>
-              <a:rPr lang="zh-TW" altLang="en-US" sz="4000" b="1" dirty="0">
-                <a:solidFill>
-                  <a:srgbClr val="660033"/>
-                </a:solidFill>
-                <a:latin typeface="微軟正黑體" pitchFamily="34" charset="-120"/>
-                <a:ea typeface="微軟正黑體" pitchFamily="34" charset="-120"/>
+              <a:rPr lang="zh-TW" altLang="en-US" sz="5400" b="1" dirty="0">
+                <a:latin typeface="Microsoft JhengHei" panose="020B0604030504040204" pitchFamily="34" charset="-120"/>
+                <a:ea typeface="Microsoft JhengHei" panose="020B0604030504040204" pitchFamily="34" charset="-120"/>
               </a:rPr>
-              <a:t>靠神真富足  靠神才有出路</a:t>
-            </a:r>
-            <a:endParaRPr lang="en-US" altLang="zh-TW" sz="4000" b="1" dirty="0">
-              <a:solidFill>
-                <a:srgbClr val="660033"/>
-              </a:solidFill>
-              <a:latin typeface="微軟正黑體" pitchFamily="34" charset="-120"/>
-              <a:ea typeface="微軟正黑體" pitchFamily="34" charset="-120"/>
+              <a:t>靠</a:t>
+            </a:r>
+            <a:r>
+              <a:rPr lang="zh-TW" altLang="en-US" sz="5400" b="1" dirty="0">
+                <a:latin typeface="Microsoft JhengHei" panose="020B0604030504040204" pitchFamily="34" charset="-120"/>
+                <a:ea typeface="Microsoft JhengHei" panose="020B0604030504040204" pitchFamily="34" charset="-120"/>
+              </a:rPr>
+              <a:t>神真富</a:t>
+            </a:r>
+            <a:r>
+              <a:rPr lang="zh-TW" altLang="en-US" sz="5400" b="1" dirty="0">
+                <a:latin typeface="Microsoft JhengHei" panose="020B0604030504040204" pitchFamily="34" charset="-120"/>
+                <a:ea typeface="Microsoft JhengHei" panose="020B0604030504040204" pitchFamily="34" charset="-120"/>
+              </a:rPr>
+              <a:t>足  靠</a:t>
+            </a:r>
+            <a:r>
+              <a:rPr lang="zh-TW" altLang="en-US" sz="5400" b="1" dirty="0">
+                <a:latin typeface="Microsoft JhengHei" panose="020B0604030504040204" pitchFamily="34" charset="-120"/>
+                <a:ea typeface="Microsoft JhengHei" panose="020B0604030504040204" pitchFamily="34" charset="-120"/>
+              </a:rPr>
+              <a:t>神才有出路　</a:t>
+            </a:r>
+            <a:endParaRPr lang="en-US" altLang="zh-TW" sz="5400" b="1" dirty="0">
+              <a:latin typeface="Microsoft JhengHei" panose="020B0604030504040204" pitchFamily="34" charset="-120"/>
+              <a:ea typeface="Microsoft JhengHei" panose="020B0604030504040204" pitchFamily="34" charset="-120"/>
             </a:endParaRPr>
           </a:p>
           <a:p>
@@ -3947,494 +3436,22 @@
               <a:buNone/>
             </a:pPr>
             <a:r>
-              <a:rPr lang="zh-TW" altLang="en-US" sz="4000" b="1" dirty="0">
-                <a:solidFill>
-                  <a:srgbClr val="660033"/>
-                </a:solidFill>
-                <a:latin typeface="微軟正黑體" pitchFamily="34" charset="-120"/>
-                <a:ea typeface="微軟正黑體" pitchFamily="34" charset="-120"/>
+              <a:rPr lang="zh-TW" altLang="en-US" sz="5400" b="1" dirty="0">
+                <a:latin typeface="Microsoft JhengHei" panose="020B0604030504040204" pitchFamily="34" charset="-120"/>
+                <a:ea typeface="Microsoft JhengHei" panose="020B0604030504040204" pitchFamily="34" charset="-120"/>
               </a:rPr>
-              <a:t>靠祂真正有福</a:t>
-            </a:r>
-            <a:endParaRPr lang="en-US" sz="4000" b="1" dirty="0">
-              <a:solidFill>
-                <a:srgbClr val="660033"/>
-              </a:solidFill>
-              <a:latin typeface="微軟正黑體" pitchFamily="34" charset="-120"/>
-              <a:ea typeface="微軟正黑體" pitchFamily="34" charset="-120"/>
-            </a:endParaRPr>
-          </a:p>
-        </p:txBody>
-      </p:sp>
-      <p:sp>
-        <p:nvSpPr>
-          <p:cNvPr id="6" name="文字方塊 5"/>
-          <p:cNvSpPr txBox="1"/>
-          <p:nvPr/>
-        </p:nvSpPr>
-        <p:spPr>
-          <a:xfrm>
-            <a:off x="0" y="4502759"/>
-            <a:ext cx="12192000" cy="2062103"/>
-          </a:xfrm>
-          <a:prstGeom prst="rect">
-            <a:avLst/>
-          </a:prstGeom>
-          <a:noFill/>
-        </p:spPr>
-        <p:txBody>
-          <a:bodyPr wrap="square" rtlCol="0">
-            <a:spAutoFit/>
-          </a:bodyPr>
-          <a:lstStyle/>
-          <a:p>
-            <a:pPr algn="ctr"/>
-            <a:r>
-              <a:rPr lang="en-US" altLang="zh-TW" sz="3200" b="1" dirty="0" err="1">
-                <a:solidFill>
-                  <a:srgbClr val="FF0000"/>
-                </a:solidFill>
-                <a:latin typeface="Times New Roman" pitchFamily="18" charset="0"/>
-                <a:cs typeface="Times New Roman" pitchFamily="18" charset="0"/>
+              <a:t>靠</a:t>
+            </a:r>
+            <a:r>
+              <a:rPr lang="zh-TW" altLang="en-US" sz="5400" b="1" dirty="0">
+                <a:latin typeface="Microsoft JhengHei" panose="020B0604030504040204" pitchFamily="34" charset="-120"/>
+                <a:ea typeface="Microsoft JhengHei" panose="020B0604030504040204" pitchFamily="34" charset="-120"/>
               </a:rPr>
-              <a:t>Cậy</a:t>
-            </a:r>
-            <a:r>
-              <a:rPr lang="en-US" altLang="zh-TW" sz="3200" b="1" dirty="0">
-                <a:solidFill>
-                  <a:srgbClr val="FF0000"/>
-                </a:solidFill>
-                <a:latin typeface="Times New Roman" pitchFamily="18" charset="0"/>
-                <a:cs typeface="Times New Roman" pitchFamily="18" charset="0"/>
-              </a:rPr>
-              <a:t> </a:t>
-            </a:r>
-            <a:r>
-              <a:rPr lang="en-US" altLang="zh-TW" sz="3200" b="1" dirty="0" err="1">
-                <a:solidFill>
-                  <a:srgbClr val="FF0000"/>
-                </a:solidFill>
-                <a:latin typeface="Times New Roman" pitchFamily="18" charset="0"/>
-                <a:cs typeface="Times New Roman" pitchFamily="18" charset="0"/>
-              </a:rPr>
-              <a:t>nơi</a:t>
-            </a:r>
-            <a:r>
-              <a:rPr lang="en-US" altLang="zh-TW" sz="3200" b="1" dirty="0">
-                <a:solidFill>
-                  <a:srgbClr val="FF0000"/>
-                </a:solidFill>
-                <a:latin typeface="Times New Roman" pitchFamily="18" charset="0"/>
-                <a:cs typeface="Times New Roman" pitchFamily="18" charset="0"/>
-              </a:rPr>
-              <a:t> </a:t>
-            </a:r>
-            <a:r>
-              <a:rPr lang="en-US" altLang="zh-TW" sz="3200" b="1" dirty="0" err="1">
-                <a:solidFill>
-                  <a:srgbClr val="FF0000"/>
-                </a:solidFill>
-                <a:latin typeface="Times New Roman" pitchFamily="18" charset="0"/>
-                <a:cs typeface="Times New Roman" pitchFamily="18" charset="0"/>
-              </a:rPr>
-              <a:t>Chúa</a:t>
-            </a:r>
-            <a:r>
-              <a:rPr lang="en-US" altLang="zh-TW" sz="3200" b="1" dirty="0">
-                <a:solidFill>
-                  <a:srgbClr val="FF0000"/>
-                </a:solidFill>
-                <a:latin typeface="Times New Roman" pitchFamily="18" charset="0"/>
-                <a:cs typeface="Times New Roman" pitchFamily="18" charset="0"/>
-              </a:rPr>
-              <a:t> </a:t>
-            </a:r>
-            <a:r>
-              <a:rPr lang="en-US" altLang="zh-TW" sz="3200" b="1" dirty="0" err="1">
-                <a:solidFill>
-                  <a:srgbClr val="FF0000"/>
-                </a:solidFill>
-                <a:latin typeface="Times New Roman" pitchFamily="18" charset="0"/>
-                <a:cs typeface="Times New Roman" pitchFamily="18" charset="0"/>
-              </a:rPr>
-              <a:t>được</a:t>
-            </a:r>
-            <a:r>
-              <a:rPr lang="en-US" altLang="zh-TW" sz="3200" b="1" dirty="0">
-                <a:solidFill>
-                  <a:srgbClr val="FF0000"/>
-                </a:solidFill>
-                <a:latin typeface="Times New Roman" pitchFamily="18" charset="0"/>
-                <a:cs typeface="Times New Roman" pitchFamily="18" charset="0"/>
-              </a:rPr>
-              <a:t> </a:t>
-            </a:r>
-            <a:r>
-              <a:rPr lang="en-US" altLang="zh-TW" sz="3200" b="1" dirty="0" err="1">
-                <a:solidFill>
-                  <a:srgbClr val="FF0000"/>
-                </a:solidFill>
-                <a:latin typeface="Times New Roman" pitchFamily="18" charset="0"/>
-                <a:cs typeface="Times New Roman" pitchFamily="18" charset="0"/>
-              </a:rPr>
-              <a:t>đầy</a:t>
-            </a:r>
-            <a:r>
-              <a:rPr lang="en-US" altLang="zh-TW" sz="3200" b="1" dirty="0">
-                <a:solidFill>
-                  <a:srgbClr val="FF0000"/>
-                </a:solidFill>
-                <a:latin typeface="Times New Roman" pitchFamily="18" charset="0"/>
-                <a:cs typeface="Times New Roman" pitchFamily="18" charset="0"/>
-              </a:rPr>
-              <a:t> </a:t>
-            </a:r>
-            <a:r>
-              <a:rPr lang="en-US" altLang="zh-TW" sz="3200" b="1" dirty="0" err="1">
-                <a:solidFill>
-                  <a:srgbClr val="FF0000"/>
-                </a:solidFill>
-                <a:latin typeface="Times New Roman" pitchFamily="18" charset="0"/>
-                <a:cs typeface="Times New Roman" pitchFamily="18" charset="0"/>
-              </a:rPr>
-              <a:t>đủ</a:t>
-            </a:r>
-            <a:r>
-              <a:rPr lang="en-US" altLang="zh-TW" sz="3200" b="1" dirty="0">
-                <a:solidFill>
-                  <a:srgbClr val="FF0000"/>
-                </a:solidFill>
-                <a:latin typeface="Times New Roman" pitchFamily="18" charset="0"/>
-                <a:cs typeface="Times New Roman" pitchFamily="18" charset="0"/>
-              </a:rPr>
-              <a:t> </a:t>
-            </a:r>
-            <a:endParaRPr lang="en-US" altLang="zh-TW" sz="3200" b="1" dirty="0" smtClean="0">
-              <a:solidFill>
-                <a:srgbClr val="FF0000"/>
-              </a:solidFill>
-              <a:latin typeface="Times New Roman" pitchFamily="18" charset="0"/>
-              <a:cs typeface="Times New Roman" pitchFamily="18" charset="0"/>
-            </a:endParaRPr>
-          </a:p>
-          <a:p>
-            <a:pPr algn="ctr"/>
-            <a:r>
-              <a:rPr lang="en-US" altLang="zh-TW" sz="3200" b="1" dirty="0" err="1" smtClean="0">
-                <a:solidFill>
-                  <a:srgbClr val="FF0000"/>
-                </a:solidFill>
-                <a:latin typeface="Times New Roman" pitchFamily="18" charset="0"/>
-                <a:cs typeface="Times New Roman" pitchFamily="18" charset="0"/>
-              </a:rPr>
-              <a:t>và</a:t>
-            </a:r>
-            <a:r>
-              <a:rPr lang="en-US" altLang="zh-TW" sz="3200" b="1" dirty="0" smtClean="0">
-                <a:solidFill>
-                  <a:srgbClr val="FF0000"/>
-                </a:solidFill>
-                <a:latin typeface="Times New Roman" pitchFamily="18" charset="0"/>
-                <a:cs typeface="Times New Roman" pitchFamily="18" charset="0"/>
-              </a:rPr>
-              <a:t> </a:t>
-            </a:r>
-            <a:r>
-              <a:rPr lang="en-US" altLang="zh-TW" sz="3200" b="1" dirty="0" err="1">
-                <a:solidFill>
-                  <a:srgbClr val="FF0000"/>
-                </a:solidFill>
-                <a:latin typeface="Times New Roman" pitchFamily="18" charset="0"/>
-                <a:cs typeface="Times New Roman" pitchFamily="18" charset="0"/>
-              </a:rPr>
-              <a:t>được</a:t>
-            </a:r>
-            <a:r>
-              <a:rPr lang="en-US" altLang="zh-TW" sz="3200" b="1" dirty="0">
-                <a:solidFill>
-                  <a:srgbClr val="FF0000"/>
-                </a:solidFill>
-                <a:latin typeface="Times New Roman" pitchFamily="18" charset="0"/>
-                <a:cs typeface="Times New Roman" pitchFamily="18" charset="0"/>
-              </a:rPr>
-              <a:t> </a:t>
-            </a:r>
-            <a:r>
-              <a:rPr lang="en-US" altLang="zh-TW" sz="3200" b="1" dirty="0" err="1">
-                <a:solidFill>
-                  <a:srgbClr val="FF0000"/>
-                </a:solidFill>
-                <a:latin typeface="Times New Roman" pitchFamily="18" charset="0"/>
-                <a:cs typeface="Times New Roman" pitchFamily="18" charset="0"/>
-              </a:rPr>
-              <a:t>hướng</a:t>
-            </a:r>
-            <a:r>
-              <a:rPr lang="en-US" altLang="zh-TW" sz="3200" b="1" dirty="0">
-                <a:solidFill>
-                  <a:srgbClr val="FF0000"/>
-                </a:solidFill>
-                <a:latin typeface="Times New Roman" pitchFamily="18" charset="0"/>
-                <a:cs typeface="Times New Roman" pitchFamily="18" charset="0"/>
-              </a:rPr>
-              <a:t> </a:t>
-            </a:r>
-            <a:r>
-              <a:rPr lang="en-US" altLang="zh-TW" sz="3200" b="1" dirty="0" err="1">
-                <a:solidFill>
-                  <a:srgbClr val="FF0000"/>
-                </a:solidFill>
-                <a:latin typeface="Times New Roman" pitchFamily="18" charset="0"/>
-                <a:cs typeface="Times New Roman" pitchFamily="18" charset="0"/>
-              </a:rPr>
-              <a:t>dẫn</a:t>
-            </a:r>
-            <a:r>
-              <a:rPr lang="en-US" altLang="zh-TW" sz="3200" b="1" dirty="0">
-                <a:solidFill>
-                  <a:srgbClr val="FF0000"/>
-                </a:solidFill>
-                <a:latin typeface="Times New Roman" pitchFamily="18" charset="0"/>
-                <a:cs typeface="Times New Roman" pitchFamily="18" charset="0"/>
-              </a:rPr>
-              <a:t> </a:t>
-            </a:r>
-            <a:r>
-              <a:rPr lang="en-US" altLang="zh-TW" sz="3200" b="1" dirty="0" err="1">
-                <a:solidFill>
-                  <a:srgbClr val="FF0000"/>
-                </a:solidFill>
-                <a:latin typeface="Times New Roman" pitchFamily="18" charset="0"/>
-                <a:cs typeface="Times New Roman" pitchFamily="18" charset="0"/>
-              </a:rPr>
-              <a:t>đường</a:t>
-            </a:r>
-            <a:r>
-              <a:rPr lang="en-US" altLang="zh-TW" sz="3200" b="1" dirty="0">
-                <a:solidFill>
-                  <a:srgbClr val="FF0000"/>
-                </a:solidFill>
-                <a:latin typeface="Times New Roman" pitchFamily="18" charset="0"/>
-                <a:cs typeface="Times New Roman" pitchFamily="18" charset="0"/>
-              </a:rPr>
-              <a:t> </a:t>
-            </a:r>
-            <a:r>
-              <a:rPr lang="en-US" altLang="zh-TW" sz="3200" b="1" dirty="0" err="1">
-                <a:solidFill>
-                  <a:srgbClr val="FF0000"/>
-                </a:solidFill>
-                <a:latin typeface="Times New Roman" pitchFamily="18" charset="0"/>
-                <a:cs typeface="Times New Roman" pitchFamily="18" charset="0"/>
-              </a:rPr>
-              <a:t>đi</a:t>
-            </a:r>
-            <a:endParaRPr lang="en-US" altLang="zh-TW" sz="3200" b="1" dirty="0">
-              <a:solidFill>
-                <a:srgbClr val="FF0000"/>
-              </a:solidFill>
-              <a:latin typeface="Times New Roman" pitchFamily="18" charset="0"/>
-              <a:cs typeface="Times New Roman" pitchFamily="18" charset="0"/>
-            </a:endParaRPr>
-          </a:p>
-          <a:p>
-            <a:pPr algn="ctr"/>
-            <a:r>
-              <a:rPr lang="en-US" altLang="zh-TW" sz="3200" b="1" dirty="0" err="1">
-                <a:solidFill>
-                  <a:srgbClr val="FF0000"/>
-                </a:solidFill>
-                <a:latin typeface="Times New Roman" pitchFamily="18" charset="0"/>
-                <a:cs typeface="Times New Roman" pitchFamily="18" charset="0"/>
-              </a:rPr>
-              <a:t>Ngài</a:t>
-            </a:r>
-            <a:r>
-              <a:rPr lang="en-US" altLang="zh-TW" sz="3200" b="1" dirty="0">
-                <a:solidFill>
-                  <a:srgbClr val="FF0000"/>
-                </a:solidFill>
-                <a:latin typeface="Times New Roman" pitchFamily="18" charset="0"/>
-                <a:cs typeface="Times New Roman" pitchFamily="18" charset="0"/>
-              </a:rPr>
-              <a:t> </a:t>
-            </a:r>
-            <a:r>
-              <a:rPr lang="en-US" altLang="zh-TW" sz="3200" b="1" dirty="0" err="1">
-                <a:solidFill>
-                  <a:srgbClr val="FF0000"/>
-                </a:solidFill>
-                <a:latin typeface="Times New Roman" pitchFamily="18" charset="0"/>
-                <a:cs typeface="Times New Roman" pitchFamily="18" charset="0"/>
-              </a:rPr>
-              <a:t>là</a:t>
-            </a:r>
-            <a:r>
-              <a:rPr lang="en-US" altLang="zh-TW" sz="3200" b="1" dirty="0">
-                <a:solidFill>
-                  <a:srgbClr val="FF0000"/>
-                </a:solidFill>
-                <a:latin typeface="Times New Roman" pitchFamily="18" charset="0"/>
-                <a:cs typeface="Times New Roman" pitchFamily="18" charset="0"/>
-              </a:rPr>
-              <a:t> Cha </a:t>
-            </a:r>
-            <a:r>
-              <a:rPr lang="en-US" altLang="zh-TW" sz="3200" b="1" dirty="0" err="1">
-                <a:solidFill>
-                  <a:srgbClr val="FF0000"/>
-                </a:solidFill>
-                <a:latin typeface="Times New Roman" pitchFamily="18" charset="0"/>
-                <a:cs typeface="Times New Roman" pitchFamily="18" charset="0"/>
-              </a:rPr>
-              <a:t>Thiên</a:t>
-            </a:r>
-            <a:r>
-              <a:rPr lang="en-US" altLang="zh-TW" sz="3200" b="1" dirty="0">
-                <a:solidFill>
-                  <a:srgbClr val="FF0000"/>
-                </a:solidFill>
-                <a:latin typeface="Times New Roman" pitchFamily="18" charset="0"/>
-                <a:cs typeface="Times New Roman" pitchFamily="18" charset="0"/>
-              </a:rPr>
-              <a:t> </a:t>
-            </a:r>
-            <a:r>
-              <a:rPr lang="en-US" altLang="zh-TW" sz="3200" b="1" dirty="0" err="1" smtClean="0">
-                <a:solidFill>
-                  <a:srgbClr val="FF0000"/>
-                </a:solidFill>
-                <a:latin typeface="Times New Roman" pitchFamily="18" charset="0"/>
-                <a:cs typeface="Times New Roman" pitchFamily="18" charset="0"/>
-              </a:rPr>
-              <a:t>Thượng</a:t>
-            </a:r>
-            <a:endParaRPr lang="en-US" altLang="zh-TW" sz="3200" b="1" dirty="0" smtClean="0">
-              <a:solidFill>
-                <a:srgbClr val="FF0000"/>
-              </a:solidFill>
-              <a:latin typeface="Times New Roman" pitchFamily="18" charset="0"/>
-              <a:cs typeface="Times New Roman" pitchFamily="18" charset="0"/>
-            </a:endParaRPr>
-          </a:p>
-          <a:p>
-            <a:pPr algn="ctr"/>
-            <a:r>
-              <a:rPr lang="en-US" altLang="zh-TW" sz="3200" b="1" dirty="0" err="1" smtClean="0">
-                <a:solidFill>
-                  <a:srgbClr val="FF0000"/>
-                </a:solidFill>
-                <a:latin typeface="Times New Roman" pitchFamily="18" charset="0"/>
-                <a:cs typeface="Times New Roman" pitchFamily="18" charset="0"/>
-              </a:rPr>
-              <a:t>cậy</a:t>
-            </a:r>
-            <a:r>
-              <a:rPr lang="en-US" altLang="zh-TW" sz="3200" b="1" dirty="0" smtClean="0">
-                <a:solidFill>
-                  <a:srgbClr val="FF0000"/>
-                </a:solidFill>
-                <a:latin typeface="Times New Roman" pitchFamily="18" charset="0"/>
-                <a:cs typeface="Times New Roman" pitchFamily="18" charset="0"/>
-              </a:rPr>
-              <a:t> </a:t>
-            </a:r>
-            <a:r>
-              <a:rPr lang="en-US" altLang="zh-TW" sz="3200" b="1" dirty="0" err="1">
-                <a:solidFill>
-                  <a:srgbClr val="FF0000"/>
-                </a:solidFill>
-                <a:latin typeface="Times New Roman" pitchFamily="18" charset="0"/>
-                <a:cs typeface="Times New Roman" pitchFamily="18" charset="0"/>
-              </a:rPr>
-              <a:t>nơi</a:t>
-            </a:r>
-            <a:r>
-              <a:rPr lang="en-US" altLang="zh-TW" sz="3200" b="1" dirty="0">
-                <a:solidFill>
-                  <a:srgbClr val="FF0000"/>
-                </a:solidFill>
-                <a:latin typeface="Times New Roman" pitchFamily="18" charset="0"/>
-                <a:cs typeface="Times New Roman" pitchFamily="18" charset="0"/>
-              </a:rPr>
-              <a:t> </a:t>
-            </a:r>
-            <a:r>
-              <a:rPr lang="en-US" altLang="zh-TW" sz="3200" b="1" dirty="0" err="1">
-                <a:solidFill>
-                  <a:srgbClr val="FF0000"/>
-                </a:solidFill>
-                <a:latin typeface="Times New Roman" pitchFamily="18" charset="0"/>
-                <a:cs typeface="Times New Roman" pitchFamily="18" charset="0"/>
-              </a:rPr>
-              <a:t>Ngài</a:t>
-            </a:r>
-            <a:r>
-              <a:rPr lang="en-US" altLang="zh-TW" sz="3200" b="1" dirty="0">
-                <a:solidFill>
-                  <a:srgbClr val="FF0000"/>
-                </a:solidFill>
-                <a:latin typeface="Times New Roman" pitchFamily="18" charset="0"/>
-                <a:cs typeface="Times New Roman" pitchFamily="18" charset="0"/>
-              </a:rPr>
-              <a:t> </a:t>
-            </a:r>
-            <a:r>
-              <a:rPr lang="en-US" altLang="zh-TW" sz="3200" b="1" dirty="0" err="1">
-                <a:solidFill>
-                  <a:srgbClr val="FF0000"/>
-                </a:solidFill>
-                <a:latin typeface="Times New Roman" pitchFamily="18" charset="0"/>
-                <a:cs typeface="Times New Roman" pitchFamily="18" charset="0"/>
-              </a:rPr>
-              <a:t>thật</a:t>
-            </a:r>
-            <a:r>
-              <a:rPr lang="en-US" altLang="zh-TW" sz="3200" b="1" dirty="0">
-                <a:solidFill>
-                  <a:srgbClr val="FF0000"/>
-                </a:solidFill>
-                <a:latin typeface="Times New Roman" pitchFamily="18" charset="0"/>
-                <a:cs typeface="Times New Roman" pitchFamily="18" charset="0"/>
-              </a:rPr>
-              <a:t> </a:t>
-            </a:r>
-            <a:r>
-              <a:rPr lang="en-US" altLang="zh-TW" sz="3200" b="1" dirty="0" err="1">
-                <a:solidFill>
-                  <a:srgbClr val="FF0000"/>
-                </a:solidFill>
-                <a:latin typeface="Times New Roman" pitchFamily="18" charset="0"/>
-                <a:cs typeface="Times New Roman" pitchFamily="18" charset="0"/>
-              </a:rPr>
-              <a:t>có</a:t>
-            </a:r>
-            <a:r>
-              <a:rPr lang="en-US" altLang="zh-TW" sz="3200" b="1" dirty="0">
-                <a:solidFill>
-                  <a:srgbClr val="FF0000"/>
-                </a:solidFill>
-                <a:latin typeface="Times New Roman" pitchFamily="18" charset="0"/>
-                <a:cs typeface="Times New Roman" pitchFamily="18" charset="0"/>
-              </a:rPr>
-              <a:t> </a:t>
-            </a:r>
-            <a:r>
-              <a:rPr lang="en-US" altLang="zh-TW" sz="3200" b="1" dirty="0" err="1">
-                <a:solidFill>
-                  <a:srgbClr val="FF0000"/>
-                </a:solidFill>
-                <a:latin typeface="Times New Roman" pitchFamily="18" charset="0"/>
-                <a:cs typeface="Times New Roman" pitchFamily="18" charset="0"/>
-              </a:rPr>
-              <a:t>phước</a:t>
-            </a:r>
-            <a:endParaRPr lang="zh-TW" altLang="en-US" sz="3200" b="1" dirty="0">
-              <a:solidFill>
-                <a:srgbClr val="FF0000"/>
-              </a:solidFill>
-              <a:latin typeface="Times New Roman" pitchFamily="18" charset="0"/>
-              <a:cs typeface="Times New Roman" pitchFamily="18" charset="0"/>
+              <a:t>祂真正有福</a:t>
+            </a:r>
+            <a:endParaRPr lang="vi-VN" sz="5400" b="1" dirty="0">
+              <a:latin typeface="Microsoft JhengHei" panose="020B0604030504040204" pitchFamily="34" charset="-120"/>
+              <a:ea typeface="Microsoft JhengHei" panose="020B0604030504040204" pitchFamily="34" charset="-120"/>
             </a:endParaRPr>
           </a:p>
         </p:txBody>
@@ -4442,25 +3459,18 @@
     </p:spTree>
     <p:extLst>
       <p:ext uri="{BB962C8B-B14F-4D97-AF65-F5344CB8AC3E}">
-        <p14:creationId xmlns:p14="http://schemas.microsoft.com/office/powerpoint/2010/main" val="1913138368"/>
+        <p14:creationId xmlns:p14="http://schemas.microsoft.com/office/powerpoint/2010/main" val="3435793121"/>
       </p:ext>
     </p:extLst>
   </p:cSld>
   <p:clrMapOvr>
     <a:masterClrMapping/>
   </p:clrMapOvr>
-  <p:timing>
-    <p:tnLst>
-      <p:par>
-        <p:cTn id="1" dur="indefinite" restart="never" nodeType="tmRoot"/>
-      </p:par>
-    </p:tnLst>
-  </p:timing>
 </p:sld>
 </file>
 
 <file path=ppt/theme/theme1.xml><?xml version="1.0" encoding="utf-8"?>
-<a:theme xmlns:a="http://schemas.openxmlformats.org/drawingml/2006/main" name="佈景主題1">
+<a:theme xmlns:a="http://schemas.openxmlformats.org/drawingml/2006/main" name="Theme1">
   <a:themeElements>
     <a:clrScheme name="Office">
       <a:dk1>
@@ -4739,5 +3749,10 @@
   </a:themeElements>
   <a:objectDefaults/>
   <a:extraClrSchemeLst/>
+  <a:extLst>
+    <a:ext uri="{05A4C25C-085E-4340-85A3-A5531E510DB2}">
+      <thm15:themeFamily xmlns:thm15="http://schemas.microsoft.com/office/thememl/2012/main" name="Theme1" id="{AFC7C034-021A-479F-A5B0-F4AE2AC2A6F8}" vid="{E4B01A5C-7C0B-4AB8-8973-047186F18E30}"/>
+    </a:ext>
+  </a:extLst>
 </a:theme>
 </file>